--- a/slides/ClipCap.pptx
+++ b/slides/ClipCap.pptx
@@ -1,47 +1,47 @@
 
 <file path=ppt/presentation.xml><?xml version="1.0" encoding="utf-8"?>
-<p:presentation xmlns:a="http://schemas.openxmlformats.org/drawingml/2006/main" xmlns:r="http://schemas.openxmlformats.org/officeDocument/2006/relationships" xmlns:mc="http://schemas.openxmlformats.org/markup-compatibility/2006" xmlns:mv="urn:schemas-microsoft-com:mac:vml" xmlns:p="http://schemas.openxmlformats.org/presentationml/2006/main" xmlns:c="http://schemas.openxmlformats.org/drawingml/2006/chart" xmlns:dgm="http://schemas.openxmlformats.org/drawingml/2006/diagram" xmlns:o="urn:schemas-microsoft-com:office:office" xmlns:v="urn:schemas-microsoft-com:vml" xmlns:pvml="urn:schemas-microsoft-com:office:powerpoint" xmlns:com="http://schemas.openxmlformats.org/drawingml/2006/compatibility" xmlns:p14="http://schemas.microsoft.com/office/powerpoint/2010/main" xmlns:p15="http://schemas.microsoft.com/office/powerpoint/2012/main" xmlns:ahyp="http://schemas.microsoft.com/office/drawing/2018/hyperlinkcolor" autoCompressPictures="0" embedTrueTypeFonts="1" strictFirstAndLastChars="0" saveSubsetFonts="1">
+<p:presentation xmlns:a="http://schemas.openxmlformats.org/drawingml/2006/main" xmlns:r="http://schemas.openxmlformats.org/officeDocument/2006/relationships" xmlns:p="http://schemas.openxmlformats.org/presentationml/2006/main" strictFirstAndLastChars="0" embedTrueTypeFonts="1" saveSubsetFonts="1" autoCompressPictures="0">
   <p:sldMasterIdLst>
-    <p:sldMasterId id="2147483659" r:id="rId4"/>
+    <p:sldMasterId id="2147483659" r:id="rId1"/>
   </p:sldMasterIdLst>
   <p:notesMasterIdLst>
-    <p:notesMasterId r:id="rId5"/>
+    <p:notesMasterId r:id="rId15"/>
   </p:notesMasterIdLst>
   <p:sldIdLst>
-    <p:sldId id="256" r:id="rId6"/>
-    <p:sldId id="257" r:id="rId7"/>
-    <p:sldId id="258" r:id="rId8"/>
-    <p:sldId id="259" r:id="rId9"/>
-    <p:sldId id="260" r:id="rId10"/>
-    <p:sldId id="261" r:id="rId11"/>
-    <p:sldId id="262" r:id="rId12"/>
-    <p:sldId id="263" r:id="rId13"/>
-    <p:sldId id="264" r:id="rId14"/>
-    <p:sldId id="265" r:id="rId15"/>
-    <p:sldId id="266" r:id="rId16"/>
-    <p:sldId id="267" r:id="rId17"/>
-    <p:sldId id="268" r:id="rId18"/>
+    <p:sldId id="256" r:id="rId2"/>
+    <p:sldId id="257" r:id="rId3"/>
+    <p:sldId id="258" r:id="rId4"/>
+    <p:sldId id="259" r:id="rId5"/>
+    <p:sldId id="260" r:id="rId6"/>
+    <p:sldId id="261" r:id="rId7"/>
+    <p:sldId id="262" r:id="rId8"/>
+    <p:sldId id="263" r:id="rId9"/>
+    <p:sldId id="264" r:id="rId10"/>
+    <p:sldId id="265" r:id="rId11"/>
+    <p:sldId id="266" r:id="rId12"/>
+    <p:sldId id="267" r:id="rId13"/>
+    <p:sldId id="268" r:id="rId14"/>
   </p:sldIdLst>
-  <p:sldSz cy="5143500" cx="9144000"/>
+  <p:sldSz cx="9144000" cy="5143500" type="screen16x9"/>
   <p:notesSz cx="6858000" cy="9144000"/>
   <p:embeddedFontLst>
     <p:embeddedFont>
-      <p:font typeface="Economica"/>
-      <p:regular r:id="rId19"/>
-      <p:bold r:id="rId20"/>
-      <p:italic r:id="rId21"/>
-      <p:boldItalic r:id="rId22"/>
+      <p:font typeface="Economica" panose="020B0604020202020204" charset="0"/>
+      <p:regular r:id="rId16"/>
+      <p:bold r:id="rId17"/>
+      <p:italic r:id="rId18"/>
+      <p:boldItalic r:id="rId19"/>
     </p:embeddedFont>
     <p:embeddedFont>
-      <p:font typeface="Open Sans"/>
-      <p:regular r:id="rId23"/>
-      <p:bold r:id="rId24"/>
-      <p:italic r:id="rId25"/>
-      <p:boldItalic r:id="rId26"/>
+      <p:font typeface="Open Sans" panose="020B0606030504020204" pitchFamily="34" charset="0"/>
+      <p:regular r:id="rId20"/>
+      <p:bold r:id="rId21"/>
+      <p:italic r:id="rId22"/>
+      <p:boldItalic r:id="rId23"/>
     </p:embeddedFont>
   </p:embeddedFontLst>
   <p:defaultTextStyle>
-    <a:defPPr lvl="0" marR="0" rtl="0" algn="l">
+    <a:defPPr marR="0" lvl="0" algn="l" rtl="0">
       <a:lnSpc>
         <a:spcPct val="100000"/>
       </a:lnSpc>
@@ -52,7 +52,7 @@
         <a:spcPts val="0"/>
       </a:spcAft>
     </a:defPPr>
-    <a:lvl1pPr lvl="0" marR="0" rtl="0" algn="l">
+    <a:lvl1pPr marR="0" lvl="0" algn="l" rtl="0">
       <a:lnSpc>
         <a:spcPct val="100000"/>
       </a:lnSpc>
@@ -66,7 +66,7 @@
         <a:srgbClr val="000000"/>
       </a:buClr>
       <a:buFont typeface="Arial"/>
-      <a:defRPr b="0" i="0" sz="1400" u="none" cap="none" strike="noStrike">
+      <a:defRPr sz="1400" b="0" i="0" u="none" strike="noStrike" cap="none">
         <a:solidFill>
           <a:srgbClr val="000000"/>
         </a:solidFill>
@@ -76,7 +76,7 @@
         <a:sym typeface="Arial"/>
       </a:defRPr>
     </a:lvl1pPr>
-    <a:lvl2pPr lvl="1" marR="0" rtl="0" algn="l">
+    <a:lvl2pPr marR="0" lvl="1" algn="l" rtl="0">
       <a:lnSpc>
         <a:spcPct val="100000"/>
       </a:lnSpc>
@@ -90,7 +90,7 @@
         <a:srgbClr val="000000"/>
       </a:buClr>
       <a:buFont typeface="Arial"/>
-      <a:defRPr b="0" i="0" sz="1400" u="none" cap="none" strike="noStrike">
+      <a:defRPr sz="1400" b="0" i="0" u="none" strike="noStrike" cap="none">
         <a:solidFill>
           <a:srgbClr val="000000"/>
         </a:solidFill>
@@ -100,7 +100,7 @@
         <a:sym typeface="Arial"/>
       </a:defRPr>
     </a:lvl2pPr>
-    <a:lvl3pPr lvl="2" marR="0" rtl="0" algn="l">
+    <a:lvl3pPr marR="0" lvl="2" algn="l" rtl="0">
       <a:lnSpc>
         <a:spcPct val="100000"/>
       </a:lnSpc>
@@ -114,7 +114,7 @@
         <a:srgbClr val="000000"/>
       </a:buClr>
       <a:buFont typeface="Arial"/>
-      <a:defRPr b="0" i="0" sz="1400" u="none" cap="none" strike="noStrike">
+      <a:defRPr sz="1400" b="0" i="0" u="none" strike="noStrike" cap="none">
         <a:solidFill>
           <a:srgbClr val="000000"/>
         </a:solidFill>
@@ -124,7 +124,7 @@
         <a:sym typeface="Arial"/>
       </a:defRPr>
     </a:lvl3pPr>
-    <a:lvl4pPr lvl="3" marR="0" rtl="0" algn="l">
+    <a:lvl4pPr marR="0" lvl="3" algn="l" rtl="0">
       <a:lnSpc>
         <a:spcPct val="100000"/>
       </a:lnSpc>
@@ -138,7 +138,7 @@
         <a:srgbClr val="000000"/>
       </a:buClr>
       <a:buFont typeface="Arial"/>
-      <a:defRPr b="0" i="0" sz="1400" u="none" cap="none" strike="noStrike">
+      <a:defRPr sz="1400" b="0" i="0" u="none" strike="noStrike" cap="none">
         <a:solidFill>
           <a:srgbClr val="000000"/>
         </a:solidFill>
@@ -148,7 +148,7 @@
         <a:sym typeface="Arial"/>
       </a:defRPr>
     </a:lvl4pPr>
-    <a:lvl5pPr lvl="4" marR="0" rtl="0" algn="l">
+    <a:lvl5pPr marR="0" lvl="4" algn="l" rtl="0">
       <a:lnSpc>
         <a:spcPct val="100000"/>
       </a:lnSpc>
@@ -162,7 +162,7 @@
         <a:srgbClr val="000000"/>
       </a:buClr>
       <a:buFont typeface="Arial"/>
-      <a:defRPr b="0" i="0" sz="1400" u="none" cap="none" strike="noStrike">
+      <a:defRPr sz="1400" b="0" i="0" u="none" strike="noStrike" cap="none">
         <a:solidFill>
           <a:srgbClr val="000000"/>
         </a:solidFill>
@@ -172,7 +172,7 @@
         <a:sym typeface="Arial"/>
       </a:defRPr>
     </a:lvl5pPr>
-    <a:lvl6pPr lvl="5" marR="0" rtl="0" algn="l">
+    <a:lvl6pPr marR="0" lvl="5" algn="l" rtl="0">
       <a:lnSpc>
         <a:spcPct val="100000"/>
       </a:lnSpc>
@@ -186,7 +186,7 @@
         <a:srgbClr val="000000"/>
       </a:buClr>
       <a:buFont typeface="Arial"/>
-      <a:defRPr b="0" i="0" sz="1400" u="none" cap="none" strike="noStrike">
+      <a:defRPr sz="1400" b="0" i="0" u="none" strike="noStrike" cap="none">
         <a:solidFill>
           <a:srgbClr val="000000"/>
         </a:solidFill>
@@ -196,7 +196,7 @@
         <a:sym typeface="Arial"/>
       </a:defRPr>
     </a:lvl6pPr>
-    <a:lvl7pPr lvl="6" marR="0" rtl="0" algn="l">
+    <a:lvl7pPr marR="0" lvl="6" algn="l" rtl="0">
       <a:lnSpc>
         <a:spcPct val="100000"/>
       </a:lnSpc>
@@ -210,7 +210,7 @@
         <a:srgbClr val="000000"/>
       </a:buClr>
       <a:buFont typeface="Arial"/>
-      <a:defRPr b="0" i="0" sz="1400" u="none" cap="none" strike="noStrike">
+      <a:defRPr sz="1400" b="0" i="0" u="none" strike="noStrike" cap="none">
         <a:solidFill>
           <a:srgbClr val="000000"/>
         </a:solidFill>
@@ -220,7 +220,7 @@
         <a:sym typeface="Arial"/>
       </a:defRPr>
     </a:lvl7pPr>
-    <a:lvl8pPr lvl="7" marR="0" rtl="0" algn="l">
+    <a:lvl8pPr marR="0" lvl="7" algn="l" rtl="0">
       <a:lnSpc>
         <a:spcPct val="100000"/>
       </a:lnSpc>
@@ -234,7 +234,7 @@
         <a:srgbClr val="000000"/>
       </a:buClr>
       <a:buFont typeface="Arial"/>
-      <a:defRPr b="0" i="0" sz="1400" u="none" cap="none" strike="noStrike">
+      <a:defRPr sz="1400" b="0" i="0" u="none" strike="noStrike" cap="none">
         <a:solidFill>
           <a:srgbClr val="000000"/>
         </a:solidFill>
@@ -244,7 +244,7 @@
         <a:sym typeface="Arial"/>
       </a:defRPr>
     </a:lvl8pPr>
-    <a:lvl9pPr lvl="8" marR="0" rtl="0" algn="l">
+    <a:lvl9pPr marR="0" lvl="8" algn="l" rtl="0">
       <a:lnSpc>
         <a:spcPct val="100000"/>
       </a:lnSpc>
@@ -258,7 +258,7 @@
         <a:srgbClr val="000000"/>
       </a:buClr>
       <a:buFont typeface="Arial"/>
-      <a:defRPr b="0" i="0" sz="1400" u="none" cap="none" strike="noStrike">
+      <a:defRPr sz="1400" b="0" i="0" u="none" strike="noStrike" cap="none">
         <a:solidFill>
           <a:srgbClr val="000000"/>
         </a:solidFill>
@@ -271,7 +271,7 @@
   </p:defaultTextStyle>
   <p:extLst>
     <p:ext uri="{EFAFB233-063F-42B5-8137-9DF3F51BA10A}">
-      <p15:sldGuideLst>
+      <p15:sldGuideLst xmlns:p15="http://schemas.microsoft.com/office/powerpoint/2012/main">
         <p15:guide id="1" orient="horz" pos="1620">
           <p15:clr>
             <a:srgbClr val="747775"/>
@@ -289,11 +289,16 @@
 </file>
 
 <file path=ppt/notesMasters/notesMaster1.xml><?xml version="1.0" encoding="utf-8"?>
-<p:notesMaster xmlns:a="http://schemas.openxmlformats.org/drawingml/2006/main" xmlns:r="http://schemas.openxmlformats.org/officeDocument/2006/relationships" xmlns:mc="http://schemas.openxmlformats.org/markup-compatibility/2006" xmlns:mv="urn:schemas-microsoft-com:mac:vml" xmlns:p="http://schemas.openxmlformats.org/presentationml/2006/main" xmlns:c="http://schemas.openxmlformats.org/drawingml/2006/chart" xmlns:dgm="http://schemas.openxmlformats.org/drawingml/2006/diagram" xmlns:o="urn:schemas-microsoft-com:office:office" xmlns:v="urn:schemas-microsoft-com:vml" xmlns:pvml="urn:schemas-microsoft-com:office:powerpoint" xmlns:com="http://schemas.openxmlformats.org/drawingml/2006/compatibility" xmlns:p14="http://schemas.microsoft.com/office/powerpoint/2010/main" xmlns:p15="http://schemas.microsoft.com/office/powerpoint/2012/main" xmlns:ahyp="http://schemas.microsoft.com/office/drawing/2018/hyperlinkcolor">
+<p:notesMaster xmlns:a="http://schemas.openxmlformats.org/drawingml/2006/main" xmlns:r="http://schemas.openxmlformats.org/officeDocument/2006/relationships" xmlns:p="http://schemas.openxmlformats.org/presentationml/2006/main">
   <p:cSld>
+    <p:bg>
+      <p:bgRef idx="1001">
+        <a:schemeClr val="bg1"/>
+      </p:bgRef>
+    </p:bg>
     <p:spTree>
       <p:nvGrpSpPr>
-        <p:cNvPr id="2" name="Shape 2"/>
+        <p:cNvPr id="1" name="Shape 2"/>
         <p:cNvGrpSpPr/>
         <p:nvPr/>
       </p:nvGrpSpPr>
@@ -308,9 +313,11 @@
       <p:sp>
         <p:nvSpPr>
           <p:cNvPr id="3" name="Google Shape;3;n"/>
-          <p:cNvSpPr/>
+          <p:cNvSpPr>
+            <a:spLocks noGrp="1" noRot="1" noChangeAspect="1"/>
+          </p:cNvSpPr>
           <p:nvPr>
-            <p:ph idx="2" type="sldImg"/>
+            <p:ph type="sldImg" idx="2"/>
           </p:nvPr>
         </p:nvSpPr>
         <p:spPr>
@@ -319,9 +326,13 @@
             <a:ext cx="6096075" cy="3429000"/>
           </a:xfrm>
           <a:custGeom>
-            <a:rect b="b" l="l" r="r" t="t"/>
+            <a:avLst/>
+            <a:gdLst/>
+            <a:ahLst/>
+            <a:cxnLst/>
+            <a:rect l="l" t="t" r="r" b="b"/>
             <a:pathLst>
-              <a:path extrusionOk="0" h="120000" w="120000">
+              <a:path w="120000" h="120000" extrusionOk="0">
                 <a:moveTo>
                   <a:pt x="0" y="0"/>
                 </a:moveTo>
@@ -339,23 +350,25 @@
             </a:pathLst>
           </a:custGeom>
           <a:noFill/>
-          <a:ln cap="flat" cmpd="sng" w="9525">
+          <a:ln w="9525" cap="flat" cmpd="sng">
             <a:solidFill>
               <a:srgbClr val="000000"/>
             </a:solidFill>
             <a:prstDash val="solid"/>
             <a:round/>
-            <a:headEnd len="sm" w="sm" type="none"/>
-            <a:tailEnd len="sm" w="sm" type="none"/>
+            <a:headEnd type="none" w="sm" len="sm"/>
+            <a:tailEnd type="none" w="sm" len="sm"/>
           </a:ln>
         </p:spPr>
       </p:sp>
       <p:sp>
         <p:nvSpPr>
           <p:cNvPr id="4" name="Google Shape;4;n"/>
-          <p:cNvSpPr txBox="1"/>
+          <p:cNvSpPr txBox="1">
+            <a:spLocks noGrp="1"/>
+          </p:cNvSpPr>
           <p:nvPr>
-            <p:ph idx="1" type="body"/>
+            <p:ph type="body" idx="1"/>
           </p:nvPr>
         </p:nvSpPr>
         <p:spPr>
@@ -372,11 +385,11 @@
           </a:ln>
         </p:spPr>
         <p:txBody>
-          <a:bodyPr anchorCtr="0" anchor="t" bIns="91425" lIns="91425" spcFirstLastPara="1" rIns="91425" wrap="square" tIns="91425">
+          <a:bodyPr spcFirstLastPara="1" wrap="square" lIns="91425" tIns="91425" rIns="91425" bIns="91425" anchor="t" anchorCtr="0">
             <a:noAutofit/>
           </a:bodyPr>
           <a:lstStyle>
-            <a:lvl1pPr indent="-298450" lvl="0" marL="457200">
+            <a:lvl1pPr marL="457200" lvl="0" indent="-298450">
               <a:spcBef>
                 <a:spcPts val="0"/>
               </a:spcBef>
@@ -387,7 +400,7 @@
               <a:buChar char="●"/>
               <a:defRPr sz="1100"/>
             </a:lvl1pPr>
-            <a:lvl2pPr indent="-298450" lvl="1" marL="914400">
+            <a:lvl2pPr marL="914400" lvl="1" indent="-298450">
               <a:spcBef>
                 <a:spcPts val="0"/>
               </a:spcBef>
@@ -398,7 +411,7 @@
               <a:buChar char="○"/>
               <a:defRPr sz="1100"/>
             </a:lvl2pPr>
-            <a:lvl3pPr indent="-298450" lvl="2" marL="1371600">
+            <a:lvl3pPr marL="1371600" lvl="2" indent="-298450">
               <a:spcBef>
                 <a:spcPts val="0"/>
               </a:spcBef>
@@ -409,7 +422,7 @@
               <a:buChar char="■"/>
               <a:defRPr sz="1100"/>
             </a:lvl3pPr>
-            <a:lvl4pPr indent="-298450" lvl="3" marL="1828800">
+            <a:lvl4pPr marL="1828800" lvl="3" indent="-298450">
               <a:spcBef>
                 <a:spcPts val="0"/>
               </a:spcBef>
@@ -420,7 +433,7 @@
               <a:buChar char="●"/>
               <a:defRPr sz="1100"/>
             </a:lvl4pPr>
-            <a:lvl5pPr indent="-298450" lvl="4" marL="2286000">
+            <a:lvl5pPr marL="2286000" lvl="4" indent="-298450">
               <a:spcBef>
                 <a:spcPts val="0"/>
               </a:spcBef>
@@ -431,7 +444,7 @@
               <a:buChar char="○"/>
               <a:defRPr sz="1100"/>
             </a:lvl5pPr>
-            <a:lvl6pPr indent="-298450" lvl="5" marL="2743200">
+            <a:lvl6pPr marL="2743200" lvl="5" indent="-298450">
               <a:spcBef>
                 <a:spcPts val="0"/>
               </a:spcBef>
@@ -442,7 +455,7 @@
               <a:buChar char="■"/>
               <a:defRPr sz="1100"/>
             </a:lvl6pPr>
-            <a:lvl7pPr indent="-298450" lvl="6" marL="3200400">
+            <a:lvl7pPr marL="3200400" lvl="6" indent="-298450">
               <a:spcBef>
                 <a:spcPts val="0"/>
               </a:spcBef>
@@ -453,7 +466,7 @@
               <a:buChar char="●"/>
               <a:defRPr sz="1100"/>
             </a:lvl7pPr>
-            <a:lvl8pPr indent="-298450" lvl="7" marL="3657600">
+            <a:lvl8pPr marL="3657600" lvl="7" indent="-298450">
               <a:spcBef>
                 <a:spcPts val="0"/>
               </a:spcBef>
@@ -464,7 +477,7 @@
               <a:buChar char="○"/>
               <a:defRPr sz="1100"/>
             </a:lvl8pPr>
-            <a:lvl9pPr indent="-298450" lvl="8" marL="4114800">
+            <a:lvl9pPr marL="4114800" lvl="8" indent="-298450">
               <a:spcBef>
                 <a:spcPts val="0"/>
               </a:spcBef>
@@ -476,14 +489,16 @@
               <a:defRPr sz="1100"/>
             </a:lvl9pPr>
           </a:lstStyle>
-          <a:p/>
+          <a:p>
+            <a:endParaRPr/>
+          </a:p>
         </p:txBody>
       </p:sp>
     </p:spTree>
   </p:cSld>
-  <p:clrMap accent1="accent1" accent2="accent2" accent3="accent3" accent4="accent4" accent5="accent5" accent6="accent6" bg1="lt1" bg2="dk2" tx1="dk1" tx2="lt2" folHlink="folHlink" hlink="hlink"/>
+  <p:clrMap bg1="lt1" tx1="dk1" bg2="dk2" tx2="lt2" accent1="accent1" accent2="accent2" accent3="accent3" accent4="accent4" accent5="accent5" accent6="accent6" hlink="hlink" folHlink="folHlink"/>
   <p:notesStyle>
-    <a:defPPr lvl="0" marR="0" rtl="0" algn="l">
+    <a:defPPr marR="0" lvl="0" algn="l" rtl="0">
       <a:lnSpc>
         <a:spcPct val="100000"/>
       </a:lnSpc>
@@ -494,7 +509,7 @@
         <a:spcPts val="0"/>
       </a:spcAft>
     </a:defPPr>
-    <a:lvl1pPr lvl="0" marR="0" rtl="0" algn="l">
+    <a:lvl1pPr marR="0" lvl="0" algn="l" rtl="0">
       <a:lnSpc>
         <a:spcPct val="100000"/>
       </a:lnSpc>
@@ -508,7 +523,7 @@
         <a:srgbClr val="000000"/>
       </a:buClr>
       <a:buFont typeface="Arial"/>
-      <a:defRPr b="0" i="0" sz="1400" u="none" cap="none" strike="noStrike">
+      <a:defRPr sz="1400" b="0" i="0" u="none" strike="noStrike" cap="none">
         <a:solidFill>
           <a:srgbClr val="000000"/>
         </a:solidFill>
@@ -518,7 +533,7 @@
         <a:sym typeface="Arial"/>
       </a:defRPr>
     </a:lvl1pPr>
-    <a:lvl2pPr lvl="1" marR="0" rtl="0" algn="l">
+    <a:lvl2pPr marR="0" lvl="1" algn="l" rtl="0">
       <a:lnSpc>
         <a:spcPct val="100000"/>
       </a:lnSpc>
@@ -532,7 +547,7 @@
         <a:srgbClr val="000000"/>
       </a:buClr>
       <a:buFont typeface="Arial"/>
-      <a:defRPr b="0" i="0" sz="1400" u="none" cap="none" strike="noStrike">
+      <a:defRPr sz="1400" b="0" i="0" u="none" strike="noStrike" cap="none">
         <a:solidFill>
           <a:srgbClr val="000000"/>
         </a:solidFill>
@@ -542,7 +557,7 @@
         <a:sym typeface="Arial"/>
       </a:defRPr>
     </a:lvl2pPr>
-    <a:lvl3pPr lvl="2" marR="0" rtl="0" algn="l">
+    <a:lvl3pPr marR="0" lvl="2" algn="l" rtl="0">
       <a:lnSpc>
         <a:spcPct val="100000"/>
       </a:lnSpc>
@@ -556,7 +571,7 @@
         <a:srgbClr val="000000"/>
       </a:buClr>
       <a:buFont typeface="Arial"/>
-      <a:defRPr b="0" i="0" sz="1400" u="none" cap="none" strike="noStrike">
+      <a:defRPr sz="1400" b="0" i="0" u="none" strike="noStrike" cap="none">
         <a:solidFill>
           <a:srgbClr val="000000"/>
         </a:solidFill>
@@ -566,7 +581,7 @@
         <a:sym typeface="Arial"/>
       </a:defRPr>
     </a:lvl3pPr>
-    <a:lvl4pPr lvl="3" marR="0" rtl="0" algn="l">
+    <a:lvl4pPr marR="0" lvl="3" algn="l" rtl="0">
       <a:lnSpc>
         <a:spcPct val="100000"/>
       </a:lnSpc>
@@ -580,7 +595,7 @@
         <a:srgbClr val="000000"/>
       </a:buClr>
       <a:buFont typeface="Arial"/>
-      <a:defRPr b="0" i="0" sz="1400" u="none" cap="none" strike="noStrike">
+      <a:defRPr sz="1400" b="0" i="0" u="none" strike="noStrike" cap="none">
         <a:solidFill>
           <a:srgbClr val="000000"/>
         </a:solidFill>
@@ -590,7 +605,7 @@
         <a:sym typeface="Arial"/>
       </a:defRPr>
     </a:lvl4pPr>
-    <a:lvl5pPr lvl="4" marR="0" rtl="0" algn="l">
+    <a:lvl5pPr marR="0" lvl="4" algn="l" rtl="0">
       <a:lnSpc>
         <a:spcPct val="100000"/>
       </a:lnSpc>
@@ -604,7 +619,7 @@
         <a:srgbClr val="000000"/>
       </a:buClr>
       <a:buFont typeface="Arial"/>
-      <a:defRPr b="0" i="0" sz="1400" u="none" cap="none" strike="noStrike">
+      <a:defRPr sz="1400" b="0" i="0" u="none" strike="noStrike" cap="none">
         <a:solidFill>
           <a:srgbClr val="000000"/>
         </a:solidFill>
@@ -614,7 +629,7 @@
         <a:sym typeface="Arial"/>
       </a:defRPr>
     </a:lvl5pPr>
-    <a:lvl6pPr lvl="5" marR="0" rtl="0" algn="l">
+    <a:lvl6pPr marR="0" lvl="5" algn="l" rtl="0">
       <a:lnSpc>
         <a:spcPct val="100000"/>
       </a:lnSpc>
@@ -628,7 +643,7 @@
         <a:srgbClr val="000000"/>
       </a:buClr>
       <a:buFont typeface="Arial"/>
-      <a:defRPr b="0" i="0" sz="1400" u="none" cap="none" strike="noStrike">
+      <a:defRPr sz="1400" b="0" i="0" u="none" strike="noStrike" cap="none">
         <a:solidFill>
           <a:srgbClr val="000000"/>
         </a:solidFill>
@@ -638,7 +653,7 @@
         <a:sym typeface="Arial"/>
       </a:defRPr>
     </a:lvl6pPr>
-    <a:lvl7pPr lvl="6" marR="0" rtl="0" algn="l">
+    <a:lvl7pPr marR="0" lvl="6" algn="l" rtl="0">
       <a:lnSpc>
         <a:spcPct val="100000"/>
       </a:lnSpc>
@@ -652,7 +667,7 @@
         <a:srgbClr val="000000"/>
       </a:buClr>
       <a:buFont typeface="Arial"/>
-      <a:defRPr b="0" i="0" sz="1400" u="none" cap="none" strike="noStrike">
+      <a:defRPr sz="1400" b="0" i="0" u="none" strike="noStrike" cap="none">
         <a:solidFill>
           <a:srgbClr val="000000"/>
         </a:solidFill>
@@ -662,7 +677,7 @@
         <a:sym typeface="Arial"/>
       </a:defRPr>
     </a:lvl7pPr>
-    <a:lvl8pPr lvl="7" marR="0" rtl="0" algn="l">
+    <a:lvl8pPr marR="0" lvl="7" algn="l" rtl="0">
       <a:lnSpc>
         <a:spcPct val="100000"/>
       </a:lnSpc>
@@ -676,7 +691,7 @@
         <a:srgbClr val="000000"/>
       </a:buClr>
       <a:buFont typeface="Arial"/>
-      <a:defRPr b="0" i="0" sz="1400" u="none" cap="none" strike="noStrike">
+      <a:defRPr sz="1400" b="0" i="0" u="none" strike="noStrike" cap="none">
         <a:solidFill>
           <a:srgbClr val="000000"/>
         </a:solidFill>
@@ -686,7 +701,7 @@
         <a:sym typeface="Arial"/>
       </a:defRPr>
     </a:lvl8pPr>
-    <a:lvl9pPr lvl="8" marR="0" rtl="0" algn="l">
+    <a:lvl9pPr marR="0" lvl="8" algn="l" rtl="0">
       <a:lnSpc>
         <a:spcPct val="100000"/>
       </a:lnSpc>
@@ -700,7 +715,7 @@
         <a:srgbClr val="000000"/>
       </a:buClr>
       <a:buFont typeface="Arial"/>
-      <a:defRPr b="0" i="0" sz="1400" u="none" cap="none" strike="noStrike">
+      <a:defRPr sz="1400" b="0" i="0" u="none" strike="noStrike" cap="none">
         <a:solidFill>
           <a:srgbClr val="000000"/>
         </a:solidFill>
@@ -715,11 +730,11 @@
 </file>
 
 <file path=ppt/notesSlides/notesSlide1.xml><?xml version="1.0" encoding="utf-8"?>
-<p:notes xmlns:a="http://schemas.openxmlformats.org/drawingml/2006/main" xmlns:r="http://schemas.openxmlformats.org/officeDocument/2006/relationships" xmlns:mc="http://schemas.openxmlformats.org/markup-compatibility/2006" xmlns:mv="urn:schemas-microsoft-com:mac:vml" xmlns:p="http://schemas.openxmlformats.org/presentationml/2006/main" xmlns:c="http://schemas.openxmlformats.org/drawingml/2006/chart" xmlns:dgm="http://schemas.openxmlformats.org/drawingml/2006/diagram" xmlns:o="urn:schemas-microsoft-com:office:office" xmlns:v="urn:schemas-microsoft-com:vml" xmlns:pvml="urn:schemas-microsoft-com:office:powerpoint" xmlns:com="http://schemas.openxmlformats.org/drawingml/2006/compatibility" xmlns:p14="http://schemas.microsoft.com/office/powerpoint/2010/main" xmlns:p15="http://schemas.microsoft.com/office/powerpoint/2012/main" xmlns:ahyp="http://schemas.microsoft.com/office/drawing/2018/hyperlinkcolor" showMasterPhAnim="0" showMasterSp="0">
+<p:notes xmlns:a="http://schemas.openxmlformats.org/drawingml/2006/main" xmlns:r="http://schemas.openxmlformats.org/officeDocument/2006/relationships" xmlns:p="http://schemas.openxmlformats.org/presentationml/2006/main" showMasterSp="0" showMasterPhAnim="0">
   <p:cSld>
     <p:spTree>
       <p:nvGrpSpPr>
-        <p:cNvPr id="58" name="Shape 58"/>
+        <p:cNvPr id="1" name="Shape 58"/>
         <p:cNvGrpSpPr/>
         <p:nvPr/>
       </p:nvGrpSpPr>
@@ -734,9 +749,11 @@
       <p:sp>
         <p:nvSpPr>
           <p:cNvPr id="59" name="Google Shape;59;p:notes"/>
-          <p:cNvSpPr/>
+          <p:cNvSpPr>
+            <a:spLocks noGrp="1" noRot="1" noChangeAspect="1"/>
+          </p:cNvSpPr>
           <p:nvPr>
-            <p:ph idx="2" type="sldImg"/>
+            <p:ph type="sldImg" idx="2"/>
           </p:nvPr>
         </p:nvSpPr>
         <p:spPr>
@@ -745,9 +762,13 @@
             <a:ext cx="6096075" cy="3429000"/>
           </a:xfrm>
           <a:custGeom>
-            <a:rect b="b" l="l" r="r" t="t"/>
+            <a:avLst/>
+            <a:gdLst/>
+            <a:ahLst/>
+            <a:cxnLst/>
+            <a:rect l="l" t="t" r="r" b="b"/>
             <a:pathLst>
-              <a:path extrusionOk="0" h="120000" w="120000">
+              <a:path w="120000" h="120000" extrusionOk="0">
                 <a:moveTo>
                   <a:pt x="0" y="0"/>
                 </a:moveTo>
@@ -769,9 +790,11 @@
       <p:sp>
         <p:nvSpPr>
           <p:cNvPr id="60" name="Google Shape;60;p:notes"/>
-          <p:cNvSpPr txBox="1"/>
+          <p:cNvSpPr txBox="1">
+            <a:spLocks noGrp="1"/>
+          </p:cNvSpPr>
           <p:nvPr>
-            <p:ph idx="1" type="body"/>
+            <p:ph type="body" idx="1"/>
           </p:nvPr>
         </p:nvSpPr>
         <p:spPr>
@@ -784,12 +807,12 @@
           </a:prstGeom>
         </p:spPr>
         <p:txBody>
-          <a:bodyPr anchorCtr="0" anchor="t" bIns="91425" lIns="91425" spcFirstLastPara="1" rIns="91425" wrap="square" tIns="91425">
+          <a:bodyPr spcFirstLastPara="1" wrap="square" lIns="91425" tIns="91425" rIns="91425" bIns="91425" anchor="t" anchorCtr="0">
             <a:noAutofit/>
           </a:bodyPr>
           <a:lstStyle/>
           <a:p>
-            <a:pPr indent="0" lvl="0" marL="0" rtl="0" algn="l">
+            <a:pPr marL="0" lvl="0" indent="0" algn="l" rtl="0">
               <a:spcBef>
                 <a:spcPts val="0"/>
               </a:spcBef>
@@ -798,9 +821,6 @@
               </a:spcAft>
               <a:buNone/>
             </a:pPr>
-            <a:r>
-              <a:t/>
-            </a:r>
             <a:endParaRPr/>
           </a:p>
         </p:txBody>
@@ -814,11 +834,11 @@
 </file>
 
 <file path=ppt/notesSlides/notesSlide10.xml><?xml version="1.0" encoding="utf-8"?>
-<p:notes xmlns:a="http://schemas.openxmlformats.org/drawingml/2006/main" xmlns:r="http://schemas.openxmlformats.org/officeDocument/2006/relationships" xmlns:mc="http://schemas.openxmlformats.org/markup-compatibility/2006" xmlns:mv="urn:schemas-microsoft-com:mac:vml" xmlns:p="http://schemas.openxmlformats.org/presentationml/2006/main" xmlns:c="http://schemas.openxmlformats.org/drawingml/2006/chart" xmlns:dgm="http://schemas.openxmlformats.org/drawingml/2006/diagram" xmlns:o="urn:schemas-microsoft-com:office:office" xmlns:v="urn:schemas-microsoft-com:vml" xmlns:pvml="urn:schemas-microsoft-com:office:powerpoint" xmlns:com="http://schemas.openxmlformats.org/drawingml/2006/compatibility" xmlns:p14="http://schemas.microsoft.com/office/powerpoint/2010/main" xmlns:p15="http://schemas.microsoft.com/office/powerpoint/2012/main" xmlns:ahyp="http://schemas.microsoft.com/office/drawing/2018/hyperlinkcolor" showMasterPhAnim="0" showMasterSp="0">
+<p:notes xmlns:a="http://schemas.openxmlformats.org/drawingml/2006/main" xmlns:r="http://schemas.openxmlformats.org/officeDocument/2006/relationships" xmlns:p="http://schemas.openxmlformats.org/presentationml/2006/main" showMasterSp="0" showMasterPhAnim="0">
   <p:cSld>
     <p:spTree>
       <p:nvGrpSpPr>
-        <p:cNvPr id="121" name="Shape 121"/>
+        <p:cNvPr id="1" name="Shape 121"/>
         <p:cNvGrpSpPr/>
         <p:nvPr/>
       </p:nvGrpSpPr>
@@ -833,9 +853,11 @@
       <p:sp>
         <p:nvSpPr>
           <p:cNvPr id="122" name="Google Shape;122;g24b3a681a46_0_266:notes"/>
-          <p:cNvSpPr/>
+          <p:cNvSpPr>
+            <a:spLocks noGrp="1" noRot="1" noChangeAspect="1"/>
+          </p:cNvSpPr>
           <p:nvPr>
-            <p:ph idx="2" type="sldImg"/>
+            <p:ph type="sldImg" idx="2"/>
           </p:nvPr>
         </p:nvSpPr>
         <p:spPr>
@@ -844,9 +866,13 @@
             <a:ext cx="6096000" cy="3429000"/>
           </a:xfrm>
           <a:custGeom>
-            <a:rect b="b" l="l" r="r" t="t"/>
+            <a:avLst/>
+            <a:gdLst/>
+            <a:ahLst/>
+            <a:cxnLst/>
+            <a:rect l="l" t="t" r="r" b="b"/>
             <a:pathLst>
-              <a:path extrusionOk="0" h="120000" w="120000">
+              <a:path w="120000" h="120000" extrusionOk="0">
                 <a:moveTo>
                   <a:pt x="0" y="0"/>
                 </a:moveTo>
@@ -868,9 +894,11 @@
       <p:sp>
         <p:nvSpPr>
           <p:cNvPr id="123" name="Google Shape;123;g24b3a681a46_0_266:notes"/>
-          <p:cNvSpPr txBox="1"/>
+          <p:cNvSpPr txBox="1">
+            <a:spLocks noGrp="1"/>
+          </p:cNvSpPr>
           <p:nvPr>
-            <p:ph idx="1" type="body"/>
+            <p:ph type="body" idx="1"/>
           </p:nvPr>
         </p:nvSpPr>
         <p:spPr>
@@ -883,12 +911,12 @@
           </a:prstGeom>
         </p:spPr>
         <p:txBody>
-          <a:bodyPr anchorCtr="0" anchor="t" bIns="91425" lIns="91425" spcFirstLastPara="1" rIns="91425" wrap="square" tIns="91425">
+          <a:bodyPr spcFirstLastPara="1" wrap="square" lIns="91425" tIns="91425" rIns="91425" bIns="91425" anchor="t" anchorCtr="0">
             <a:noAutofit/>
           </a:bodyPr>
           <a:lstStyle/>
           <a:p>
-            <a:pPr indent="0" lvl="0" marL="0" rtl="0" algn="l">
+            <a:pPr marL="0" lvl="0" indent="0" algn="l" rtl="0">
               <a:spcBef>
                 <a:spcPts val="0"/>
               </a:spcBef>
@@ -897,9 +925,6 @@
               </a:spcAft>
               <a:buNone/>
             </a:pPr>
-            <a:r>
-              <a:t/>
-            </a:r>
             <a:endParaRPr/>
           </a:p>
         </p:txBody>
@@ -913,11 +938,11 @@
 </file>
 
 <file path=ppt/notesSlides/notesSlide11.xml><?xml version="1.0" encoding="utf-8"?>
-<p:notes xmlns:a="http://schemas.openxmlformats.org/drawingml/2006/main" xmlns:r="http://schemas.openxmlformats.org/officeDocument/2006/relationships" xmlns:mc="http://schemas.openxmlformats.org/markup-compatibility/2006" xmlns:mv="urn:schemas-microsoft-com:mac:vml" xmlns:p="http://schemas.openxmlformats.org/presentationml/2006/main" xmlns:c="http://schemas.openxmlformats.org/drawingml/2006/chart" xmlns:dgm="http://schemas.openxmlformats.org/drawingml/2006/diagram" xmlns:o="urn:schemas-microsoft-com:office:office" xmlns:v="urn:schemas-microsoft-com:vml" xmlns:pvml="urn:schemas-microsoft-com:office:powerpoint" xmlns:com="http://schemas.openxmlformats.org/drawingml/2006/compatibility" xmlns:p14="http://schemas.microsoft.com/office/powerpoint/2010/main" xmlns:p15="http://schemas.microsoft.com/office/powerpoint/2012/main" xmlns:ahyp="http://schemas.microsoft.com/office/drawing/2018/hyperlinkcolor" showMasterPhAnim="0" showMasterSp="0">
+<p:notes xmlns:a="http://schemas.openxmlformats.org/drawingml/2006/main" xmlns:r="http://schemas.openxmlformats.org/officeDocument/2006/relationships" xmlns:p="http://schemas.openxmlformats.org/presentationml/2006/main" showMasterSp="0" showMasterPhAnim="0">
   <p:cSld>
     <p:spTree>
       <p:nvGrpSpPr>
-        <p:cNvPr id="127" name="Shape 127"/>
+        <p:cNvPr id="1" name="Shape 127"/>
         <p:cNvGrpSpPr/>
         <p:nvPr/>
       </p:nvGrpSpPr>
@@ -932,9 +957,11 @@
       <p:sp>
         <p:nvSpPr>
           <p:cNvPr id="128" name="Google Shape;128;g24b3a681a46_0_279:notes"/>
-          <p:cNvSpPr/>
+          <p:cNvSpPr>
+            <a:spLocks noGrp="1" noRot="1" noChangeAspect="1"/>
+          </p:cNvSpPr>
           <p:nvPr>
-            <p:ph idx="2" type="sldImg"/>
+            <p:ph type="sldImg" idx="2"/>
           </p:nvPr>
         </p:nvSpPr>
         <p:spPr>
@@ -943,9 +970,13 @@
             <a:ext cx="6096000" cy="3429000"/>
           </a:xfrm>
           <a:custGeom>
-            <a:rect b="b" l="l" r="r" t="t"/>
+            <a:avLst/>
+            <a:gdLst/>
+            <a:ahLst/>
+            <a:cxnLst/>
+            <a:rect l="l" t="t" r="r" b="b"/>
             <a:pathLst>
-              <a:path extrusionOk="0" h="120000" w="120000">
+              <a:path w="120000" h="120000" extrusionOk="0">
                 <a:moveTo>
                   <a:pt x="0" y="0"/>
                 </a:moveTo>
@@ -967,9 +998,11 @@
       <p:sp>
         <p:nvSpPr>
           <p:cNvPr id="129" name="Google Shape;129;g24b3a681a46_0_279:notes"/>
-          <p:cNvSpPr txBox="1"/>
+          <p:cNvSpPr txBox="1">
+            <a:spLocks noGrp="1"/>
+          </p:cNvSpPr>
           <p:nvPr>
-            <p:ph idx="1" type="body"/>
+            <p:ph type="body" idx="1"/>
           </p:nvPr>
         </p:nvSpPr>
         <p:spPr>
@@ -982,12 +1015,12 @@
           </a:prstGeom>
         </p:spPr>
         <p:txBody>
-          <a:bodyPr anchorCtr="0" anchor="t" bIns="91425" lIns="91425" spcFirstLastPara="1" rIns="91425" wrap="square" tIns="91425">
+          <a:bodyPr spcFirstLastPara="1" wrap="square" lIns="91425" tIns="91425" rIns="91425" bIns="91425" anchor="t" anchorCtr="0">
             <a:noAutofit/>
           </a:bodyPr>
           <a:lstStyle/>
           <a:p>
-            <a:pPr indent="0" lvl="0" marL="0" rtl="0" algn="l">
+            <a:pPr marL="0" lvl="0" indent="0" algn="l" rtl="0">
               <a:spcBef>
                 <a:spcPts val="0"/>
               </a:spcBef>
@@ -996,9 +1029,6 @@
               </a:spcAft>
               <a:buNone/>
             </a:pPr>
-            <a:r>
-              <a:t/>
-            </a:r>
             <a:endParaRPr/>
           </a:p>
         </p:txBody>
@@ -1012,11 +1042,11 @@
 </file>
 
 <file path=ppt/notesSlides/notesSlide12.xml><?xml version="1.0" encoding="utf-8"?>
-<p:notes xmlns:a="http://schemas.openxmlformats.org/drawingml/2006/main" xmlns:r="http://schemas.openxmlformats.org/officeDocument/2006/relationships" xmlns:mc="http://schemas.openxmlformats.org/markup-compatibility/2006" xmlns:mv="urn:schemas-microsoft-com:mac:vml" xmlns:p="http://schemas.openxmlformats.org/presentationml/2006/main" xmlns:c="http://schemas.openxmlformats.org/drawingml/2006/chart" xmlns:dgm="http://schemas.openxmlformats.org/drawingml/2006/diagram" xmlns:o="urn:schemas-microsoft-com:office:office" xmlns:v="urn:schemas-microsoft-com:vml" xmlns:pvml="urn:schemas-microsoft-com:office:powerpoint" xmlns:com="http://schemas.openxmlformats.org/drawingml/2006/compatibility" xmlns:p14="http://schemas.microsoft.com/office/powerpoint/2010/main" xmlns:p15="http://schemas.microsoft.com/office/powerpoint/2012/main" xmlns:ahyp="http://schemas.microsoft.com/office/drawing/2018/hyperlinkcolor" showMasterPhAnim="0" showMasterSp="0">
+<p:notes xmlns:a="http://schemas.openxmlformats.org/drawingml/2006/main" xmlns:r="http://schemas.openxmlformats.org/officeDocument/2006/relationships" xmlns:p="http://schemas.openxmlformats.org/presentationml/2006/main" showMasterSp="0" showMasterPhAnim="0">
   <p:cSld>
     <p:spTree>
       <p:nvGrpSpPr>
-        <p:cNvPr id="133" name="Shape 133"/>
+        <p:cNvPr id="1" name="Shape 133"/>
         <p:cNvGrpSpPr/>
         <p:nvPr/>
       </p:nvGrpSpPr>
@@ -1031,9 +1061,11 @@
       <p:sp>
         <p:nvSpPr>
           <p:cNvPr id="134" name="Google Shape;134;g24b3a681a46_0_285:notes"/>
-          <p:cNvSpPr/>
+          <p:cNvSpPr>
+            <a:spLocks noGrp="1" noRot="1" noChangeAspect="1"/>
+          </p:cNvSpPr>
           <p:nvPr>
-            <p:ph idx="2" type="sldImg"/>
+            <p:ph type="sldImg" idx="2"/>
           </p:nvPr>
         </p:nvSpPr>
         <p:spPr>
@@ -1042,9 +1074,13 @@
             <a:ext cx="6096000" cy="3429000"/>
           </a:xfrm>
           <a:custGeom>
-            <a:rect b="b" l="l" r="r" t="t"/>
+            <a:avLst/>
+            <a:gdLst/>
+            <a:ahLst/>
+            <a:cxnLst/>
+            <a:rect l="l" t="t" r="r" b="b"/>
             <a:pathLst>
-              <a:path extrusionOk="0" h="120000" w="120000">
+              <a:path w="120000" h="120000" extrusionOk="0">
                 <a:moveTo>
                   <a:pt x="0" y="0"/>
                 </a:moveTo>
@@ -1066,9 +1102,11 @@
       <p:sp>
         <p:nvSpPr>
           <p:cNvPr id="135" name="Google Shape;135;g24b3a681a46_0_285:notes"/>
-          <p:cNvSpPr txBox="1"/>
+          <p:cNvSpPr txBox="1">
+            <a:spLocks noGrp="1"/>
+          </p:cNvSpPr>
           <p:nvPr>
-            <p:ph idx="1" type="body"/>
+            <p:ph type="body" idx="1"/>
           </p:nvPr>
         </p:nvSpPr>
         <p:spPr>
@@ -1081,12 +1119,12 @@
           </a:prstGeom>
         </p:spPr>
         <p:txBody>
-          <a:bodyPr anchorCtr="0" anchor="t" bIns="91425" lIns="91425" spcFirstLastPara="1" rIns="91425" wrap="square" tIns="91425">
+          <a:bodyPr spcFirstLastPara="1" wrap="square" lIns="91425" tIns="91425" rIns="91425" bIns="91425" anchor="t" anchorCtr="0">
             <a:noAutofit/>
           </a:bodyPr>
           <a:lstStyle/>
           <a:p>
-            <a:pPr indent="0" lvl="0" marL="0" rtl="0" algn="l">
+            <a:pPr marL="0" lvl="0" indent="0" algn="l" rtl="0">
               <a:spcBef>
                 <a:spcPts val="0"/>
               </a:spcBef>
@@ -1095,9 +1133,6 @@
               </a:spcAft>
               <a:buNone/>
             </a:pPr>
-            <a:r>
-              <a:t/>
-            </a:r>
             <a:endParaRPr/>
           </a:p>
         </p:txBody>
@@ -1111,11 +1146,11 @@
 </file>
 
 <file path=ppt/notesSlides/notesSlide13.xml><?xml version="1.0" encoding="utf-8"?>
-<p:notes xmlns:a="http://schemas.openxmlformats.org/drawingml/2006/main" xmlns:r="http://schemas.openxmlformats.org/officeDocument/2006/relationships" xmlns:mc="http://schemas.openxmlformats.org/markup-compatibility/2006" xmlns:mv="urn:schemas-microsoft-com:mac:vml" xmlns:p="http://schemas.openxmlformats.org/presentationml/2006/main" xmlns:c="http://schemas.openxmlformats.org/drawingml/2006/chart" xmlns:dgm="http://schemas.openxmlformats.org/drawingml/2006/diagram" xmlns:o="urn:schemas-microsoft-com:office:office" xmlns:v="urn:schemas-microsoft-com:vml" xmlns:pvml="urn:schemas-microsoft-com:office:powerpoint" xmlns:com="http://schemas.openxmlformats.org/drawingml/2006/compatibility" xmlns:p14="http://schemas.microsoft.com/office/powerpoint/2010/main" xmlns:p15="http://schemas.microsoft.com/office/powerpoint/2012/main" xmlns:ahyp="http://schemas.microsoft.com/office/drawing/2018/hyperlinkcolor" showMasterPhAnim="0" showMasterSp="0">
+<p:notes xmlns:a="http://schemas.openxmlformats.org/drawingml/2006/main" xmlns:r="http://schemas.openxmlformats.org/officeDocument/2006/relationships" xmlns:p="http://schemas.openxmlformats.org/presentationml/2006/main" showMasterSp="0" showMasterPhAnim="0">
   <p:cSld>
     <p:spTree>
       <p:nvGrpSpPr>
-        <p:cNvPr id="139" name="Shape 139"/>
+        <p:cNvPr id="1" name="Shape 139"/>
         <p:cNvGrpSpPr/>
         <p:nvPr/>
       </p:nvGrpSpPr>
@@ -1130,9 +1165,11 @@
       <p:sp>
         <p:nvSpPr>
           <p:cNvPr id="140" name="Google Shape;140;g24b3a681a46_0_291:notes"/>
-          <p:cNvSpPr/>
+          <p:cNvSpPr>
+            <a:spLocks noGrp="1" noRot="1" noChangeAspect="1"/>
+          </p:cNvSpPr>
           <p:nvPr>
-            <p:ph idx="2" type="sldImg"/>
+            <p:ph type="sldImg" idx="2"/>
           </p:nvPr>
         </p:nvSpPr>
         <p:spPr>
@@ -1141,9 +1178,13 @@
             <a:ext cx="6096000" cy="3429000"/>
           </a:xfrm>
           <a:custGeom>
-            <a:rect b="b" l="l" r="r" t="t"/>
+            <a:avLst/>
+            <a:gdLst/>
+            <a:ahLst/>
+            <a:cxnLst/>
+            <a:rect l="l" t="t" r="r" b="b"/>
             <a:pathLst>
-              <a:path extrusionOk="0" h="120000" w="120000">
+              <a:path w="120000" h="120000" extrusionOk="0">
                 <a:moveTo>
                   <a:pt x="0" y="0"/>
                 </a:moveTo>
@@ -1165,9 +1206,11 @@
       <p:sp>
         <p:nvSpPr>
           <p:cNvPr id="141" name="Google Shape;141;g24b3a681a46_0_291:notes"/>
-          <p:cNvSpPr txBox="1"/>
+          <p:cNvSpPr txBox="1">
+            <a:spLocks noGrp="1"/>
+          </p:cNvSpPr>
           <p:nvPr>
-            <p:ph idx="1" type="body"/>
+            <p:ph type="body" idx="1"/>
           </p:nvPr>
         </p:nvSpPr>
         <p:spPr>
@@ -1180,12 +1223,12 @@
           </a:prstGeom>
         </p:spPr>
         <p:txBody>
-          <a:bodyPr anchorCtr="0" anchor="t" bIns="91425" lIns="91425" spcFirstLastPara="1" rIns="91425" wrap="square" tIns="91425">
+          <a:bodyPr spcFirstLastPara="1" wrap="square" lIns="91425" tIns="91425" rIns="91425" bIns="91425" anchor="t" anchorCtr="0">
             <a:noAutofit/>
           </a:bodyPr>
           <a:lstStyle/>
           <a:p>
-            <a:pPr indent="0" lvl="0" marL="0" rtl="0" algn="l">
+            <a:pPr marL="0" lvl="0" indent="0" algn="l" rtl="0">
               <a:spcBef>
                 <a:spcPts val="0"/>
               </a:spcBef>
@@ -1194,9 +1237,6 @@
               </a:spcAft>
               <a:buNone/>
             </a:pPr>
-            <a:r>
-              <a:t/>
-            </a:r>
             <a:endParaRPr/>
           </a:p>
         </p:txBody>
@@ -1210,11 +1250,11 @@
 </file>
 
 <file path=ppt/notesSlides/notesSlide2.xml><?xml version="1.0" encoding="utf-8"?>
-<p:notes xmlns:a="http://schemas.openxmlformats.org/drawingml/2006/main" xmlns:r="http://schemas.openxmlformats.org/officeDocument/2006/relationships" xmlns:mc="http://schemas.openxmlformats.org/markup-compatibility/2006" xmlns:mv="urn:schemas-microsoft-com:mac:vml" xmlns:p="http://schemas.openxmlformats.org/presentationml/2006/main" xmlns:c="http://schemas.openxmlformats.org/drawingml/2006/chart" xmlns:dgm="http://schemas.openxmlformats.org/drawingml/2006/diagram" xmlns:o="urn:schemas-microsoft-com:office:office" xmlns:v="urn:schemas-microsoft-com:vml" xmlns:pvml="urn:schemas-microsoft-com:office:powerpoint" xmlns:com="http://schemas.openxmlformats.org/drawingml/2006/compatibility" xmlns:p14="http://schemas.microsoft.com/office/powerpoint/2010/main" xmlns:p15="http://schemas.microsoft.com/office/powerpoint/2012/main" xmlns:ahyp="http://schemas.microsoft.com/office/drawing/2018/hyperlinkcolor" showMasterPhAnim="0" showMasterSp="0">
+<p:notes xmlns:a="http://schemas.openxmlformats.org/drawingml/2006/main" xmlns:r="http://schemas.openxmlformats.org/officeDocument/2006/relationships" xmlns:p="http://schemas.openxmlformats.org/presentationml/2006/main" showMasterSp="0" showMasterPhAnim="0">
   <p:cSld>
     <p:spTree>
       <p:nvGrpSpPr>
-        <p:cNvPr id="64" name="Shape 64"/>
+        <p:cNvPr id="1" name="Shape 64"/>
         <p:cNvGrpSpPr/>
         <p:nvPr/>
       </p:nvGrpSpPr>
@@ -1229,9 +1269,11 @@
       <p:sp>
         <p:nvSpPr>
           <p:cNvPr id="65" name="Google Shape;65;g24b3a681a46_0_207:notes"/>
-          <p:cNvSpPr/>
+          <p:cNvSpPr>
+            <a:spLocks noGrp="1" noRot="1" noChangeAspect="1"/>
+          </p:cNvSpPr>
           <p:nvPr>
-            <p:ph idx="2" type="sldImg"/>
+            <p:ph type="sldImg" idx="2"/>
           </p:nvPr>
         </p:nvSpPr>
         <p:spPr>
@@ -1240,9 +1282,13 @@
             <a:ext cx="6096000" cy="3429000"/>
           </a:xfrm>
           <a:custGeom>
-            <a:rect b="b" l="l" r="r" t="t"/>
+            <a:avLst/>
+            <a:gdLst/>
+            <a:ahLst/>
+            <a:cxnLst/>
+            <a:rect l="l" t="t" r="r" b="b"/>
             <a:pathLst>
-              <a:path extrusionOk="0" h="120000" w="120000">
+              <a:path w="120000" h="120000" extrusionOk="0">
                 <a:moveTo>
                   <a:pt x="0" y="0"/>
                 </a:moveTo>
@@ -1264,9 +1310,11 @@
       <p:sp>
         <p:nvSpPr>
           <p:cNvPr id="66" name="Google Shape;66;g24b3a681a46_0_207:notes"/>
-          <p:cNvSpPr txBox="1"/>
+          <p:cNvSpPr txBox="1">
+            <a:spLocks noGrp="1"/>
+          </p:cNvSpPr>
           <p:nvPr>
-            <p:ph idx="1" type="body"/>
+            <p:ph type="body" idx="1"/>
           </p:nvPr>
         </p:nvSpPr>
         <p:spPr>
@@ -1279,12 +1327,12 @@
           </a:prstGeom>
         </p:spPr>
         <p:txBody>
-          <a:bodyPr anchorCtr="0" anchor="t" bIns="91425" lIns="91425" spcFirstLastPara="1" rIns="91425" wrap="square" tIns="91425">
+          <a:bodyPr spcFirstLastPara="1" wrap="square" lIns="91425" tIns="91425" rIns="91425" bIns="91425" anchor="t" anchorCtr="0">
             <a:noAutofit/>
           </a:bodyPr>
           <a:lstStyle/>
           <a:p>
-            <a:pPr indent="0" lvl="0" marL="0" rtl="0" algn="l">
+            <a:pPr marL="0" lvl="0" indent="0" algn="l" rtl="0">
               <a:spcBef>
                 <a:spcPts val="0"/>
               </a:spcBef>
@@ -1293,9 +1341,6 @@
               </a:spcAft>
               <a:buNone/>
             </a:pPr>
-            <a:r>
-              <a:t/>
-            </a:r>
             <a:endParaRPr/>
           </a:p>
         </p:txBody>
@@ -1309,11 +1354,11 @@
 </file>
 
 <file path=ppt/notesSlides/notesSlide3.xml><?xml version="1.0" encoding="utf-8"?>
-<p:notes xmlns:a="http://schemas.openxmlformats.org/drawingml/2006/main" xmlns:r="http://schemas.openxmlformats.org/officeDocument/2006/relationships" xmlns:mc="http://schemas.openxmlformats.org/markup-compatibility/2006" xmlns:mv="urn:schemas-microsoft-com:mac:vml" xmlns:p="http://schemas.openxmlformats.org/presentationml/2006/main" xmlns:c="http://schemas.openxmlformats.org/drawingml/2006/chart" xmlns:dgm="http://schemas.openxmlformats.org/drawingml/2006/diagram" xmlns:o="urn:schemas-microsoft-com:office:office" xmlns:v="urn:schemas-microsoft-com:vml" xmlns:pvml="urn:schemas-microsoft-com:office:powerpoint" xmlns:com="http://schemas.openxmlformats.org/drawingml/2006/compatibility" xmlns:p14="http://schemas.microsoft.com/office/powerpoint/2010/main" xmlns:p15="http://schemas.microsoft.com/office/powerpoint/2012/main" xmlns:ahyp="http://schemas.microsoft.com/office/drawing/2018/hyperlinkcolor" showMasterPhAnim="0" showMasterSp="0">
+<p:notes xmlns:a="http://schemas.openxmlformats.org/drawingml/2006/main" xmlns:r="http://schemas.openxmlformats.org/officeDocument/2006/relationships" xmlns:p="http://schemas.openxmlformats.org/presentationml/2006/main" showMasterSp="0" showMasterPhAnim="0">
   <p:cSld>
     <p:spTree>
       <p:nvGrpSpPr>
-        <p:cNvPr id="71" name="Shape 71"/>
+        <p:cNvPr id="1" name="Shape 71"/>
         <p:cNvGrpSpPr/>
         <p:nvPr/>
       </p:nvGrpSpPr>
@@ -1328,9 +1373,11 @@
       <p:sp>
         <p:nvSpPr>
           <p:cNvPr id="72" name="Google Shape;72;g24b3a681a46_0_215:notes"/>
-          <p:cNvSpPr/>
+          <p:cNvSpPr>
+            <a:spLocks noGrp="1" noRot="1" noChangeAspect="1"/>
+          </p:cNvSpPr>
           <p:nvPr>
-            <p:ph idx="2" type="sldImg"/>
+            <p:ph type="sldImg" idx="2"/>
           </p:nvPr>
         </p:nvSpPr>
         <p:spPr>
@@ -1339,9 +1386,13 @@
             <a:ext cx="6096000" cy="3429000"/>
           </a:xfrm>
           <a:custGeom>
-            <a:rect b="b" l="l" r="r" t="t"/>
+            <a:avLst/>
+            <a:gdLst/>
+            <a:ahLst/>
+            <a:cxnLst/>
+            <a:rect l="l" t="t" r="r" b="b"/>
             <a:pathLst>
-              <a:path extrusionOk="0" h="120000" w="120000">
+              <a:path w="120000" h="120000" extrusionOk="0">
                 <a:moveTo>
                   <a:pt x="0" y="0"/>
                 </a:moveTo>
@@ -1363,9 +1414,11 @@
       <p:sp>
         <p:nvSpPr>
           <p:cNvPr id="73" name="Google Shape;73;g24b3a681a46_0_215:notes"/>
-          <p:cNvSpPr txBox="1"/>
+          <p:cNvSpPr txBox="1">
+            <a:spLocks noGrp="1"/>
+          </p:cNvSpPr>
           <p:nvPr>
-            <p:ph idx="1" type="body"/>
+            <p:ph type="body" idx="1"/>
           </p:nvPr>
         </p:nvSpPr>
         <p:spPr>
@@ -1378,12 +1431,12 @@
           </a:prstGeom>
         </p:spPr>
         <p:txBody>
-          <a:bodyPr anchorCtr="0" anchor="t" bIns="91425" lIns="91425" spcFirstLastPara="1" rIns="91425" wrap="square" tIns="91425">
+          <a:bodyPr spcFirstLastPara="1" wrap="square" lIns="91425" tIns="91425" rIns="91425" bIns="91425" anchor="t" anchorCtr="0">
             <a:noAutofit/>
           </a:bodyPr>
           <a:lstStyle/>
           <a:p>
-            <a:pPr indent="0" lvl="0" marL="0" rtl="0" algn="l">
+            <a:pPr marL="0" lvl="0" indent="0" algn="l" rtl="0">
               <a:spcBef>
                 <a:spcPts val="0"/>
               </a:spcBef>
@@ -1392,9 +1445,6 @@
               </a:spcAft>
               <a:buNone/>
             </a:pPr>
-            <a:r>
-              <a:t/>
-            </a:r>
             <a:endParaRPr/>
           </a:p>
         </p:txBody>
@@ -1408,11 +1458,11 @@
 </file>
 
 <file path=ppt/notesSlides/notesSlide4.xml><?xml version="1.0" encoding="utf-8"?>
-<p:notes xmlns:a="http://schemas.openxmlformats.org/drawingml/2006/main" xmlns:r="http://schemas.openxmlformats.org/officeDocument/2006/relationships" xmlns:mc="http://schemas.openxmlformats.org/markup-compatibility/2006" xmlns:mv="urn:schemas-microsoft-com:mac:vml" xmlns:p="http://schemas.openxmlformats.org/presentationml/2006/main" xmlns:c="http://schemas.openxmlformats.org/drawingml/2006/chart" xmlns:dgm="http://schemas.openxmlformats.org/drawingml/2006/diagram" xmlns:o="urn:schemas-microsoft-com:office:office" xmlns:v="urn:schemas-microsoft-com:vml" xmlns:pvml="urn:schemas-microsoft-com:office:powerpoint" xmlns:com="http://schemas.openxmlformats.org/drawingml/2006/compatibility" xmlns:p14="http://schemas.microsoft.com/office/powerpoint/2010/main" xmlns:p15="http://schemas.microsoft.com/office/powerpoint/2012/main" xmlns:ahyp="http://schemas.microsoft.com/office/drawing/2018/hyperlinkcolor" showMasterPhAnim="0" showMasterSp="0">
+<p:notes xmlns:a="http://schemas.openxmlformats.org/drawingml/2006/main" xmlns:r="http://schemas.openxmlformats.org/officeDocument/2006/relationships" xmlns:p="http://schemas.openxmlformats.org/presentationml/2006/main" showMasterSp="0" showMasterPhAnim="0">
   <p:cSld>
     <p:spTree>
       <p:nvGrpSpPr>
-        <p:cNvPr id="79" name="Shape 79"/>
+        <p:cNvPr id="1" name="Shape 79"/>
         <p:cNvGrpSpPr/>
         <p:nvPr/>
       </p:nvGrpSpPr>
@@ -1427,9 +1477,11 @@
       <p:sp>
         <p:nvSpPr>
           <p:cNvPr id="80" name="Google Shape;80;g24b3a681a46_0_224:notes"/>
-          <p:cNvSpPr/>
+          <p:cNvSpPr>
+            <a:spLocks noGrp="1" noRot="1" noChangeAspect="1"/>
+          </p:cNvSpPr>
           <p:nvPr>
-            <p:ph idx="2" type="sldImg"/>
+            <p:ph type="sldImg" idx="2"/>
           </p:nvPr>
         </p:nvSpPr>
         <p:spPr>
@@ -1438,9 +1490,13 @@
             <a:ext cx="6096000" cy="3429000"/>
           </a:xfrm>
           <a:custGeom>
-            <a:rect b="b" l="l" r="r" t="t"/>
+            <a:avLst/>
+            <a:gdLst/>
+            <a:ahLst/>
+            <a:cxnLst/>
+            <a:rect l="l" t="t" r="r" b="b"/>
             <a:pathLst>
-              <a:path extrusionOk="0" h="120000" w="120000">
+              <a:path w="120000" h="120000" extrusionOk="0">
                 <a:moveTo>
                   <a:pt x="0" y="0"/>
                 </a:moveTo>
@@ -1462,9 +1518,11 @@
       <p:sp>
         <p:nvSpPr>
           <p:cNvPr id="81" name="Google Shape;81;g24b3a681a46_0_224:notes"/>
-          <p:cNvSpPr txBox="1"/>
+          <p:cNvSpPr txBox="1">
+            <a:spLocks noGrp="1"/>
+          </p:cNvSpPr>
           <p:nvPr>
-            <p:ph idx="1" type="body"/>
+            <p:ph type="body" idx="1"/>
           </p:nvPr>
         </p:nvSpPr>
         <p:spPr>
@@ -1477,12 +1535,12 @@
           </a:prstGeom>
         </p:spPr>
         <p:txBody>
-          <a:bodyPr anchorCtr="0" anchor="t" bIns="91425" lIns="91425" spcFirstLastPara="1" rIns="91425" wrap="square" tIns="91425">
+          <a:bodyPr spcFirstLastPara="1" wrap="square" lIns="91425" tIns="91425" rIns="91425" bIns="91425" anchor="t" anchorCtr="0">
             <a:noAutofit/>
           </a:bodyPr>
           <a:lstStyle/>
           <a:p>
-            <a:pPr indent="0" lvl="0" marL="0" rtl="0" algn="l">
+            <a:pPr marL="0" lvl="0" indent="0" algn="l" rtl="0">
               <a:spcBef>
                 <a:spcPts val="0"/>
               </a:spcBef>
@@ -1491,9 +1549,6 @@
               </a:spcAft>
               <a:buNone/>
             </a:pPr>
-            <a:r>
-              <a:t/>
-            </a:r>
             <a:endParaRPr/>
           </a:p>
         </p:txBody>
@@ -1507,11 +1562,11 @@
 </file>
 
 <file path=ppt/notesSlides/notesSlide5.xml><?xml version="1.0" encoding="utf-8"?>
-<p:notes xmlns:a="http://schemas.openxmlformats.org/drawingml/2006/main" xmlns:r="http://schemas.openxmlformats.org/officeDocument/2006/relationships" xmlns:mc="http://schemas.openxmlformats.org/markup-compatibility/2006" xmlns:mv="urn:schemas-microsoft-com:mac:vml" xmlns:p="http://schemas.openxmlformats.org/presentationml/2006/main" xmlns:c="http://schemas.openxmlformats.org/drawingml/2006/chart" xmlns:dgm="http://schemas.openxmlformats.org/drawingml/2006/diagram" xmlns:o="urn:schemas-microsoft-com:office:office" xmlns:v="urn:schemas-microsoft-com:vml" xmlns:pvml="urn:schemas-microsoft-com:office:powerpoint" xmlns:com="http://schemas.openxmlformats.org/drawingml/2006/compatibility" xmlns:p14="http://schemas.microsoft.com/office/powerpoint/2010/main" xmlns:p15="http://schemas.microsoft.com/office/powerpoint/2012/main" xmlns:ahyp="http://schemas.microsoft.com/office/drawing/2018/hyperlinkcolor" showMasterPhAnim="0" showMasterSp="0">
+<p:notes xmlns:a="http://schemas.openxmlformats.org/drawingml/2006/main" xmlns:r="http://schemas.openxmlformats.org/officeDocument/2006/relationships" xmlns:p="http://schemas.openxmlformats.org/presentationml/2006/main" showMasterSp="0" showMasterPhAnim="0">
   <p:cSld>
     <p:spTree>
       <p:nvGrpSpPr>
-        <p:cNvPr id="87" name="Shape 87"/>
+        <p:cNvPr id="1" name="Shape 87"/>
         <p:cNvGrpSpPr/>
         <p:nvPr/>
       </p:nvGrpSpPr>
@@ -1526,9 +1581,11 @@
       <p:sp>
         <p:nvSpPr>
           <p:cNvPr id="88" name="Google Shape;88;g24b3a681a46_0_232:notes"/>
-          <p:cNvSpPr/>
+          <p:cNvSpPr>
+            <a:spLocks noGrp="1" noRot="1" noChangeAspect="1"/>
+          </p:cNvSpPr>
           <p:nvPr>
-            <p:ph idx="2" type="sldImg"/>
+            <p:ph type="sldImg" idx="2"/>
           </p:nvPr>
         </p:nvSpPr>
         <p:spPr>
@@ -1537,9 +1594,13 @@
             <a:ext cx="6096000" cy="3429000"/>
           </a:xfrm>
           <a:custGeom>
-            <a:rect b="b" l="l" r="r" t="t"/>
+            <a:avLst/>
+            <a:gdLst/>
+            <a:ahLst/>
+            <a:cxnLst/>
+            <a:rect l="l" t="t" r="r" b="b"/>
             <a:pathLst>
-              <a:path extrusionOk="0" h="120000" w="120000">
+              <a:path w="120000" h="120000" extrusionOk="0">
                 <a:moveTo>
                   <a:pt x="0" y="0"/>
                 </a:moveTo>
@@ -1561,9 +1622,11 @@
       <p:sp>
         <p:nvSpPr>
           <p:cNvPr id="89" name="Google Shape;89;g24b3a681a46_0_232:notes"/>
-          <p:cNvSpPr txBox="1"/>
+          <p:cNvSpPr txBox="1">
+            <a:spLocks noGrp="1"/>
+          </p:cNvSpPr>
           <p:nvPr>
-            <p:ph idx="1" type="body"/>
+            <p:ph type="body" idx="1"/>
           </p:nvPr>
         </p:nvSpPr>
         <p:spPr>
@@ -1576,12 +1639,12 @@
           </a:prstGeom>
         </p:spPr>
         <p:txBody>
-          <a:bodyPr anchorCtr="0" anchor="t" bIns="91425" lIns="91425" spcFirstLastPara="1" rIns="91425" wrap="square" tIns="91425">
+          <a:bodyPr spcFirstLastPara="1" wrap="square" lIns="91425" tIns="91425" rIns="91425" bIns="91425" anchor="t" anchorCtr="0">
             <a:noAutofit/>
           </a:bodyPr>
           <a:lstStyle/>
           <a:p>
-            <a:pPr indent="0" lvl="0" marL="0" rtl="0" algn="l">
+            <a:pPr marL="0" lvl="0" indent="0" algn="l" rtl="0">
               <a:spcBef>
                 <a:spcPts val="0"/>
               </a:spcBef>
@@ -1590,9 +1653,6 @@
               </a:spcAft>
               <a:buNone/>
             </a:pPr>
-            <a:r>
-              <a:t/>
-            </a:r>
             <a:endParaRPr/>
           </a:p>
         </p:txBody>
@@ -1606,11 +1666,11 @@
 </file>
 
 <file path=ppt/notesSlides/notesSlide6.xml><?xml version="1.0" encoding="utf-8"?>
-<p:notes xmlns:a="http://schemas.openxmlformats.org/drawingml/2006/main" xmlns:r="http://schemas.openxmlformats.org/officeDocument/2006/relationships" xmlns:mc="http://schemas.openxmlformats.org/markup-compatibility/2006" xmlns:mv="urn:schemas-microsoft-com:mac:vml" xmlns:p="http://schemas.openxmlformats.org/presentationml/2006/main" xmlns:c="http://schemas.openxmlformats.org/drawingml/2006/chart" xmlns:dgm="http://schemas.openxmlformats.org/drawingml/2006/diagram" xmlns:o="urn:schemas-microsoft-com:office:office" xmlns:v="urn:schemas-microsoft-com:vml" xmlns:pvml="urn:schemas-microsoft-com:office:powerpoint" xmlns:com="http://schemas.openxmlformats.org/drawingml/2006/compatibility" xmlns:p14="http://schemas.microsoft.com/office/powerpoint/2010/main" xmlns:p15="http://schemas.microsoft.com/office/powerpoint/2012/main" xmlns:ahyp="http://schemas.microsoft.com/office/drawing/2018/hyperlinkcolor" showMasterPhAnim="0" showMasterSp="0">
+<p:notes xmlns:a="http://schemas.openxmlformats.org/drawingml/2006/main" xmlns:r="http://schemas.openxmlformats.org/officeDocument/2006/relationships" xmlns:p="http://schemas.openxmlformats.org/presentationml/2006/main" showMasterSp="0" showMasterPhAnim="0">
   <p:cSld>
     <p:spTree>
       <p:nvGrpSpPr>
-        <p:cNvPr id="94" name="Shape 94"/>
+        <p:cNvPr id="1" name="Shape 94"/>
         <p:cNvGrpSpPr/>
         <p:nvPr/>
       </p:nvGrpSpPr>
@@ -1625,9 +1685,11 @@
       <p:sp>
         <p:nvSpPr>
           <p:cNvPr id="95" name="Google Shape;95;g24b3a681a46_0_241:notes"/>
-          <p:cNvSpPr/>
+          <p:cNvSpPr>
+            <a:spLocks noGrp="1" noRot="1" noChangeAspect="1"/>
+          </p:cNvSpPr>
           <p:nvPr>
-            <p:ph idx="2" type="sldImg"/>
+            <p:ph type="sldImg" idx="2"/>
           </p:nvPr>
         </p:nvSpPr>
         <p:spPr>
@@ -1636,9 +1698,13 @@
             <a:ext cx="6096000" cy="3429000"/>
           </a:xfrm>
           <a:custGeom>
-            <a:rect b="b" l="l" r="r" t="t"/>
+            <a:avLst/>
+            <a:gdLst/>
+            <a:ahLst/>
+            <a:cxnLst/>
+            <a:rect l="l" t="t" r="r" b="b"/>
             <a:pathLst>
-              <a:path extrusionOk="0" h="120000" w="120000">
+              <a:path w="120000" h="120000" extrusionOk="0">
                 <a:moveTo>
                   <a:pt x="0" y="0"/>
                 </a:moveTo>
@@ -1660,9 +1726,11 @@
       <p:sp>
         <p:nvSpPr>
           <p:cNvPr id="96" name="Google Shape;96;g24b3a681a46_0_241:notes"/>
-          <p:cNvSpPr txBox="1"/>
+          <p:cNvSpPr txBox="1">
+            <a:spLocks noGrp="1"/>
+          </p:cNvSpPr>
           <p:nvPr>
-            <p:ph idx="1" type="body"/>
+            <p:ph type="body" idx="1"/>
           </p:nvPr>
         </p:nvSpPr>
         <p:spPr>
@@ -1675,12 +1743,12 @@
           </a:prstGeom>
         </p:spPr>
         <p:txBody>
-          <a:bodyPr anchorCtr="0" anchor="t" bIns="91425" lIns="91425" spcFirstLastPara="1" rIns="91425" wrap="square" tIns="91425">
+          <a:bodyPr spcFirstLastPara="1" wrap="square" lIns="91425" tIns="91425" rIns="91425" bIns="91425" anchor="t" anchorCtr="0">
             <a:noAutofit/>
           </a:bodyPr>
           <a:lstStyle/>
           <a:p>
-            <a:pPr indent="0" lvl="0" marL="0" rtl="0" algn="l">
+            <a:pPr marL="0" lvl="0" indent="0" algn="l" rtl="0">
               <a:spcBef>
                 <a:spcPts val="0"/>
               </a:spcBef>
@@ -1689,9 +1757,6 @@
               </a:spcAft>
               <a:buNone/>
             </a:pPr>
-            <a:r>
-              <a:t/>
-            </a:r>
             <a:endParaRPr/>
           </a:p>
         </p:txBody>
@@ -1705,11 +1770,11 @@
 </file>
 
 <file path=ppt/notesSlides/notesSlide7.xml><?xml version="1.0" encoding="utf-8"?>
-<p:notes xmlns:a="http://schemas.openxmlformats.org/drawingml/2006/main" xmlns:r="http://schemas.openxmlformats.org/officeDocument/2006/relationships" xmlns:mc="http://schemas.openxmlformats.org/markup-compatibility/2006" xmlns:mv="urn:schemas-microsoft-com:mac:vml" xmlns:p="http://schemas.openxmlformats.org/presentationml/2006/main" xmlns:c="http://schemas.openxmlformats.org/drawingml/2006/chart" xmlns:dgm="http://schemas.openxmlformats.org/drawingml/2006/diagram" xmlns:o="urn:schemas-microsoft-com:office:office" xmlns:v="urn:schemas-microsoft-com:vml" xmlns:pvml="urn:schemas-microsoft-com:office:powerpoint" xmlns:com="http://schemas.openxmlformats.org/drawingml/2006/compatibility" xmlns:p14="http://schemas.microsoft.com/office/powerpoint/2010/main" xmlns:p15="http://schemas.microsoft.com/office/powerpoint/2012/main" xmlns:ahyp="http://schemas.microsoft.com/office/drawing/2018/hyperlinkcolor" showMasterPhAnim="0" showMasterSp="0">
+<p:notes xmlns:a="http://schemas.openxmlformats.org/drawingml/2006/main" xmlns:r="http://schemas.openxmlformats.org/officeDocument/2006/relationships" xmlns:p="http://schemas.openxmlformats.org/presentationml/2006/main" showMasterSp="0" showMasterPhAnim="0">
   <p:cSld>
     <p:spTree>
       <p:nvGrpSpPr>
-        <p:cNvPr id="101" name="Shape 101"/>
+        <p:cNvPr id="1" name="Shape 101"/>
         <p:cNvGrpSpPr/>
         <p:nvPr/>
       </p:nvGrpSpPr>
@@ -1724,20 +1789,26 @@
       <p:sp>
         <p:nvSpPr>
           <p:cNvPr id="102" name="Google Shape;102;g24b3a681a46_0_249:notes"/>
-          <p:cNvSpPr/>
+          <p:cNvSpPr>
+            <a:spLocks noGrp="1" noRot="1" noChangeAspect="1"/>
+          </p:cNvSpPr>
           <p:nvPr>
-            <p:ph idx="2" type="sldImg"/>
+            <p:ph type="sldImg" idx="2"/>
           </p:nvPr>
         </p:nvSpPr>
         <p:spPr>
           <a:xfrm>
-            <a:off x="381300" y="685800"/>
+            <a:off x="381000" y="685800"/>
             <a:ext cx="6096000" cy="3429000"/>
           </a:xfrm>
           <a:custGeom>
-            <a:rect b="b" l="l" r="r" t="t"/>
+            <a:avLst/>
+            <a:gdLst/>
+            <a:ahLst/>
+            <a:cxnLst/>
+            <a:rect l="l" t="t" r="r" b="b"/>
             <a:pathLst>
-              <a:path extrusionOk="0" h="120000" w="120000">
+              <a:path w="120000" h="120000" extrusionOk="0">
                 <a:moveTo>
                   <a:pt x="0" y="0"/>
                 </a:moveTo>
@@ -1759,9 +1830,11 @@
       <p:sp>
         <p:nvSpPr>
           <p:cNvPr id="103" name="Google Shape;103;g24b3a681a46_0_249:notes"/>
-          <p:cNvSpPr txBox="1"/>
+          <p:cNvSpPr txBox="1">
+            <a:spLocks noGrp="1"/>
+          </p:cNvSpPr>
           <p:nvPr>
-            <p:ph idx="1" type="body"/>
+            <p:ph type="body" idx="1"/>
           </p:nvPr>
         </p:nvSpPr>
         <p:spPr>
@@ -1774,12 +1847,12 @@
           </a:prstGeom>
         </p:spPr>
         <p:txBody>
-          <a:bodyPr anchorCtr="0" anchor="t" bIns="91425" lIns="91425" spcFirstLastPara="1" rIns="91425" wrap="square" tIns="91425">
+          <a:bodyPr spcFirstLastPara="1" wrap="square" lIns="91425" tIns="91425" rIns="91425" bIns="91425" anchor="t" anchorCtr="0">
             <a:noAutofit/>
           </a:bodyPr>
           <a:lstStyle/>
           <a:p>
-            <a:pPr indent="0" lvl="0" marL="0" rtl="0" algn="l">
+            <a:pPr marL="0" lvl="0" indent="0" algn="l" rtl="0">
               <a:spcBef>
                 <a:spcPts val="0"/>
               </a:spcBef>
@@ -1788,9 +1861,6 @@
               </a:spcAft>
               <a:buNone/>
             </a:pPr>
-            <a:r>
-              <a:t/>
-            </a:r>
             <a:endParaRPr/>
           </a:p>
         </p:txBody>
@@ -1804,11 +1874,11 @@
 </file>
 
 <file path=ppt/notesSlides/notesSlide8.xml><?xml version="1.0" encoding="utf-8"?>
-<p:notes xmlns:a="http://schemas.openxmlformats.org/drawingml/2006/main" xmlns:r="http://schemas.openxmlformats.org/officeDocument/2006/relationships" xmlns:mc="http://schemas.openxmlformats.org/markup-compatibility/2006" xmlns:mv="urn:schemas-microsoft-com:mac:vml" xmlns:p="http://schemas.openxmlformats.org/presentationml/2006/main" xmlns:c="http://schemas.openxmlformats.org/drawingml/2006/chart" xmlns:dgm="http://schemas.openxmlformats.org/drawingml/2006/diagram" xmlns:o="urn:schemas-microsoft-com:office:office" xmlns:v="urn:schemas-microsoft-com:vml" xmlns:pvml="urn:schemas-microsoft-com:office:powerpoint" xmlns:com="http://schemas.openxmlformats.org/drawingml/2006/compatibility" xmlns:p14="http://schemas.microsoft.com/office/powerpoint/2010/main" xmlns:p15="http://schemas.microsoft.com/office/powerpoint/2012/main" xmlns:ahyp="http://schemas.microsoft.com/office/drawing/2018/hyperlinkcolor" showMasterPhAnim="0" showMasterSp="0">
+<p:notes xmlns:a="http://schemas.openxmlformats.org/drawingml/2006/main" xmlns:r="http://schemas.openxmlformats.org/officeDocument/2006/relationships" xmlns:p="http://schemas.openxmlformats.org/presentationml/2006/main" showMasterSp="0" showMasterPhAnim="0">
   <p:cSld>
     <p:spTree>
       <p:nvGrpSpPr>
-        <p:cNvPr id="109" name="Shape 109"/>
+        <p:cNvPr id="1" name="Shape 109"/>
         <p:cNvGrpSpPr/>
         <p:nvPr/>
       </p:nvGrpSpPr>
@@ -1823,9 +1893,11 @@
       <p:sp>
         <p:nvSpPr>
           <p:cNvPr id="110" name="Google Shape;110;g24b3a681a46_0_260:notes"/>
-          <p:cNvSpPr/>
+          <p:cNvSpPr>
+            <a:spLocks noGrp="1" noRot="1" noChangeAspect="1"/>
+          </p:cNvSpPr>
           <p:nvPr>
-            <p:ph idx="2" type="sldImg"/>
+            <p:ph type="sldImg" idx="2"/>
           </p:nvPr>
         </p:nvSpPr>
         <p:spPr>
@@ -1834,9 +1906,13 @@
             <a:ext cx="6096000" cy="3429000"/>
           </a:xfrm>
           <a:custGeom>
-            <a:rect b="b" l="l" r="r" t="t"/>
+            <a:avLst/>
+            <a:gdLst/>
+            <a:ahLst/>
+            <a:cxnLst/>
+            <a:rect l="l" t="t" r="r" b="b"/>
             <a:pathLst>
-              <a:path extrusionOk="0" h="120000" w="120000">
+              <a:path w="120000" h="120000" extrusionOk="0">
                 <a:moveTo>
                   <a:pt x="0" y="0"/>
                 </a:moveTo>
@@ -1858,9 +1934,11 @@
       <p:sp>
         <p:nvSpPr>
           <p:cNvPr id="111" name="Google Shape;111;g24b3a681a46_0_260:notes"/>
-          <p:cNvSpPr txBox="1"/>
+          <p:cNvSpPr txBox="1">
+            <a:spLocks noGrp="1"/>
+          </p:cNvSpPr>
           <p:nvPr>
-            <p:ph idx="1" type="body"/>
+            <p:ph type="body" idx="1"/>
           </p:nvPr>
         </p:nvSpPr>
         <p:spPr>
@@ -1873,12 +1951,12 @@
           </a:prstGeom>
         </p:spPr>
         <p:txBody>
-          <a:bodyPr anchorCtr="0" anchor="t" bIns="91425" lIns="91425" spcFirstLastPara="1" rIns="91425" wrap="square" tIns="91425">
+          <a:bodyPr spcFirstLastPara="1" wrap="square" lIns="91425" tIns="91425" rIns="91425" bIns="91425" anchor="t" anchorCtr="0">
             <a:noAutofit/>
           </a:bodyPr>
           <a:lstStyle/>
           <a:p>
-            <a:pPr indent="0" lvl="0" marL="0" rtl="0" algn="l">
+            <a:pPr marL="0" lvl="0" indent="0" algn="l" rtl="0">
               <a:spcBef>
                 <a:spcPts val="0"/>
               </a:spcBef>
@@ -1887,9 +1965,6 @@
               </a:spcAft>
               <a:buNone/>
             </a:pPr>
-            <a:r>
-              <a:t/>
-            </a:r>
             <a:endParaRPr/>
           </a:p>
         </p:txBody>
@@ -1903,11 +1978,11 @@
 </file>
 
 <file path=ppt/notesSlides/notesSlide9.xml><?xml version="1.0" encoding="utf-8"?>
-<p:notes xmlns:a="http://schemas.openxmlformats.org/drawingml/2006/main" xmlns:r="http://schemas.openxmlformats.org/officeDocument/2006/relationships" xmlns:mc="http://schemas.openxmlformats.org/markup-compatibility/2006" xmlns:mv="urn:schemas-microsoft-com:mac:vml" xmlns:p="http://schemas.openxmlformats.org/presentationml/2006/main" xmlns:c="http://schemas.openxmlformats.org/drawingml/2006/chart" xmlns:dgm="http://schemas.openxmlformats.org/drawingml/2006/diagram" xmlns:o="urn:schemas-microsoft-com:office:office" xmlns:v="urn:schemas-microsoft-com:vml" xmlns:pvml="urn:schemas-microsoft-com:office:powerpoint" xmlns:com="http://schemas.openxmlformats.org/drawingml/2006/compatibility" xmlns:p14="http://schemas.microsoft.com/office/powerpoint/2010/main" xmlns:p15="http://schemas.microsoft.com/office/powerpoint/2012/main" xmlns:ahyp="http://schemas.microsoft.com/office/drawing/2018/hyperlinkcolor" showMasterPhAnim="0" showMasterSp="0">
+<p:notes xmlns:a="http://schemas.openxmlformats.org/drawingml/2006/main" xmlns:r="http://schemas.openxmlformats.org/officeDocument/2006/relationships" xmlns:p="http://schemas.openxmlformats.org/presentationml/2006/main" showMasterSp="0" showMasterPhAnim="0">
   <p:cSld>
     <p:spTree>
       <p:nvGrpSpPr>
-        <p:cNvPr id="115" name="Shape 115"/>
+        <p:cNvPr id="1" name="Shape 115"/>
         <p:cNvGrpSpPr/>
         <p:nvPr/>
       </p:nvGrpSpPr>
@@ -1922,9 +1997,11 @@
       <p:sp>
         <p:nvSpPr>
           <p:cNvPr id="116" name="Google Shape;116;g24b3a681a46_0_272:notes"/>
-          <p:cNvSpPr/>
+          <p:cNvSpPr>
+            <a:spLocks noGrp="1" noRot="1" noChangeAspect="1"/>
+          </p:cNvSpPr>
           <p:nvPr>
-            <p:ph idx="2" type="sldImg"/>
+            <p:ph type="sldImg" idx="2"/>
           </p:nvPr>
         </p:nvSpPr>
         <p:spPr>
@@ -1933,9 +2010,13 @@
             <a:ext cx="6096000" cy="3429000"/>
           </a:xfrm>
           <a:custGeom>
-            <a:rect b="b" l="l" r="r" t="t"/>
+            <a:avLst/>
+            <a:gdLst/>
+            <a:ahLst/>
+            <a:cxnLst/>
+            <a:rect l="l" t="t" r="r" b="b"/>
             <a:pathLst>
-              <a:path extrusionOk="0" h="120000" w="120000">
+              <a:path w="120000" h="120000" extrusionOk="0">
                 <a:moveTo>
                   <a:pt x="0" y="0"/>
                 </a:moveTo>
@@ -1957,9 +2038,11 @@
       <p:sp>
         <p:nvSpPr>
           <p:cNvPr id="117" name="Google Shape;117;g24b3a681a46_0_272:notes"/>
-          <p:cNvSpPr txBox="1"/>
+          <p:cNvSpPr txBox="1">
+            <a:spLocks noGrp="1"/>
+          </p:cNvSpPr>
           <p:nvPr>
-            <p:ph idx="1" type="body"/>
+            <p:ph type="body" idx="1"/>
           </p:nvPr>
         </p:nvSpPr>
         <p:spPr>
@@ -1972,12 +2055,12 @@
           </a:prstGeom>
         </p:spPr>
         <p:txBody>
-          <a:bodyPr anchorCtr="0" anchor="t" bIns="91425" lIns="91425" spcFirstLastPara="1" rIns="91425" wrap="square" tIns="91425">
+          <a:bodyPr spcFirstLastPara="1" wrap="square" lIns="91425" tIns="91425" rIns="91425" bIns="91425" anchor="t" anchorCtr="0">
             <a:noAutofit/>
           </a:bodyPr>
           <a:lstStyle/>
           <a:p>
-            <a:pPr indent="0" lvl="0" marL="0" rtl="0" algn="l">
+            <a:pPr marL="0" lvl="0" indent="0" algn="l" rtl="0">
               <a:spcBef>
                 <a:spcPts val="0"/>
               </a:spcBef>
@@ -1986,9 +2069,6 @@
               </a:spcAft>
               <a:buNone/>
             </a:pPr>
-            <a:r>
-              <a:t/>
-            </a:r>
             <a:endParaRPr/>
           </a:p>
         </p:txBody>
@@ -2002,11 +2082,11 @@
 </file>
 
 <file path=ppt/slideLayouts/slideLayout1.xml><?xml version="1.0" encoding="utf-8"?>
-<p:sldLayout xmlns:a="http://schemas.openxmlformats.org/drawingml/2006/main" xmlns:r="http://schemas.openxmlformats.org/officeDocument/2006/relationships" xmlns:mc="http://schemas.openxmlformats.org/markup-compatibility/2006" xmlns:mv="urn:schemas-microsoft-com:mac:vml" xmlns:p="http://schemas.openxmlformats.org/presentationml/2006/main" xmlns:c="http://schemas.openxmlformats.org/drawingml/2006/chart" xmlns:dgm="http://schemas.openxmlformats.org/drawingml/2006/diagram" xmlns:o="urn:schemas-microsoft-com:office:office" xmlns:v="urn:schemas-microsoft-com:vml" xmlns:pvml="urn:schemas-microsoft-com:office:powerpoint" xmlns:com="http://schemas.openxmlformats.org/drawingml/2006/compatibility" xmlns:p14="http://schemas.microsoft.com/office/powerpoint/2010/main" xmlns:p15="http://schemas.microsoft.com/office/powerpoint/2012/main" xmlns:ahyp="http://schemas.microsoft.com/office/drawing/2018/hyperlinkcolor" matchingName="Title slide" type="title">
+<p:sldLayout xmlns:a="http://schemas.openxmlformats.org/drawingml/2006/main" xmlns:r="http://schemas.openxmlformats.org/officeDocument/2006/relationships" xmlns:p="http://schemas.openxmlformats.org/presentationml/2006/main" matchingName="Title slide" type="title">
   <p:cSld name="TITLE">
     <p:spTree>
       <p:nvGrpSpPr>
-        <p:cNvPr id="9" name="Shape 9"/>
+        <p:cNvPr id="1" name="Shape 9"/>
         <p:cNvGrpSpPr/>
         <p:nvPr/>
       </p:nvGrpSpPr>
@@ -2030,9 +2110,13 @@
             <a:ext cx="1081625" cy="1124950"/>
           </a:xfrm>
           <a:custGeom>
-            <a:rect b="b" l="l" r="r" t="t"/>
+            <a:avLst/>
+            <a:gdLst/>
+            <a:ahLst/>
+            <a:cxnLst/>
+            <a:rect l="l" t="t" r="r" b="b"/>
             <a:pathLst>
-              <a:path extrusionOk="0" h="44998" w="43265">
+              <a:path w="43265" h="44998" extrusionOk="0">
                 <a:moveTo>
                   <a:pt x="0" y="44998"/>
                 </a:moveTo>
@@ -2046,14 +2130,14 @@
             </a:pathLst>
           </a:custGeom>
           <a:noFill/>
-          <a:ln cap="flat" cmpd="sng" w="28575">
+          <a:ln w="28575" cap="flat" cmpd="sng">
             <a:solidFill>
               <a:schemeClr val="lt2"/>
             </a:solidFill>
             <a:prstDash val="solid"/>
             <a:miter lim="8000"/>
-            <a:headEnd len="sm" w="sm" type="none"/>
-            <a:tailEnd len="sm" w="sm" type="none"/>
+            <a:headEnd type="none" w="sm" len="sm"/>
+            <a:tailEnd type="none" w="sm" len="sm"/>
           </a:ln>
         </p:spPr>
       </p:sp>
@@ -2069,9 +2153,13 @@
             <a:ext cx="1081625" cy="1124950"/>
           </a:xfrm>
           <a:custGeom>
-            <a:rect b="b" l="l" r="r" t="t"/>
+            <a:avLst/>
+            <a:gdLst/>
+            <a:ahLst/>
+            <a:cxnLst/>
+            <a:rect l="l" t="t" r="r" b="b"/>
             <a:pathLst>
-              <a:path extrusionOk="0" h="44998" w="43265">
+              <a:path w="43265" h="44998" extrusionOk="0">
                 <a:moveTo>
                   <a:pt x="0" y="44998"/>
                 </a:moveTo>
@@ -2085,21 +2173,23 @@
             </a:pathLst>
           </a:custGeom>
           <a:noFill/>
-          <a:ln cap="flat" cmpd="sng" w="28575">
+          <a:ln w="28575" cap="flat" cmpd="sng">
             <a:solidFill>
               <a:schemeClr val="lt2"/>
             </a:solidFill>
             <a:prstDash val="solid"/>
             <a:miter lim="8000"/>
-            <a:headEnd len="sm" w="sm" type="none"/>
-            <a:tailEnd len="sm" w="sm" type="none"/>
+            <a:headEnd type="none" w="sm" len="sm"/>
+            <a:tailEnd type="none" w="sm" len="sm"/>
           </a:ln>
         </p:spPr>
       </p:sp>
       <p:sp>
         <p:nvSpPr>
           <p:cNvPr id="12" name="Google Shape;12;p2"/>
-          <p:cNvSpPr txBox="1"/>
+          <p:cNvSpPr txBox="1">
+            <a:spLocks noGrp="1"/>
+          </p:cNvSpPr>
           <p:nvPr>
             <p:ph type="ctrTitle"/>
           </p:nvPr>
@@ -2114,7 +2204,7 @@
           </a:prstGeom>
         </p:spPr>
         <p:txBody>
-          <a:bodyPr anchorCtr="0" anchor="b" bIns="91425" lIns="91425" spcFirstLastPara="1" rIns="91425" wrap="square" tIns="91425">
+          <a:bodyPr spcFirstLastPara="1" wrap="square" lIns="91425" tIns="91425" rIns="91425" bIns="91425" anchor="b" anchorCtr="0">
             <a:normAutofit/>
           </a:bodyPr>
           <a:lstStyle>
@@ -2218,15 +2308,19 @@
               <a:defRPr/>
             </a:lvl9pPr>
           </a:lstStyle>
-          <a:p/>
+          <a:p>
+            <a:endParaRPr/>
+          </a:p>
         </p:txBody>
       </p:sp>
       <p:sp>
         <p:nvSpPr>
           <p:cNvPr id="13" name="Google Shape;13;p2"/>
-          <p:cNvSpPr txBox="1"/>
+          <p:cNvSpPr txBox="1">
+            <a:spLocks noGrp="1"/>
+          </p:cNvSpPr>
           <p:nvPr>
-            <p:ph idx="1" type="subTitle"/>
+            <p:ph type="subTitle" idx="1"/>
           </p:nvPr>
         </p:nvSpPr>
         <p:spPr>
@@ -2239,7 +2333,7 @@
           </a:prstGeom>
         </p:spPr>
         <p:txBody>
-          <a:bodyPr anchorCtr="0" anchor="t" bIns="91425" lIns="91425" spcFirstLastPara="1" rIns="91425" wrap="square" tIns="91425">
+          <a:bodyPr spcFirstLastPara="1" wrap="square" lIns="91425" tIns="91425" rIns="91425" bIns="91425" anchor="t" anchorCtr="0">
             <a:normAutofit/>
           </a:bodyPr>
           <a:lstStyle>
@@ -2424,15 +2518,19 @@
               </a:defRPr>
             </a:lvl9pPr>
           </a:lstStyle>
-          <a:p/>
+          <a:p>
+            <a:endParaRPr/>
+          </a:p>
         </p:txBody>
       </p:sp>
       <p:sp>
         <p:nvSpPr>
           <p:cNvPr id="14" name="Google Shape;14;p2"/>
-          <p:cNvSpPr txBox="1"/>
+          <p:cNvSpPr txBox="1">
+            <a:spLocks noGrp="1"/>
+          </p:cNvSpPr>
           <p:nvPr>
-            <p:ph idx="12" type="sldNum"/>
+            <p:ph type="sldNum" idx="12"/>
           </p:nvPr>
         </p:nvSpPr>
         <p:spPr>
@@ -2445,7 +2543,7 @@
           </a:prstGeom>
         </p:spPr>
         <p:txBody>
-          <a:bodyPr anchorCtr="0" anchor="ctr" bIns="91425" lIns="91425" spcFirstLastPara="1" rIns="91425" wrap="square" tIns="91425">
+          <a:bodyPr spcFirstLastPara="1" wrap="square" lIns="91425" tIns="91425" rIns="91425" bIns="91425" anchor="ctr" anchorCtr="0">
             <a:normAutofit/>
           </a:bodyPr>
           <a:lstStyle>
@@ -2487,7 +2585,7 @@
             </a:lvl9pPr>
           </a:lstStyle>
           <a:p>
-            <a:pPr indent="0" lvl="0" marL="0" rtl="0" algn="r">
+            <a:pPr marL="0" lvl="0" indent="0" algn="r" rtl="0">
               <a:spcBef>
                 <a:spcPts val="0"/>
               </a:spcBef>
@@ -2513,11 +2611,11 @@
 </file>
 
 <file path=ppt/slideLayouts/slideLayout10.xml><?xml version="1.0" encoding="utf-8"?>
-<p:sldLayout xmlns:a="http://schemas.openxmlformats.org/drawingml/2006/main" xmlns:r="http://schemas.openxmlformats.org/officeDocument/2006/relationships" xmlns:mc="http://schemas.openxmlformats.org/markup-compatibility/2006" xmlns:mv="urn:schemas-microsoft-com:mac:vml" xmlns:p="http://schemas.openxmlformats.org/presentationml/2006/main" xmlns:c="http://schemas.openxmlformats.org/drawingml/2006/chart" xmlns:dgm="http://schemas.openxmlformats.org/drawingml/2006/diagram" xmlns:o="urn:schemas-microsoft-com:office:office" xmlns:v="urn:schemas-microsoft-com:vml" xmlns:pvml="urn:schemas-microsoft-com:office:powerpoint" xmlns:com="http://schemas.openxmlformats.org/drawingml/2006/compatibility" xmlns:p14="http://schemas.microsoft.com/office/powerpoint/2010/main" xmlns:p15="http://schemas.microsoft.com/office/powerpoint/2012/main" xmlns:ahyp="http://schemas.microsoft.com/office/drawing/2018/hyperlinkcolor" matchingName="Big number">
+<p:sldLayout xmlns:a="http://schemas.openxmlformats.org/drawingml/2006/main" xmlns:r="http://schemas.openxmlformats.org/officeDocument/2006/relationships" xmlns:p="http://schemas.openxmlformats.org/presentationml/2006/main" matchingName="Big number">
   <p:cSld name="BIG_NUMBER">
     <p:spTree>
       <p:nvGrpSpPr>
-        <p:cNvPr id="51" name="Shape 51"/>
+        <p:cNvPr id="1" name="Shape 51"/>
         <p:cNvGrpSpPr/>
         <p:nvPr/>
       </p:nvGrpSpPr>
@@ -2551,12 +2649,12 @@
           </a:ln>
         </p:spPr>
         <p:txBody>
-          <a:bodyPr anchorCtr="0" anchor="ctr" bIns="91425" lIns="91425" spcFirstLastPara="1" rIns="91425" wrap="square" tIns="91425">
+          <a:bodyPr spcFirstLastPara="1" wrap="square" lIns="91425" tIns="91425" rIns="91425" bIns="91425" anchor="ctr" anchorCtr="0">
             <a:noAutofit/>
           </a:bodyPr>
           <a:lstStyle/>
           <a:p>
-            <a:pPr indent="0" lvl="0" marL="0" rtl="0" algn="l">
+            <a:pPr marL="0" lvl="0" indent="0" algn="l" rtl="0">
               <a:spcBef>
                 <a:spcPts val="0"/>
               </a:spcBef>
@@ -2565,9 +2663,6 @@
               </a:spcAft>
               <a:buNone/>
             </a:pPr>
-            <a:r>
-              <a:t/>
-            </a:r>
             <a:endParaRPr/>
           </a:p>
         </p:txBody>
@@ -2575,9 +2670,11 @@
       <p:sp>
         <p:nvSpPr>
           <p:cNvPr id="53" name="Google Shape;53;p11"/>
-          <p:cNvSpPr txBox="1"/>
+          <p:cNvSpPr txBox="1">
+            <a:spLocks noGrp="1"/>
+          </p:cNvSpPr>
           <p:nvPr>
-            <p:ph hasCustomPrompt="1" type="title"/>
+            <p:ph type="title" hasCustomPrompt="1"/>
           </p:nvPr>
         </p:nvSpPr>
         <p:spPr>
@@ -2590,7 +2687,7 @@
           </a:prstGeom>
         </p:spPr>
         <p:txBody>
-          <a:bodyPr anchorCtr="0" anchor="ctr" bIns="91425" lIns="91425" spcFirstLastPara="1" rIns="91425" wrap="square" tIns="91425">
+          <a:bodyPr spcFirstLastPara="1" wrap="square" lIns="91425" tIns="91425" rIns="91425" bIns="91425" anchor="ctr" anchorCtr="0">
             <a:normAutofit/>
           </a:bodyPr>
           <a:lstStyle>
@@ -2767,9 +2864,11 @@
       <p:sp>
         <p:nvSpPr>
           <p:cNvPr id="54" name="Google Shape;54;p11"/>
-          <p:cNvSpPr txBox="1"/>
+          <p:cNvSpPr txBox="1">
+            <a:spLocks noGrp="1"/>
+          </p:cNvSpPr>
           <p:nvPr>
-            <p:ph idx="1" type="body"/>
+            <p:ph type="body" idx="1"/>
           </p:nvPr>
         </p:nvSpPr>
         <p:spPr>
@@ -2782,11 +2881,11 @@
           </a:prstGeom>
         </p:spPr>
         <p:txBody>
-          <a:bodyPr anchorCtr="0" anchor="t" bIns="91425" lIns="91425" spcFirstLastPara="1" rIns="91425" wrap="square" tIns="91425">
+          <a:bodyPr spcFirstLastPara="1" wrap="square" lIns="91425" tIns="91425" rIns="91425" bIns="91425" anchor="t" anchorCtr="0">
             <a:normAutofit/>
           </a:bodyPr>
           <a:lstStyle>
-            <a:lvl1pPr indent="-342900" lvl="0" marL="457200" algn="ctr">
+            <a:lvl1pPr marL="457200" lvl="0" indent="-342900" algn="ctr">
               <a:spcBef>
                 <a:spcPts val="0"/>
               </a:spcBef>
@@ -2797,7 +2896,7 @@
               <a:buChar char="●"/>
               <a:defRPr/>
             </a:lvl1pPr>
-            <a:lvl2pPr indent="-317500" lvl="1" marL="914400" algn="ctr">
+            <a:lvl2pPr marL="914400" lvl="1" indent="-317500" algn="ctr">
               <a:spcBef>
                 <a:spcPts val="0"/>
               </a:spcBef>
@@ -2808,7 +2907,7 @@
               <a:buChar char="○"/>
               <a:defRPr/>
             </a:lvl2pPr>
-            <a:lvl3pPr indent="-317500" lvl="2" marL="1371600" algn="ctr">
+            <a:lvl3pPr marL="1371600" lvl="2" indent="-317500" algn="ctr">
               <a:spcBef>
                 <a:spcPts val="0"/>
               </a:spcBef>
@@ -2819,7 +2918,7 @@
               <a:buChar char="■"/>
               <a:defRPr/>
             </a:lvl3pPr>
-            <a:lvl4pPr indent="-317500" lvl="3" marL="1828800" algn="ctr">
+            <a:lvl4pPr marL="1828800" lvl="3" indent="-317500" algn="ctr">
               <a:spcBef>
                 <a:spcPts val="0"/>
               </a:spcBef>
@@ -2830,7 +2929,7 @@
               <a:buChar char="●"/>
               <a:defRPr/>
             </a:lvl4pPr>
-            <a:lvl5pPr indent="-317500" lvl="4" marL="2286000" algn="ctr">
+            <a:lvl5pPr marL="2286000" lvl="4" indent="-317500" algn="ctr">
               <a:spcBef>
                 <a:spcPts val="0"/>
               </a:spcBef>
@@ -2841,7 +2940,7 @@
               <a:buChar char="○"/>
               <a:defRPr/>
             </a:lvl5pPr>
-            <a:lvl6pPr indent="-317500" lvl="5" marL="2743200" algn="ctr">
+            <a:lvl6pPr marL="2743200" lvl="5" indent="-317500" algn="ctr">
               <a:spcBef>
                 <a:spcPts val="0"/>
               </a:spcBef>
@@ -2852,7 +2951,7 @@
               <a:buChar char="■"/>
               <a:defRPr/>
             </a:lvl6pPr>
-            <a:lvl7pPr indent="-317500" lvl="6" marL="3200400" algn="ctr">
+            <a:lvl7pPr marL="3200400" lvl="6" indent="-317500" algn="ctr">
               <a:spcBef>
                 <a:spcPts val="0"/>
               </a:spcBef>
@@ -2863,7 +2962,7 @@
               <a:buChar char="●"/>
               <a:defRPr/>
             </a:lvl7pPr>
-            <a:lvl8pPr indent="-317500" lvl="7" marL="3657600" algn="ctr">
+            <a:lvl8pPr marL="3657600" lvl="7" indent="-317500" algn="ctr">
               <a:spcBef>
                 <a:spcPts val="0"/>
               </a:spcBef>
@@ -2874,7 +2973,7 @@
               <a:buChar char="○"/>
               <a:defRPr/>
             </a:lvl8pPr>
-            <a:lvl9pPr indent="-317500" lvl="8" marL="4114800" algn="ctr">
+            <a:lvl9pPr marL="4114800" lvl="8" indent="-317500" algn="ctr">
               <a:spcBef>
                 <a:spcPts val="0"/>
               </a:spcBef>
@@ -2886,15 +2985,19 @@
               <a:defRPr/>
             </a:lvl9pPr>
           </a:lstStyle>
-          <a:p/>
+          <a:p>
+            <a:endParaRPr/>
+          </a:p>
         </p:txBody>
       </p:sp>
       <p:sp>
         <p:nvSpPr>
           <p:cNvPr id="55" name="Google Shape;55;p11"/>
-          <p:cNvSpPr txBox="1"/>
+          <p:cNvSpPr txBox="1">
+            <a:spLocks noGrp="1"/>
+          </p:cNvSpPr>
           <p:nvPr>
-            <p:ph idx="12" type="sldNum"/>
+            <p:ph type="sldNum" idx="12"/>
           </p:nvPr>
         </p:nvSpPr>
         <p:spPr>
@@ -2907,7 +3010,7 @@
           </a:prstGeom>
         </p:spPr>
         <p:txBody>
-          <a:bodyPr anchorCtr="0" anchor="ctr" bIns="91425" lIns="91425" spcFirstLastPara="1" rIns="91425" wrap="square" tIns="91425">
+          <a:bodyPr spcFirstLastPara="1" wrap="square" lIns="91425" tIns="91425" rIns="91425" bIns="91425" anchor="ctr" anchorCtr="0">
             <a:normAutofit/>
           </a:bodyPr>
           <a:lstStyle>
@@ -2949,7 +3052,7 @@
             </a:lvl9pPr>
           </a:lstStyle>
           <a:p>
-            <a:pPr indent="0" lvl="0" marL="0" rtl="0" algn="r">
+            <a:pPr marL="0" lvl="0" indent="0" algn="r" rtl="0">
               <a:spcBef>
                 <a:spcPts val="0"/>
               </a:spcBef>
@@ -2975,11 +3078,11 @@
 </file>
 
 <file path=ppt/slideLayouts/slideLayout11.xml><?xml version="1.0" encoding="utf-8"?>
-<p:sldLayout xmlns:a="http://schemas.openxmlformats.org/drawingml/2006/main" xmlns:r="http://schemas.openxmlformats.org/officeDocument/2006/relationships" xmlns:mc="http://schemas.openxmlformats.org/markup-compatibility/2006" xmlns:mv="urn:schemas-microsoft-com:mac:vml" xmlns:p="http://schemas.openxmlformats.org/presentationml/2006/main" xmlns:c="http://schemas.openxmlformats.org/drawingml/2006/chart" xmlns:dgm="http://schemas.openxmlformats.org/drawingml/2006/diagram" xmlns:o="urn:schemas-microsoft-com:office:office" xmlns:v="urn:schemas-microsoft-com:vml" xmlns:pvml="urn:schemas-microsoft-com:office:powerpoint" xmlns:com="http://schemas.openxmlformats.org/drawingml/2006/compatibility" xmlns:p14="http://schemas.microsoft.com/office/powerpoint/2010/main" xmlns:p15="http://schemas.microsoft.com/office/powerpoint/2012/main" xmlns:ahyp="http://schemas.microsoft.com/office/drawing/2018/hyperlinkcolor" matchingName="Blank" type="blank">
+<p:sldLayout xmlns:a="http://schemas.openxmlformats.org/drawingml/2006/main" xmlns:r="http://schemas.openxmlformats.org/officeDocument/2006/relationships" xmlns:p="http://schemas.openxmlformats.org/presentationml/2006/main" matchingName="Blank" type="blank">
   <p:cSld name="BLANK">
     <p:spTree>
       <p:nvGrpSpPr>
-        <p:cNvPr id="56" name="Shape 56"/>
+        <p:cNvPr id="1" name="Shape 56"/>
         <p:cNvGrpSpPr/>
         <p:nvPr/>
       </p:nvGrpSpPr>
@@ -2994,9 +3097,11 @@
       <p:sp>
         <p:nvSpPr>
           <p:cNvPr id="57" name="Google Shape;57;p12"/>
-          <p:cNvSpPr txBox="1"/>
+          <p:cNvSpPr txBox="1">
+            <a:spLocks noGrp="1"/>
+          </p:cNvSpPr>
           <p:nvPr>
-            <p:ph idx="12" type="sldNum"/>
+            <p:ph type="sldNum" idx="12"/>
           </p:nvPr>
         </p:nvSpPr>
         <p:spPr>
@@ -3009,7 +3114,7 @@
           </a:prstGeom>
         </p:spPr>
         <p:txBody>
-          <a:bodyPr anchorCtr="0" anchor="ctr" bIns="91425" lIns="91425" spcFirstLastPara="1" rIns="91425" wrap="square" tIns="91425">
+          <a:bodyPr spcFirstLastPara="1" wrap="square" lIns="91425" tIns="91425" rIns="91425" bIns="91425" anchor="ctr" anchorCtr="0">
             <a:normAutofit/>
           </a:bodyPr>
           <a:lstStyle>
@@ -3051,7 +3156,7 @@
             </a:lvl9pPr>
           </a:lstStyle>
           <a:p>
-            <a:pPr indent="0" lvl="0" marL="0" rtl="0" algn="r">
+            <a:pPr marL="0" lvl="0" indent="0" algn="r" rtl="0">
               <a:spcBef>
                 <a:spcPts val="0"/>
               </a:spcBef>
@@ -3077,11 +3182,11 @@
 </file>
 
 <file path=ppt/slideLayouts/slideLayout2.xml><?xml version="1.0" encoding="utf-8"?>
-<p:sldLayout xmlns:a="http://schemas.openxmlformats.org/drawingml/2006/main" xmlns:r="http://schemas.openxmlformats.org/officeDocument/2006/relationships" xmlns:mc="http://schemas.openxmlformats.org/markup-compatibility/2006" xmlns:mv="urn:schemas-microsoft-com:mac:vml" xmlns:p="http://schemas.openxmlformats.org/presentationml/2006/main" xmlns:c="http://schemas.openxmlformats.org/drawingml/2006/chart" xmlns:dgm="http://schemas.openxmlformats.org/drawingml/2006/diagram" xmlns:o="urn:schemas-microsoft-com:office:office" xmlns:v="urn:schemas-microsoft-com:vml" xmlns:pvml="urn:schemas-microsoft-com:office:powerpoint" xmlns:com="http://schemas.openxmlformats.org/drawingml/2006/compatibility" xmlns:p14="http://schemas.microsoft.com/office/powerpoint/2010/main" xmlns:p15="http://schemas.microsoft.com/office/powerpoint/2012/main" xmlns:ahyp="http://schemas.microsoft.com/office/drawing/2018/hyperlinkcolor" matchingName="Section header" type="secHead">
+<p:sldLayout xmlns:a="http://schemas.openxmlformats.org/drawingml/2006/main" xmlns:r="http://schemas.openxmlformats.org/officeDocument/2006/relationships" xmlns:p="http://schemas.openxmlformats.org/presentationml/2006/main" matchingName="Section header" type="secHead">
   <p:cSld name="SECTION_HEADER">
     <p:spTree>
       <p:nvGrpSpPr>
-        <p:cNvPr id="15" name="Shape 15"/>
+        <p:cNvPr id="1" name="Shape 15"/>
         <p:cNvGrpSpPr/>
         <p:nvPr/>
       </p:nvGrpSpPr>
@@ -3105,9 +3210,13 @@
             <a:ext cx="1081625" cy="1124950"/>
           </a:xfrm>
           <a:custGeom>
-            <a:rect b="b" l="l" r="r" t="t"/>
+            <a:avLst/>
+            <a:gdLst/>
+            <a:ahLst/>
+            <a:cxnLst/>
+            <a:rect l="l" t="t" r="r" b="b"/>
             <a:pathLst>
-              <a:path extrusionOk="0" h="44998" w="43265">
+              <a:path w="43265" h="44998" extrusionOk="0">
                 <a:moveTo>
                   <a:pt x="0" y="44998"/>
                 </a:moveTo>
@@ -3121,14 +3230,14 @@
             </a:pathLst>
           </a:custGeom>
           <a:noFill/>
-          <a:ln cap="flat" cmpd="sng" w="28575">
+          <a:ln w="28575" cap="flat" cmpd="sng">
             <a:solidFill>
               <a:schemeClr val="lt2"/>
             </a:solidFill>
             <a:prstDash val="solid"/>
             <a:miter lim="8000"/>
-            <a:headEnd len="sm" w="sm" type="none"/>
-            <a:tailEnd len="sm" w="sm" type="none"/>
+            <a:headEnd type="none" w="sm" len="sm"/>
+            <a:tailEnd type="none" w="sm" len="sm"/>
           </a:ln>
         </p:spPr>
       </p:sp>
@@ -3139,14 +3248,18 @@
           <p:nvPr/>
         </p:nvSpPr>
         <p:spPr>
-          <a:xfrm flipH="1" rot="10800000">
+          <a:xfrm rot="10800000" flipH="1">
             <a:off x="466425" y="3558325"/>
             <a:ext cx="1081625" cy="1124950"/>
           </a:xfrm>
           <a:custGeom>
-            <a:rect b="b" l="l" r="r" t="t"/>
+            <a:avLst/>
+            <a:gdLst/>
+            <a:ahLst/>
+            <a:cxnLst/>
+            <a:rect l="l" t="t" r="r" b="b"/>
             <a:pathLst>
-              <a:path extrusionOk="0" h="44998" w="43265">
+              <a:path w="43265" h="44998" extrusionOk="0">
                 <a:moveTo>
                   <a:pt x="0" y="44998"/>
                 </a:moveTo>
@@ -3160,21 +3273,23 @@
             </a:pathLst>
           </a:custGeom>
           <a:noFill/>
-          <a:ln cap="flat" cmpd="sng" w="28575">
+          <a:ln w="28575" cap="flat" cmpd="sng">
             <a:solidFill>
               <a:schemeClr val="lt2"/>
             </a:solidFill>
             <a:prstDash val="solid"/>
             <a:miter lim="8000"/>
-            <a:headEnd len="sm" w="sm" type="none"/>
-            <a:tailEnd len="sm" w="sm" type="none"/>
+            <a:headEnd type="none" w="sm" len="sm"/>
+            <a:tailEnd type="none" w="sm" len="sm"/>
           </a:ln>
         </p:spPr>
       </p:sp>
       <p:sp>
         <p:nvSpPr>
           <p:cNvPr id="18" name="Google Shape;18;p3"/>
-          <p:cNvSpPr txBox="1"/>
+          <p:cNvSpPr txBox="1">
+            <a:spLocks noGrp="1"/>
+          </p:cNvSpPr>
           <p:nvPr>
             <p:ph type="title"/>
           </p:nvPr>
@@ -3189,7 +3304,7 @@
           </a:prstGeom>
         </p:spPr>
         <p:txBody>
-          <a:bodyPr anchorCtr="0" anchor="ctr" bIns="91425" lIns="91425" spcFirstLastPara="1" rIns="91425" wrap="square" tIns="91425">
+          <a:bodyPr spcFirstLastPara="1" wrap="square" lIns="91425" tIns="91425" rIns="91425" bIns="91425" anchor="ctr" anchorCtr="0">
             <a:normAutofit/>
           </a:bodyPr>
           <a:lstStyle>
@@ -3293,15 +3408,19 @@
               <a:defRPr/>
             </a:lvl9pPr>
           </a:lstStyle>
-          <a:p/>
+          <a:p>
+            <a:endParaRPr/>
+          </a:p>
         </p:txBody>
       </p:sp>
       <p:sp>
         <p:nvSpPr>
           <p:cNvPr id="19" name="Google Shape;19;p3"/>
-          <p:cNvSpPr txBox="1"/>
+          <p:cNvSpPr txBox="1">
+            <a:spLocks noGrp="1"/>
+          </p:cNvSpPr>
           <p:nvPr>
-            <p:ph idx="12" type="sldNum"/>
+            <p:ph type="sldNum" idx="12"/>
           </p:nvPr>
         </p:nvSpPr>
         <p:spPr>
@@ -3314,7 +3433,7 @@
           </a:prstGeom>
         </p:spPr>
         <p:txBody>
-          <a:bodyPr anchorCtr="0" anchor="ctr" bIns="91425" lIns="91425" spcFirstLastPara="1" rIns="91425" wrap="square" tIns="91425">
+          <a:bodyPr spcFirstLastPara="1" wrap="square" lIns="91425" tIns="91425" rIns="91425" bIns="91425" anchor="ctr" anchorCtr="0">
             <a:normAutofit/>
           </a:bodyPr>
           <a:lstStyle>
@@ -3356,7 +3475,7 @@
             </a:lvl9pPr>
           </a:lstStyle>
           <a:p>
-            <a:pPr indent="0" lvl="0" marL="0" rtl="0" algn="r">
+            <a:pPr marL="0" lvl="0" indent="0" algn="r" rtl="0">
               <a:spcBef>
                 <a:spcPts val="0"/>
               </a:spcBef>
@@ -3382,11 +3501,11 @@
 </file>
 
 <file path=ppt/slideLayouts/slideLayout3.xml><?xml version="1.0" encoding="utf-8"?>
-<p:sldLayout xmlns:a="http://schemas.openxmlformats.org/drawingml/2006/main" xmlns:r="http://schemas.openxmlformats.org/officeDocument/2006/relationships" xmlns:mc="http://schemas.openxmlformats.org/markup-compatibility/2006" xmlns:mv="urn:schemas-microsoft-com:mac:vml" xmlns:p="http://schemas.openxmlformats.org/presentationml/2006/main" xmlns:c="http://schemas.openxmlformats.org/drawingml/2006/chart" xmlns:dgm="http://schemas.openxmlformats.org/drawingml/2006/diagram" xmlns:o="urn:schemas-microsoft-com:office:office" xmlns:v="urn:schemas-microsoft-com:vml" xmlns:pvml="urn:schemas-microsoft-com:office:powerpoint" xmlns:com="http://schemas.openxmlformats.org/drawingml/2006/compatibility" xmlns:p14="http://schemas.microsoft.com/office/powerpoint/2010/main" xmlns:p15="http://schemas.microsoft.com/office/powerpoint/2012/main" xmlns:ahyp="http://schemas.microsoft.com/office/drawing/2018/hyperlinkcolor" matchingName="Title and body" type="tx">
+<p:sldLayout xmlns:a="http://schemas.openxmlformats.org/drawingml/2006/main" xmlns:r="http://schemas.openxmlformats.org/officeDocument/2006/relationships" xmlns:p="http://schemas.openxmlformats.org/presentationml/2006/main" matchingName="Title and body" type="tx">
   <p:cSld name="TITLE_AND_BODY">
     <p:spTree>
       <p:nvGrpSpPr>
-        <p:cNvPr id="20" name="Shape 20"/>
+        <p:cNvPr id="1" name="Shape 20"/>
         <p:cNvGrpSpPr/>
         <p:nvPr/>
       </p:nvGrpSpPr>
@@ -3420,12 +3539,12 @@
           </a:ln>
         </p:spPr>
         <p:txBody>
-          <a:bodyPr anchorCtr="0" anchor="ctr" bIns="91425" lIns="91425" spcFirstLastPara="1" rIns="91425" wrap="square" tIns="91425">
+          <a:bodyPr spcFirstLastPara="1" wrap="square" lIns="91425" tIns="91425" rIns="91425" bIns="91425" anchor="ctr" anchorCtr="0">
             <a:noAutofit/>
           </a:bodyPr>
           <a:lstStyle/>
           <a:p>
-            <a:pPr indent="0" lvl="0" marL="0" rtl="0" algn="l">
+            <a:pPr marL="0" lvl="0" indent="0" algn="l" rtl="0">
               <a:spcBef>
                 <a:spcPts val="0"/>
               </a:spcBef>
@@ -3434,9 +3553,6 @@
               </a:spcAft>
               <a:buNone/>
             </a:pPr>
-            <a:r>
-              <a:t/>
-            </a:r>
             <a:endParaRPr/>
           </a:p>
         </p:txBody>
@@ -3444,7 +3560,9 @@
       <p:sp>
         <p:nvSpPr>
           <p:cNvPr id="22" name="Google Shape;22;p4"/>
-          <p:cNvSpPr txBox="1"/>
+          <p:cNvSpPr txBox="1">
+            <a:spLocks noGrp="1"/>
+          </p:cNvSpPr>
           <p:nvPr>
             <p:ph type="title"/>
           </p:nvPr>
@@ -3459,7 +3577,7 @@
           </a:prstGeom>
         </p:spPr>
         <p:txBody>
-          <a:bodyPr anchorCtr="0" anchor="b" bIns="91425" lIns="91425" spcFirstLastPara="1" rIns="91425" wrap="square" tIns="91425">
+          <a:bodyPr spcFirstLastPara="1" wrap="square" lIns="91425" tIns="91425" rIns="91425" bIns="91425" anchor="b" anchorCtr="0">
             <a:normAutofit/>
           </a:bodyPr>
           <a:lstStyle>
@@ -3563,15 +3681,19 @@
               <a:defRPr/>
             </a:lvl9pPr>
           </a:lstStyle>
-          <a:p/>
+          <a:p>
+            <a:endParaRPr/>
+          </a:p>
         </p:txBody>
       </p:sp>
       <p:sp>
         <p:nvSpPr>
           <p:cNvPr id="23" name="Google Shape;23;p4"/>
-          <p:cNvSpPr txBox="1"/>
+          <p:cNvSpPr txBox="1">
+            <a:spLocks noGrp="1"/>
+          </p:cNvSpPr>
           <p:nvPr>
-            <p:ph idx="1" type="body"/>
+            <p:ph type="body" idx="1"/>
           </p:nvPr>
         </p:nvSpPr>
         <p:spPr>
@@ -3584,11 +3706,11 @@
           </a:prstGeom>
         </p:spPr>
         <p:txBody>
-          <a:bodyPr anchorCtr="0" anchor="t" bIns="91425" lIns="91425" spcFirstLastPara="1" rIns="91425" wrap="square" tIns="91425">
+          <a:bodyPr spcFirstLastPara="1" wrap="square" lIns="91425" tIns="91425" rIns="91425" bIns="91425" anchor="t" anchorCtr="0">
             <a:normAutofit/>
           </a:bodyPr>
           <a:lstStyle>
-            <a:lvl1pPr indent="-342900" lvl="0" marL="457200">
+            <a:lvl1pPr marL="457200" lvl="0" indent="-342900">
               <a:spcBef>
                 <a:spcPts val="0"/>
               </a:spcBef>
@@ -3599,7 +3721,7 @@
               <a:buChar char="●"/>
               <a:defRPr/>
             </a:lvl1pPr>
-            <a:lvl2pPr indent="-317500" lvl="1" marL="914400">
+            <a:lvl2pPr marL="914400" lvl="1" indent="-317500">
               <a:spcBef>
                 <a:spcPts val="0"/>
               </a:spcBef>
@@ -3610,7 +3732,7 @@
               <a:buChar char="○"/>
               <a:defRPr/>
             </a:lvl2pPr>
-            <a:lvl3pPr indent="-317500" lvl="2" marL="1371600">
+            <a:lvl3pPr marL="1371600" lvl="2" indent="-317500">
               <a:spcBef>
                 <a:spcPts val="0"/>
               </a:spcBef>
@@ -3621,7 +3743,7 @@
               <a:buChar char="■"/>
               <a:defRPr/>
             </a:lvl3pPr>
-            <a:lvl4pPr indent="-317500" lvl="3" marL="1828800">
+            <a:lvl4pPr marL="1828800" lvl="3" indent="-317500">
               <a:spcBef>
                 <a:spcPts val="0"/>
               </a:spcBef>
@@ -3632,7 +3754,7 @@
               <a:buChar char="●"/>
               <a:defRPr/>
             </a:lvl4pPr>
-            <a:lvl5pPr indent="-317500" lvl="4" marL="2286000">
+            <a:lvl5pPr marL="2286000" lvl="4" indent="-317500">
               <a:spcBef>
                 <a:spcPts val="0"/>
               </a:spcBef>
@@ -3643,7 +3765,7 @@
               <a:buChar char="○"/>
               <a:defRPr/>
             </a:lvl5pPr>
-            <a:lvl6pPr indent="-317500" lvl="5" marL="2743200">
+            <a:lvl6pPr marL="2743200" lvl="5" indent="-317500">
               <a:spcBef>
                 <a:spcPts val="0"/>
               </a:spcBef>
@@ -3654,7 +3776,7 @@
               <a:buChar char="■"/>
               <a:defRPr/>
             </a:lvl6pPr>
-            <a:lvl7pPr indent="-317500" lvl="6" marL="3200400">
+            <a:lvl7pPr marL="3200400" lvl="6" indent="-317500">
               <a:spcBef>
                 <a:spcPts val="0"/>
               </a:spcBef>
@@ -3665,7 +3787,7 @@
               <a:buChar char="●"/>
               <a:defRPr/>
             </a:lvl7pPr>
-            <a:lvl8pPr indent="-317500" lvl="7" marL="3657600">
+            <a:lvl8pPr marL="3657600" lvl="7" indent="-317500">
               <a:spcBef>
                 <a:spcPts val="0"/>
               </a:spcBef>
@@ -3676,7 +3798,7 @@
               <a:buChar char="○"/>
               <a:defRPr/>
             </a:lvl8pPr>
-            <a:lvl9pPr indent="-317500" lvl="8" marL="4114800">
+            <a:lvl9pPr marL="4114800" lvl="8" indent="-317500">
               <a:spcBef>
                 <a:spcPts val="0"/>
               </a:spcBef>
@@ -3688,15 +3810,19 @@
               <a:defRPr/>
             </a:lvl9pPr>
           </a:lstStyle>
-          <a:p/>
+          <a:p>
+            <a:endParaRPr/>
+          </a:p>
         </p:txBody>
       </p:sp>
       <p:sp>
         <p:nvSpPr>
           <p:cNvPr id="24" name="Google Shape;24;p4"/>
-          <p:cNvSpPr txBox="1"/>
+          <p:cNvSpPr txBox="1">
+            <a:spLocks noGrp="1"/>
+          </p:cNvSpPr>
           <p:nvPr>
-            <p:ph idx="12" type="sldNum"/>
+            <p:ph type="sldNum" idx="12"/>
           </p:nvPr>
         </p:nvSpPr>
         <p:spPr>
@@ -3709,7 +3835,7 @@
           </a:prstGeom>
         </p:spPr>
         <p:txBody>
-          <a:bodyPr anchorCtr="0" anchor="ctr" bIns="91425" lIns="91425" spcFirstLastPara="1" rIns="91425" wrap="square" tIns="91425">
+          <a:bodyPr spcFirstLastPara="1" wrap="square" lIns="91425" tIns="91425" rIns="91425" bIns="91425" anchor="ctr" anchorCtr="0">
             <a:normAutofit/>
           </a:bodyPr>
           <a:lstStyle>
@@ -3751,7 +3877,7 @@
             </a:lvl9pPr>
           </a:lstStyle>
           <a:p>
-            <a:pPr indent="0" lvl="0" marL="0" rtl="0" algn="r">
+            <a:pPr marL="0" lvl="0" indent="0" algn="r" rtl="0">
               <a:spcBef>
                 <a:spcPts val="0"/>
               </a:spcBef>
@@ -3777,11 +3903,11 @@
 </file>
 
 <file path=ppt/slideLayouts/slideLayout4.xml><?xml version="1.0" encoding="utf-8"?>
-<p:sldLayout xmlns:a="http://schemas.openxmlformats.org/drawingml/2006/main" xmlns:r="http://schemas.openxmlformats.org/officeDocument/2006/relationships" xmlns:mc="http://schemas.openxmlformats.org/markup-compatibility/2006" xmlns:mv="urn:schemas-microsoft-com:mac:vml" xmlns:p="http://schemas.openxmlformats.org/presentationml/2006/main" xmlns:c="http://schemas.openxmlformats.org/drawingml/2006/chart" xmlns:dgm="http://schemas.openxmlformats.org/drawingml/2006/diagram" xmlns:o="urn:schemas-microsoft-com:office:office" xmlns:v="urn:schemas-microsoft-com:vml" xmlns:pvml="urn:schemas-microsoft-com:office:powerpoint" xmlns:com="http://schemas.openxmlformats.org/drawingml/2006/compatibility" xmlns:p14="http://schemas.microsoft.com/office/powerpoint/2010/main" xmlns:p15="http://schemas.microsoft.com/office/powerpoint/2012/main" xmlns:ahyp="http://schemas.microsoft.com/office/drawing/2018/hyperlinkcolor" matchingName="Title and two columns" type="twoColTx">
+<p:sldLayout xmlns:a="http://schemas.openxmlformats.org/drawingml/2006/main" xmlns:r="http://schemas.openxmlformats.org/officeDocument/2006/relationships" xmlns:p="http://schemas.openxmlformats.org/presentationml/2006/main" matchingName="Title and two columns" type="twoColTx">
   <p:cSld name="TITLE_AND_TWO_COLUMNS">
     <p:spTree>
       <p:nvGrpSpPr>
-        <p:cNvPr id="25" name="Shape 25"/>
+        <p:cNvPr id="1" name="Shape 25"/>
         <p:cNvGrpSpPr/>
         <p:nvPr/>
       </p:nvGrpSpPr>
@@ -3796,7 +3922,9 @@
       <p:sp>
         <p:nvSpPr>
           <p:cNvPr id="26" name="Google Shape;26;p5"/>
-          <p:cNvSpPr txBox="1"/>
+          <p:cNvSpPr txBox="1">
+            <a:spLocks noGrp="1"/>
+          </p:cNvSpPr>
           <p:nvPr>
             <p:ph type="title"/>
           </p:nvPr>
@@ -3811,7 +3939,7 @@
           </a:prstGeom>
         </p:spPr>
         <p:txBody>
-          <a:bodyPr anchorCtr="0" anchor="b" bIns="91425" lIns="91425" spcFirstLastPara="1" rIns="91425" wrap="square" tIns="91425">
+          <a:bodyPr spcFirstLastPara="1" wrap="square" lIns="91425" tIns="91425" rIns="91425" bIns="91425" anchor="b" anchorCtr="0">
             <a:normAutofit/>
           </a:bodyPr>
           <a:lstStyle>
@@ -3915,15 +4043,19 @@
               <a:defRPr/>
             </a:lvl9pPr>
           </a:lstStyle>
-          <a:p/>
+          <a:p>
+            <a:endParaRPr/>
+          </a:p>
         </p:txBody>
       </p:sp>
       <p:sp>
         <p:nvSpPr>
           <p:cNvPr id="27" name="Google Shape;27;p5"/>
-          <p:cNvSpPr txBox="1"/>
+          <p:cNvSpPr txBox="1">
+            <a:spLocks noGrp="1"/>
+          </p:cNvSpPr>
           <p:nvPr>
-            <p:ph idx="1" type="body"/>
+            <p:ph type="body" idx="1"/>
           </p:nvPr>
         </p:nvSpPr>
         <p:spPr>
@@ -3936,11 +4068,11 @@
           </a:prstGeom>
         </p:spPr>
         <p:txBody>
-          <a:bodyPr anchorCtr="0" anchor="t" bIns="91425" lIns="91425" spcFirstLastPara="1" rIns="91425" wrap="square" tIns="91425">
+          <a:bodyPr spcFirstLastPara="1" wrap="square" lIns="91425" tIns="91425" rIns="91425" bIns="91425" anchor="t" anchorCtr="0">
             <a:normAutofit/>
           </a:bodyPr>
           <a:lstStyle>
-            <a:lvl1pPr indent="-317500" lvl="0" marL="457200">
+            <a:lvl1pPr marL="457200" lvl="0" indent="-317500">
               <a:spcBef>
                 <a:spcPts val="0"/>
               </a:spcBef>
@@ -3951,7 +4083,7 @@
               <a:buChar char="●"/>
               <a:defRPr sz="1400"/>
             </a:lvl1pPr>
-            <a:lvl2pPr indent="-304800" lvl="1" marL="914400">
+            <a:lvl2pPr marL="914400" lvl="1" indent="-304800">
               <a:spcBef>
                 <a:spcPts val="0"/>
               </a:spcBef>
@@ -3962,7 +4094,7 @@
               <a:buChar char="○"/>
               <a:defRPr sz="1200"/>
             </a:lvl2pPr>
-            <a:lvl3pPr indent="-304800" lvl="2" marL="1371600">
+            <a:lvl3pPr marL="1371600" lvl="2" indent="-304800">
               <a:spcBef>
                 <a:spcPts val="0"/>
               </a:spcBef>
@@ -3973,7 +4105,7 @@
               <a:buChar char="■"/>
               <a:defRPr sz="1200"/>
             </a:lvl3pPr>
-            <a:lvl4pPr indent="-304800" lvl="3" marL="1828800">
+            <a:lvl4pPr marL="1828800" lvl="3" indent="-304800">
               <a:spcBef>
                 <a:spcPts val="0"/>
               </a:spcBef>
@@ -3984,7 +4116,7 @@
               <a:buChar char="●"/>
               <a:defRPr sz="1200"/>
             </a:lvl4pPr>
-            <a:lvl5pPr indent="-304800" lvl="4" marL="2286000">
+            <a:lvl5pPr marL="2286000" lvl="4" indent="-304800">
               <a:spcBef>
                 <a:spcPts val="0"/>
               </a:spcBef>
@@ -3995,7 +4127,7 @@
               <a:buChar char="○"/>
               <a:defRPr sz="1200"/>
             </a:lvl5pPr>
-            <a:lvl6pPr indent="-304800" lvl="5" marL="2743200">
+            <a:lvl6pPr marL="2743200" lvl="5" indent="-304800">
               <a:spcBef>
                 <a:spcPts val="0"/>
               </a:spcBef>
@@ -4006,7 +4138,7 @@
               <a:buChar char="■"/>
               <a:defRPr sz="1200"/>
             </a:lvl6pPr>
-            <a:lvl7pPr indent="-304800" lvl="6" marL="3200400">
+            <a:lvl7pPr marL="3200400" lvl="6" indent="-304800">
               <a:spcBef>
                 <a:spcPts val="0"/>
               </a:spcBef>
@@ -4017,7 +4149,7 @@
               <a:buChar char="●"/>
               <a:defRPr sz="1200"/>
             </a:lvl7pPr>
-            <a:lvl8pPr indent="-304800" lvl="7" marL="3657600">
+            <a:lvl8pPr marL="3657600" lvl="7" indent="-304800">
               <a:spcBef>
                 <a:spcPts val="0"/>
               </a:spcBef>
@@ -4028,7 +4160,7 @@
               <a:buChar char="○"/>
               <a:defRPr sz="1200"/>
             </a:lvl8pPr>
-            <a:lvl9pPr indent="-304800" lvl="8" marL="4114800">
+            <a:lvl9pPr marL="4114800" lvl="8" indent="-304800">
               <a:spcBef>
                 <a:spcPts val="0"/>
               </a:spcBef>
@@ -4040,15 +4172,19 @@
               <a:defRPr sz="1200"/>
             </a:lvl9pPr>
           </a:lstStyle>
-          <a:p/>
+          <a:p>
+            <a:endParaRPr/>
+          </a:p>
         </p:txBody>
       </p:sp>
       <p:sp>
         <p:nvSpPr>
           <p:cNvPr id="28" name="Google Shape;28;p5"/>
-          <p:cNvSpPr txBox="1"/>
+          <p:cNvSpPr txBox="1">
+            <a:spLocks noGrp="1"/>
+          </p:cNvSpPr>
           <p:nvPr>
-            <p:ph idx="2" type="body"/>
+            <p:ph type="body" idx="2"/>
           </p:nvPr>
         </p:nvSpPr>
         <p:spPr>
@@ -4061,11 +4197,11 @@
           </a:prstGeom>
         </p:spPr>
         <p:txBody>
-          <a:bodyPr anchorCtr="0" anchor="t" bIns="91425" lIns="91425" spcFirstLastPara="1" rIns="91425" wrap="square" tIns="91425">
+          <a:bodyPr spcFirstLastPara="1" wrap="square" lIns="91425" tIns="91425" rIns="91425" bIns="91425" anchor="t" anchorCtr="0">
             <a:normAutofit/>
           </a:bodyPr>
           <a:lstStyle>
-            <a:lvl1pPr indent="-317500" lvl="0" marL="457200">
+            <a:lvl1pPr marL="457200" lvl="0" indent="-317500">
               <a:spcBef>
                 <a:spcPts val="0"/>
               </a:spcBef>
@@ -4076,7 +4212,7 @@
               <a:buChar char="●"/>
               <a:defRPr sz="1400"/>
             </a:lvl1pPr>
-            <a:lvl2pPr indent="-304800" lvl="1" marL="914400">
+            <a:lvl2pPr marL="914400" lvl="1" indent="-304800">
               <a:spcBef>
                 <a:spcPts val="0"/>
               </a:spcBef>
@@ -4087,7 +4223,7 @@
               <a:buChar char="○"/>
               <a:defRPr sz="1200"/>
             </a:lvl2pPr>
-            <a:lvl3pPr indent="-304800" lvl="2" marL="1371600">
+            <a:lvl3pPr marL="1371600" lvl="2" indent="-304800">
               <a:spcBef>
                 <a:spcPts val="0"/>
               </a:spcBef>
@@ -4098,7 +4234,7 @@
               <a:buChar char="■"/>
               <a:defRPr sz="1200"/>
             </a:lvl3pPr>
-            <a:lvl4pPr indent="-304800" lvl="3" marL="1828800">
+            <a:lvl4pPr marL="1828800" lvl="3" indent="-304800">
               <a:spcBef>
                 <a:spcPts val="0"/>
               </a:spcBef>
@@ -4109,7 +4245,7 @@
               <a:buChar char="●"/>
               <a:defRPr sz="1200"/>
             </a:lvl4pPr>
-            <a:lvl5pPr indent="-304800" lvl="4" marL="2286000">
+            <a:lvl5pPr marL="2286000" lvl="4" indent="-304800">
               <a:spcBef>
                 <a:spcPts val="0"/>
               </a:spcBef>
@@ -4120,7 +4256,7 @@
               <a:buChar char="○"/>
               <a:defRPr sz="1200"/>
             </a:lvl5pPr>
-            <a:lvl6pPr indent="-304800" lvl="5" marL="2743200">
+            <a:lvl6pPr marL="2743200" lvl="5" indent="-304800">
               <a:spcBef>
                 <a:spcPts val="0"/>
               </a:spcBef>
@@ -4131,7 +4267,7 @@
               <a:buChar char="■"/>
               <a:defRPr sz="1200"/>
             </a:lvl6pPr>
-            <a:lvl7pPr indent="-304800" lvl="6" marL="3200400">
+            <a:lvl7pPr marL="3200400" lvl="6" indent="-304800">
               <a:spcBef>
                 <a:spcPts val="0"/>
               </a:spcBef>
@@ -4142,7 +4278,7 @@
               <a:buChar char="●"/>
               <a:defRPr sz="1200"/>
             </a:lvl7pPr>
-            <a:lvl8pPr indent="-304800" lvl="7" marL="3657600">
+            <a:lvl8pPr marL="3657600" lvl="7" indent="-304800">
               <a:spcBef>
                 <a:spcPts val="0"/>
               </a:spcBef>
@@ -4153,7 +4289,7 @@
               <a:buChar char="○"/>
               <a:defRPr sz="1200"/>
             </a:lvl8pPr>
-            <a:lvl9pPr indent="-304800" lvl="8" marL="4114800">
+            <a:lvl9pPr marL="4114800" lvl="8" indent="-304800">
               <a:spcBef>
                 <a:spcPts val="0"/>
               </a:spcBef>
@@ -4165,15 +4301,19 @@
               <a:defRPr sz="1200"/>
             </a:lvl9pPr>
           </a:lstStyle>
-          <a:p/>
+          <a:p>
+            <a:endParaRPr/>
+          </a:p>
         </p:txBody>
       </p:sp>
       <p:sp>
         <p:nvSpPr>
           <p:cNvPr id="29" name="Google Shape;29;p5"/>
-          <p:cNvSpPr txBox="1"/>
+          <p:cNvSpPr txBox="1">
+            <a:spLocks noGrp="1"/>
+          </p:cNvSpPr>
           <p:nvPr>
-            <p:ph idx="12" type="sldNum"/>
+            <p:ph type="sldNum" idx="12"/>
           </p:nvPr>
         </p:nvSpPr>
         <p:spPr>
@@ -4186,7 +4326,7 @@
           </a:prstGeom>
         </p:spPr>
         <p:txBody>
-          <a:bodyPr anchorCtr="0" anchor="ctr" bIns="91425" lIns="91425" spcFirstLastPara="1" rIns="91425" wrap="square" tIns="91425">
+          <a:bodyPr spcFirstLastPara="1" wrap="square" lIns="91425" tIns="91425" rIns="91425" bIns="91425" anchor="ctr" anchorCtr="0">
             <a:normAutofit/>
           </a:bodyPr>
           <a:lstStyle>
@@ -4228,7 +4368,7 @@
             </a:lvl9pPr>
           </a:lstStyle>
           <a:p>
-            <a:pPr indent="0" lvl="0" marL="0" rtl="0" algn="r">
+            <a:pPr marL="0" lvl="0" indent="0" algn="r" rtl="0">
               <a:spcBef>
                 <a:spcPts val="0"/>
               </a:spcBef>
@@ -4254,11 +4394,11 @@
 </file>
 
 <file path=ppt/slideLayouts/slideLayout5.xml><?xml version="1.0" encoding="utf-8"?>
-<p:sldLayout xmlns:a="http://schemas.openxmlformats.org/drawingml/2006/main" xmlns:r="http://schemas.openxmlformats.org/officeDocument/2006/relationships" xmlns:mc="http://schemas.openxmlformats.org/markup-compatibility/2006" xmlns:mv="urn:schemas-microsoft-com:mac:vml" xmlns:p="http://schemas.openxmlformats.org/presentationml/2006/main" xmlns:c="http://schemas.openxmlformats.org/drawingml/2006/chart" xmlns:dgm="http://schemas.openxmlformats.org/drawingml/2006/diagram" xmlns:o="urn:schemas-microsoft-com:office:office" xmlns:v="urn:schemas-microsoft-com:vml" xmlns:pvml="urn:schemas-microsoft-com:office:powerpoint" xmlns:com="http://schemas.openxmlformats.org/drawingml/2006/compatibility" xmlns:p14="http://schemas.microsoft.com/office/powerpoint/2010/main" xmlns:p15="http://schemas.microsoft.com/office/powerpoint/2012/main" xmlns:ahyp="http://schemas.microsoft.com/office/drawing/2018/hyperlinkcolor" matchingName="Title only" type="titleOnly">
+<p:sldLayout xmlns:a="http://schemas.openxmlformats.org/drawingml/2006/main" xmlns:r="http://schemas.openxmlformats.org/officeDocument/2006/relationships" xmlns:p="http://schemas.openxmlformats.org/presentationml/2006/main" matchingName="Title only" type="titleOnly">
   <p:cSld name="TITLE_ONLY">
     <p:spTree>
       <p:nvGrpSpPr>
-        <p:cNvPr id="30" name="Shape 30"/>
+        <p:cNvPr id="1" name="Shape 30"/>
         <p:cNvGrpSpPr/>
         <p:nvPr/>
       </p:nvGrpSpPr>
@@ -4273,7 +4413,9 @@
       <p:sp>
         <p:nvSpPr>
           <p:cNvPr id="31" name="Google Shape;31;p6"/>
-          <p:cNvSpPr txBox="1"/>
+          <p:cNvSpPr txBox="1">
+            <a:spLocks noGrp="1"/>
+          </p:cNvSpPr>
           <p:nvPr>
             <p:ph type="title"/>
           </p:nvPr>
@@ -4288,7 +4430,7 @@
           </a:prstGeom>
         </p:spPr>
         <p:txBody>
-          <a:bodyPr anchorCtr="0" anchor="b" bIns="91425" lIns="91425" spcFirstLastPara="1" rIns="91425" wrap="square" tIns="91425">
+          <a:bodyPr spcFirstLastPara="1" wrap="square" lIns="91425" tIns="91425" rIns="91425" bIns="91425" anchor="b" anchorCtr="0">
             <a:normAutofit/>
           </a:bodyPr>
           <a:lstStyle>
@@ -4392,15 +4534,19 @@
               <a:defRPr/>
             </a:lvl9pPr>
           </a:lstStyle>
-          <a:p/>
+          <a:p>
+            <a:endParaRPr/>
+          </a:p>
         </p:txBody>
       </p:sp>
       <p:sp>
         <p:nvSpPr>
           <p:cNvPr id="32" name="Google Shape;32;p6"/>
-          <p:cNvSpPr txBox="1"/>
+          <p:cNvSpPr txBox="1">
+            <a:spLocks noGrp="1"/>
+          </p:cNvSpPr>
           <p:nvPr>
-            <p:ph idx="12" type="sldNum"/>
+            <p:ph type="sldNum" idx="12"/>
           </p:nvPr>
         </p:nvSpPr>
         <p:spPr>
@@ -4413,7 +4559,7 @@
           </a:prstGeom>
         </p:spPr>
         <p:txBody>
-          <a:bodyPr anchorCtr="0" anchor="ctr" bIns="91425" lIns="91425" spcFirstLastPara="1" rIns="91425" wrap="square" tIns="91425">
+          <a:bodyPr spcFirstLastPara="1" wrap="square" lIns="91425" tIns="91425" rIns="91425" bIns="91425" anchor="ctr" anchorCtr="0">
             <a:normAutofit/>
           </a:bodyPr>
           <a:lstStyle>
@@ -4455,7 +4601,7 @@
             </a:lvl9pPr>
           </a:lstStyle>
           <a:p>
-            <a:pPr indent="0" lvl="0" marL="0" rtl="0" algn="r">
+            <a:pPr marL="0" lvl="0" indent="0" algn="r" rtl="0">
               <a:spcBef>
                 <a:spcPts val="0"/>
               </a:spcBef>
@@ -4481,11 +4627,11 @@
 </file>
 
 <file path=ppt/slideLayouts/slideLayout6.xml><?xml version="1.0" encoding="utf-8"?>
-<p:sldLayout xmlns:a="http://schemas.openxmlformats.org/drawingml/2006/main" xmlns:r="http://schemas.openxmlformats.org/officeDocument/2006/relationships" xmlns:mc="http://schemas.openxmlformats.org/markup-compatibility/2006" xmlns:mv="urn:schemas-microsoft-com:mac:vml" xmlns:p="http://schemas.openxmlformats.org/presentationml/2006/main" xmlns:c="http://schemas.openxmlformats.org/drawingml/2006/chart" xmlns:dgm="http://schemas.openxmlformats.org/drawingml/2006/diagram" xmlns:o="urn:schemas-microsoft-com:office:office" xmlns:v="urn:schemas-microsoft-com:vml" xmlns:pvml="urn:schemas-microsoft-com:office:powerpoint" xmlns:com="http://schemas.openxmlformats.org/drawingml/2006/compatibility" xmlns:p14="http://schemas.microsoft.com/office/powerpoint/2010/main" xmlns:p15="http://schemas.microsoft.com/office/powerpoint/2012/main" xmlns:ahyp="http://schemas.microsoft.com/office/drawing/2018/hyperlinkcolor" matchingName="One column text">
+<p:sldLayout xmlns:a="http://schemas.openxmlformats.org/drawingml/2006/main" xmlns:r="http://schemas.openxmlformats.org/officeDocument/2006/relationships" xmlns:p="http://schemas.openxmlformats.org/presentationml/2006/main" matchingName="One column text">
   <p:cSld name="ONE_COLUMN_TEXT">
     <p:spTree>
       <p:nvGrpSpPr>
-        <p:cNvPr id="33" name="Shape 33"/>
+        <p:cNvPr id="1" name="Shape 33"/>
         <p:cNvGrpSpPr/>
         <p:nvPr/>
       </p:nvGrpSpPr>
@@ -4500,7 +4646,9 @@
       <p:sp>
         <p:nvSpPr>
           <p:cNvPr id="34" name="Google Shape;34;p7"/>
-          <p:cNvSpPr txBox="1"/>
+          <p:cNvSpPr txBox="1">
+            <a:spLocks noGrp="1"/>
+          </p:cNvSpPr>
           <p:nvPr>
             <p:ph type="title"/>
           </p:nvPr>
@@ -4515,7 +4663,7 @@
           </a:prstGeom>
         </p:spPr>
         <p:txBody>
-          <a:bodyPr anchorCtr="0" anchor="b" bIns="91425" lIns="91425" spcFirstLastPara="1" rIns="91425" wrap="square" tIns="91425">
+          <a:bodyPr spcFirstLastPara="1" wrap="square" lIns="91425" tIns="91425" rIns="91425" bIns="91425" anchor="b" anchorCtr="0">
             <a:normAutofit/>
           </a:bodyPr>
           <a:lstStyle>
@@ -4619,15 +4767,19 @@
               <a:defRPr sz="3000"/>
             </a:lvl9pPr>
           </a:lstStyle>
-          <a:p/>
+          <a:p>
+            <a:endParaRPr/>
+          </a:p>
         </p:txBody>
       </p:sp>
       <p:sp>
         <p:nvSpPr>
           <p:cNvPr id="35" name="Google Shape;35;p7"/>
-          <p:cNvSpPr txBox="1"/>
+          <p:cNvSpPr txBox="1">
+            <a:spLocks noGrp="1"/>
+          </p:cNvSpPr>
           <p:nvPr>
-            <p:ph idx="1" type="body"/>
+            <p:ph type="body" idx="1"/>
           </p:nvPr>
         </p:nvSpPr>
         <p:spPr>
@@ -4640,11 +4792,11 @@
           </a:prstGeom>
         </p:spPr>
         <p:txBody>
-          <a:bodyPr anchorCtr="0" anchor="t" bIns="91425" lIns="91425" spcFirstLastPara="1" rIns="91425" wrap="square" tIns="91425">
+          <a:bodyPr spcFirstLastPara="1" wrap="square" lIns="91425" tIns="91425" rIns="91425" bIns="91425" anchor="t" anchorCtr="0">
             <a:normAutofit/>
           </a:bodyPr>
           <a:lstStyle>
-            <a:lvl1pPr indent="-304800" lvl="0" marL="457200">
+            <a:lvl1pPr marL="457200" lvl="0" indent="-304800">
               <a:spcBef>
                 <a:spcPts val="0"/>
               </a:spcBef>
@@ -4655,7 +4807,7 @@
               <a:buChar char="●"/>
               <a:defRPr sz="1200"/>
             </a:lvl1pPr>
-            <a:lvl2pPr indent="-304800" lvl="1" marL="914400">
+            <a:lvl2pPr marL="914400" lvl="1" indent="-304800">
               <a:spcBef>
                 <a:spcPts val="0"/>
               </a:spcBef>
@@ -4666,7 +4818,7 @@
               <a:buChar char="○"/>
               <a:defRPr sz="1200"/>
             </a:lvl2pPr>
-            <a:lvl3pPr indent="-304800" lvl="2" marL="1371600">
+            <a:lvl3pPr marL="1371600" lvl="2" indent="-304800">
               <a:spcBef>
                 <a:spcPts val="0"/>
               </a:spcBef>
@@ -4677,7 +4829,7 @@
               <a:buChar char="■"/>
               <a:defRPr sz="1200"/>
             </a:lvl3pPr>
-            <a:lvl4pPr indent="-304800" lvl="3" marL="1828800">
+            <a:lvl4pPr marL="1828800" lvl="3" indent="-304800">
               <a:spcBef>
                 <a:spcPts val="0"/>
               </a:spcBef>
@@ -4688,7 +4840,7 @@
               <a:buChar char="●"/>
               <a:defRPr sz="1200"/>
             </a:lvl4pPr>
-            <a:lvl5pPr indent="-304800" lvl="4" marL="2286000">
+            <a:lvl5pPr marL="2286000" lvl="4" indent="-304800">
               <a:spcBef>
                 <a:spcPts val="0"/>
               </a:spcBef>
@@ -4699,7 +4851,7 @@
               <a:buChar char="○"/>
               <a:defRPr sz="1200"/>
             </a:lvl5pPr>
-            <a:lvl6pPr indent="-304800" lvl="5" marL="2743200">
+            <a:lvl6pPr marL="2743200" lvl="5" indent="-304800">
               <a:spcBef>
                 <a:spcPts val="0"/>
               </a:spcBef>
@@ -4710,7 +4862,7 @@
               <a:buChar char="■"/>
               <a:defRPr sz="1200"/>
             </a:lvl6pPr>
-            <a:lvl7pPr indent="-304800" lvl="6" marL="3200400">
+            <a:lvl7pPr marL="3200400" lvl="6" indent="-304800">
               <a:spcBef>
                 <a:spcPts val="0"/>
               </a:spcBef>
@@ -4721,7 +4873,7 @@
               <a:buChar char="●"/>
               <a:defRPr sz="1200"/>
             </a:lvl7pPr>
-            <a:lvl8pPr indent="-304800" lvl="7" marL="3657600">
+            <a:lvl8pPr marL="3657600" lvl="7" indent="-304800">
               <a:spcBef>
                 <a:spcPts val="0"/>
               </a:spcBef>
@@ -4732,7 +4884,7 @@
               <a:buChar char="○"/>
               <a:defRPr sz="1200"/>
             </a:lvl8pPr>
-            <a:lvl9pPr indent="-304800" lvl="8" marL="4114800">
+            <a:lvl9pPr marL="4114800" lvl="8" indent="-304800">
               <a:spcBef>
                 <a:spcPts val="0"/>
               </a:spcBef>
@@ -4744,15 +4896,19 @@
               <a:defRPr sz="1200"/>
             </a:lvl9pPr>
           </a:lstStyle>
-          <a:p/>
+          <a:p>
+            <a:endParaRPr/>
+          </a:p>
         </p:txBody>
       </p:sp>
       <p:sp>
         <p:nvSpPr>
           <p:cNvPr id="36" name="Google Shape;36;p7"/>
-          <p:cNvSpPr txBox="1"/>
+          <p:cNvSpPr txBox="1">
+            <a:spLocks noGrp="1"/>
+          </p:cNvSpPr>
           <p:nvPr>
-            <p:ph idx="12" type="sldNum"/>
+            <p:ph type="sldNum" idx="12"/>
           </p:nvPr>
         </p:nvSpPr>
         <p:spPr>
@@ -4765,7 +4921,7 @@
           </a:prstGeom>
         </p:spPr>
         <p:txBody>
-          <a:bodyPr anchorCtr="0" anchor="ctr" bIns="91425" lIns="91425" spcFirstLastPara="1" rIns="91425" wrap="square" tIns="91425">
+          <a:bodyPr spcFirstLastPara="1" wrap="square" lIns="91425" tIns="91425" rIns="91425" bIns="91425" anchor="ctr" anchorCtr="0">
             <a:normAutofit/>
           </a:bodyPr>
           <a:lstStyle>
@@ -4807,7 +4963,7 @@
             </a:lvl9pPr>
           </a:lstStyle>
           <a:p>
-            <a:pPr indent="0" lvl="0" marL="0" rtl="0" algn="r">
+            <a:pPr marL="0" lvl="0" indent="0" algn="r" rtl="0">
               <a:spcBef>
                 <a:spcPts val="0"/>
               </a:spcBef>
@@ -4833,11 +4989,11 @@
 </file>
 
 <file path=ppt/slideLayouts/slideLayout7.xml><?xml version="1.0" encoding="utf-8"?>
-<p:sldLayout xmlns:a="http://schemas.openxmlformats.org/drawingml/2006/main" xmlns:r="http://schemas.openxmlformats.org/officeDocument/2006/relationships" xmlns:mc="http://schemas.openxmlformats.org/markup-compatibility/2006" xmlns:mv="urn:schemas-microsoft-com:mac:vml" xmlns:p="http://schemas.openxmlformats.org/presentationml/2006/main" xmlns:c="http://schemas.openxmlformats.org/drawingml/2006/chart" xmlns:dgm="http://schemas.openxmlformats.org/drawingml/2006/diagram" xmlns:o="urn:schemas-microsoft-com:office:office" xmlns:v="urn:schemas-microsoft-com:vml" xmlns:pvml="urn:schemas-microsoft-com:office:powerpoint" xmlns:com="http://schemas.openxmlformats.org/drawingml/2006/compatibility" xmlns:p14="http://schemas.microsoft.com/office/powerpoint/2010/main" xmlns:p15="http://schemas.microsoft.com/office/powerpoint/2012/main" xmlns:ahyp="http://schemas.microsoft.com/office/drawing/2018/hyperlinkcolor" matchingName="Main point">
+<p:sldLayout xmlns:a="http://schemas.openxmlformats.org/drawingml/2006/main" xmlns:r="http://schemas.openxmlformats.org/officeDocument/2006/relationships" xmlns:p="http://schemas.openxmlformats.org/presentationml/2006/main" matchingName="Main point">
   <p:cSld name="MAIN_POINT">
     <p:spTree>
       <p:nvGrpSpPr>
-        <p:cNvPr id="37" name="Shape 37"/>
+        <p:cNvPr id="1" name="Shape 37"/>
         <p:cNvGrpSpPr/>
         <p:nvPr/>
       </p:nvGrpSpPr>
@@ -4871,12 +5027,12 @@
           </a:ln>
         </p:spPr>
         <p:txBody>
-          <a:bodyPr anchorCtr="0" anchor="ctr" bIns="91425" lIns="91425" spcFirstLastPara="1" rIns="91425" wrap="square" tIns="91425">
+          <a:bodyPr spcFirstLastPara="1" wrap="square" lIns="91425" tIns="91425" rIns="91425" bIns="91425" anchor="ctr" anchorCtr="0">
             <a:noAutofit/>
           </a:bodyPr>
           <a:lstStyle/>
           <a:p>
-            <a:pPr indent="0" lvl="0" marL="0" rtl="0" algn="l">
+            <a:pPr marL="0" lvl="0" indent="0" algn="l" rtl="0">
               <a:spcBef>
                 <a:spcPts val="0"/>
               </a:spcBef>
@@ -4885,9 +5041,6 @@
               </a:spcAft>
               <a:buNone/>
             </a:pPr>
-            <a:r>
-              <a:t/>
-            </a:r>
             <a:endParaRPr/>
           </a:p>
         </p:txBody>
@@ -4895,7 +5048,9 @@
       <p:sp>
         <p:nvSpPr>
           <p:cNvPr id="39" name="Google Shape;39;p8"/>
-          <p:cNvSpPr txBox="1"/>
+          <p:cNvSpPr txBox="1">
+            <a:spLocks noGrp="1"/>
+          </p:cNvSpPr>
           <p:nvPr>
             <p:ph type="title"/>
           </p:nvPr>
@@ -4910,7 +5065,7 @@
           </a:prstGeom>
         </p:spPr>
         <p:txBody>
-          <a:bodyPr anchorCtr="0" anchor="ctr" bIns="91425" lIns="91425" spcFirstLastPara="1" rIns="91425" wrap="square" tIns="91425">
+          <a:bodyPr spcFirstLastPara="1" wrap="square" lIns="91425" tIns="91425" rIns="91425" bIns="91425" anchor="ctr" anchorCtr="0">
             <a:normAutofit/>
           </a:bodyPr>
           <a:lstStyle>
@@ -5014,15 +5169,19 @@
               <a:defRPr sz="4800"/>
             </a:lvl9pPr>
           </a:lstStyle>
-          <a:p/>
+          <a:p>
+            <a:endParaRPr/>
+          </a:p>
         </p:txBody>
       </p:sp>
       <p:sp>
         <p:nvSpPr>
           <p:cNvPr id="40" name="Google Shape;40;p8"/>
-          <p:cNvSpPr txBox="1"/>
+          <p:cNvSpPr txBox="1">
+            <a:spLocks noGrp="1"/>
+          </p:cNvSpPr>
           <p:nvPr>
-            <p:ph idx="12" type="sldNum"/>
+            <p:ph type="sldNum" idx="12"/>
           </p:nvPr>
         </p:nvSpPr>
         <p:spPr>
@@ -5035,7 +5194,7 @@
           </a:prstGeom>
         </p:spPr>
         <p:txBody>
-          <a:bodyPr anchorCtr="0" anchor="ctr" bIns="91425" lIns="91425" spcFirstLastPara="1" rIns="91425" wrap="square" tIns="91425">
+          <a:bodyPr spcFirstLastPara="1" wrap="square" lIns="91425" tIns="91425" rIns="91425" bIns="91425" anchor="ctr" anchorCtr="0">
             <a:normAutofit/>
           </a:bodyPr>
           <a:lstStyle>
@@ -5077,7 +5236,7 @@
             </a:lvl9pPr>
           </a:lstStyle>
           <a:p>
-            <a:pPr indent="0" lvl="0" marL="0" rtl="0" algn="r">
+            <a:pPr marL="0" lvl="0" indent="0" algn="r" rtl="0">
               <a:spcBef>
                 <a:spcPts val="0"/>
               </a:spcBef>
@@ -5103,11 +5262,11 @@
 </file>
 
 <file path=ppt/slideLayouts/slideLayout8.xml><?xml version="1.0" encoding="utf-8"?>
-<p:sldLayout xmlns:a="http://schemas.openxmlformats.org/drawingml/2006/main" xmlns:r="http://schemas.openxmlformats.org/officeDocument/2006/relationships" xmlns:mc="http://schemas.openxmlformats.org/markup-compatibility/2006" xmlns:mv="urn:schemas-microsoft-com:mac:vml" xmlns:p="http://schemas.openxmlformats.org/presentationml/2006/main" xmlns:c="http://schemas.openxmlformats.org/drawingml/2006/chart" xmlns:dgm="http://schemas.openxmlformats.org/drawingml/2006/diagram" xmlns:o="urn:schemas-microsoft-com:office:office" xmlns:v="urn:schemas-microsoft-com:vml" xmlns:pvml="urn:schemas-microsoft-com:office:powerpoint" xmlns:com="http://schemas.openxmlformats.org/drawingml/2006/compatibility" xmlns:p14="http://schemas.microsoft.com/office/powerpoint/2010/main" xmlns:p15="http://schemas.microsoft.com/office/powerpoint/2012/main" xmlns:ahyp="http://schemas.microsoft.com/office/drawing/2018/hyperlinkcolor" matchingName="Section title and description">
+<p:sldLayout xmlns:a="http://schemas.openxmlformats.org/drawingml/2006/main" xmlns:r="http://schemas.openxmlformats.org/officeDocument/2006/relationships" xmlns:p="http://schemas.openxmlformats.org/presentationml/2006/main" matchingName="Section title and description">
   <p:cSld name="SECTION_TITLE_AND_DESCRIPTION">
     <p:spTree>
       <p:nvGrpSpPr>
-        <p:cNvPr id="41" name="Shape 41"/>
+        <p:cNvPr id="1" name="Shape 41"/>
         <p:cNvGrpSpPr/>
         <p:nvPr/>
       </p:nvGrpSpPr>
@@ -5141,12 +5300,12 @@
           </a:ln>
         </p:spPr>
         <p:txBody>
-          <a:bodyPr anchorCtr="0" anchor="ctr" bIns="91425" lIns="91425" spcFirstLastPara="1" rIns="91425" wrap="square" tIns="91425">
+          <a:bodyPr spcFirstLastPara="1" wrap="square" lIns="91425" tIns="91425" rIns="91425" bIns="91425" anchor="ctr" anchorCtr="0">
             <a:noAutofit/>
           </a:bodyPr>
           <a:lstStyle/>
           <a:p>
-            <a:pPr indent="0" lvl="0" marL="0" rtl="0" algn="l">
+            <a:pPr marL="0" lvl="0" indent="0" algn="l" rtl="0">
               <a:spcBef>
                 <a:spcPts val="0"/>
               </a:spcBef>
@@ -5155,9 +5314,6 @@
               </a:spcAft>
               <a:buNone/>
             </a:pPr>
-            <a:r>
-              <a:t/>
-            </a:r>
             <a:endParaRPr/>
           </a:p>
         </p:txBody>
@@ -5177,21 +5333,23 @@
             <a:avLst/>
           </a:prstGeom>
           <a:noFill/>
-          <a:ln cap="flat" cmpd="sng" w="19050">
+          <a:ln w="19050" cap="flat" cmpd="sng">
             <a:solidFill>
               <a:schemeClr val="lt1"/>
             </a:solidFill>
             <a:prstDash val="solid"/>
             <a:round/>
-            <a:headEnd len="sm" w="sm" type="none"/>
-            <a:tailEnd len="sm" w="sm" type="none"/>
+            <a:headEnd type="none" w="sm" len="sm"/>
+            <a:tailEnd type="none" w="sm" len="sm"/>
           </a:ln>
         </p:spPr>
       </p:cxnSp>
       <p:sp>
         <p:nvSpPr>
           <p:cNvPr id="44" name="Google Shape;44;p9"/>
-          <p:cNvSpPr txBox="1"/>
+          <p:cNvSpPr txBox="1">
+            <a:spLocks noGrp="1"/>
+          </p:cNvSpPr>
           <p:nvPr>
             <p:ph type="title"/>
           </p:nvPr>
@@ -5206,7 +5364,7 @@
           </a:prstGeom>
         </p:spPr>
         <p:txBody>
-          <a:bodyPr anchorCtr="0" anchor="b" bIns="91425" lIns="91425" spcFirstLastPara="1" rIns="91425" wrap="square" tIns="91425">
+          <a:bodyPr spcFirstLastPara="1" wrap="square" lIns="91425" tIns="91425" rIns="91425" bIns="91425" anchor="b" anchorCtr="0">
             <a:normAutofit/>
           </a:bodyPr>
           <a:lstStyle>
@@ -5373,15 +5531,19 @@
               </a:defRPr>
             </a:lvl9pPr>
           </a:lstStyle>
-          <a:p/>
+          <a:p>
+            <a:endParaRPr/>
+          </a:p>
         </p:txBody>
       </p:sp>
       <p:sp>
         <p:nvSpPr>
           <p:cNvPr id="45" name="Google Shape;45;p9"/>
-          <p:cNvSpPr txBox="1"/>
+          <p:cNvSpPr txBox="1">
+            <a:spLocks noGrp="1"/>
+          </p:cNvSpPr>
           <p:nvPr>
-            <p:ph idx="1" type="subTitle"/>
+            <p:ph type="subTitle" idx="1"/>
           </p:nvPr>
         </p:nvSpPr>
         <p:spPr>
@@ -5394,7 +5556,7 @@
           </a:prstGeom>
         </p:spPr>
         <p:txBody>
-          <a:bodyPr anchorCtr="0" anchor="t" bIns="91425" lIns="91425" spcFirstLastPara="1" rIns="91425" wrap="square" tIns="91425">
+          <a:bodyPr spcFirstLastPara="1" wrap="square" lIns="91425" tIns="91425" rIns="91425" bIns="91425" anchor="t" anchorCtr="0">
             <a:normAutofit/>
           </a:bodyPr>
           <a:lstStyle>
@@ -5579,15 +5741,19 @@
               </a:defRPr>
             </a:lvl9pPr>
           </a:lstStyle>
-          <a:p/>
+          <a:p>
+            <a:endParaRPr/>
+          </a:p>
         </p:txBody>
       </p:sp>
       <p:sp>
         <p:nvSpPr>
           <p:cNvPr id="46" name="Google Shape;46;p9"/>
-          <p:cNvSpPr txBox="1"/>
+          <p:cNvSpPr txBox="1">
+            <a:spLocks noGrp="1"/>
+          </p:cNvSpPr>
           <p:nvPr>
-            <p:ph idx="2" type="body"/>
+            <p:ph type="body" idx="2"/>
           </p:nvPr>
         </p:nvSpPr>
         <p:spPr>
@@ -5600,11 +5766,11 @@
           </a:prstGeom>
         </p:spPr>
         <p:txBody>
-          <a:bodyPr anchorCtr="0" anchor="ctr" bIns="91425" lIns="91425" spcFirstLastPara="1" rIns="91425" wrap="square" tIns="91425">
+          <a:bodyPr spcFirstLastPara="1" wrap="square" lIns="91425" tIns="91425" rIns="91425" bIns="91425" anchor="ctr" anchorCtr="0">
             <a:normAutofit/>
           </a:bodyPr>
           <a:lstStyle>
-            <a:lvl1pPr indent="-342900" lvl="0" marL="457200">
+            <a:lvl1pPr marL="457200" lvl="0" indent="-342900">
               <a:spcBef>
                 <a:spcPts val="0"/>
               </a:spcBef>
@@ -5622,7 +5788,7 @@
                 </a:solidFill>
               </a:defRPr>
             </a:lvl1pPr>
-            <a:lvl2pPr indent="-317500" lvl="1" marL="914400">
+            <a:lvl2pPr marL="914400" lvl="1" indent="-317500">
               <a:spcBef>
                 <a:spcPts val="0"/>
               </a:spcBef>
@@ -5640,7 +5806,7 @@
                 </a:solidFill>
               </a:defRPr>
             </a:lvl2pPr>
-            <a:lvl3pPr indent="-317500" lvl="2" marL="1371600">
+            <a:lvl3pPr marL="1371600" lvl="2" indent="-317500">
               <a:spcBef>
                 <a:spcPts val="0"/>
               </a:spcBef>
@@ -5658,7 +5824,7 @@
                 </a:solidFill>
               </a:defRPr>
             </a:lvl3pPr>
-            <a:lvl4pPr indent="-317500" lvl="3" marL="1828800">
+            <a:lvl4pPr marL="1828800" lvl="3" indent="-317500">
               <a:spcBef>
                 <a:spcPts val="0"/>
               </a:spcBef>
@@ -5676,7 +5842,7 @@
                 </a:solidFill>
               </a:defRPr>
             </a:lvl4pPr>
-            <a:lvl5pPr indent="-317500" lvl="4" marL="2286000">
+            <a:lvl5pPr marL="2286000" lvl="4" indent="-317500">
               <a:spcBef>
                 <a:spcPts val="0"/>
               </a:spcBef>
@@ -5694,7 +5860,7 @@
                 </a:solidFill>
               </a:defRPr>
             </a:lvl5pPr>
-            <a:lvl6pPr indent="-317500" lvl="5" marL="2743200">
+            <a:lvl6pPr marL="2743200" lvl="5" indent="-317500">
               <a:spcBef>
                 <a:spcPts val="0"/>
               </a:spcBef>
@@ -5712,7 +5878,7 @@
                 </a:solidFill>
               </a:defRPr>
             </a:lvl6pPr>
-            <a:lvl7pPr indent="-317500" lvl="6" marL="3200400">
+            <a:lvl7pPr marL="3200400" lvl="6" indent="-317500">
               <a:spcBef>
                 <a:spcPts val="0"/>
               </a:spcBef>
@@ -5730,7 +5896,7 @@
                 </a:solidFill>
               </a:defRPr>
             </a:lvl7pPr>
-            <a:lvl8pPr indent="-317500" lvl="7" marL="3657600">
+            <a:lvl8pPr marL="3657600" lvl="7" indent="-317500">
               <a:spcBef>
                 <a:spcPts val="0"/>
               </a:spcBef>
@@ -5748,7 +5914,7 @@
                 </a:solidFill>
               </a:defRPr>
             </a:lvl8pPr>
-            <a:lvl9pPr indent="-317500" lvl="8" marL="4114800">
+            <a:lvl9pPr marL="4114800" lvl="8" indent="-317500">
               <a:spcBef>
                 <a:spcPts val="0"/>
               </a:spcBef>
@@ -5767,15 +5933,19 @@
               </a:defRPr>
             </a:lvl9pPr>
           </a:lstStyle>
-          <a:p/>
+          <a:p>
+            <a:endParaRPr/>
+          </a:p>
         </p:txBody>
       </p:sp>
       <p:sp>
         <p:nvSpPr>
           <p:cNvPr id="47" name="Google Shape;47;p9"/>
-          <p:cNvSpPr txBox="1"/>
+          <p:cNvSpPr txBox="1">
+            <a:spLocks noGrp="1"/>
+          </p:cNvSpPr>
           <p:nvPr>
-            <p:ph idx="12" type="sldNum"/>
+            <p:ph type="sldNum" idx="12"/>
           </p:nvPr>
         </p:nvSpPr>
         <p:spPr>
@@ -5788,7 +5958,7 @@
           </a:prstGeom>
         </p:spPr>
         <p:txBody>
-          <a:bodyPr anchorCtr="0" anchor="ctr" bIns="91425" lIns="91425" spcFirstLastPara="1" rIns="91425" wrap="square" tIns="91425">
+          <a:bodyPr spcFirstLastPara="1" wrap="square" lIns="91425" tIns="91425" rIns="91425" bIns="91425" anchor="ctr" anchorCtr="0">
             <a:normAutofit/>
           </a:bodyPr>
           <a:lstStyle>
@@ -5866,7 +6036,7 @@
             </a:lvl9pPr>
           </a:lstStyle>
           <a:p>
-            <a:pPr indent="0" lvl="0" marL="0" rtl="0" algn="r">
+            <a:pPr marL="0" lvl="0" indent="0" algn="r" rtl="0">
               <a:spcBef>
                 <a:spcPts val="0"/>
               </a:spcBef>
@@ -5892,11 +6062,11 @@
 </file>
 
 <file path=ppt/slideLayouts/slideLayout9.xml><?xml version="1.0" encoding="utf-8"?>
-<p:sldLayout xmlns:a="http://schemas.openxmlformats.org/drawingml/2006/main" xmlns:r="http://schemas.openxmlformats.org/officeDocument/2006/relationships" xmlns:mc="http://schemas.openxmlformats.org/markup-compatibility/2006" xmlns:mv="urn:schemas-microsoft-com:mac:vml" xmlns:p="http://schemas.openxmlformats.org/presentationml/2006/main" xmlns:c="http://schemas.openxmlformats.org/drawingml/2006/chart" xmlns:dgm="http://schemas.openxmlformats.org/drawingml/2006/diagram" xmlns:o="urn:schemas-microsoft-com:office:office" xmlns:v="urn:schemas-microsoft-com:vml" xmlns:pvml="urn:schemas-microsoft-com:office:powerpoint" xmlns:com="http://schemas.openxmlformats.org/drawingml/2006/compatibility" xmlns:p14="http://schemas.microsoft.com/office/powerpoint/2010/main" xmlns:p15="http://schemas.microsoft.com/office/powerpoint/2012/main" xmlns:ahyp="http://schemas.microsoft.com/office/drawing/2018/hyperlinkcolor" matchingName="Caption">
+<p:sldLayout xmlns:a="http://schemas.openxmlformats.org/drawingml/2006/main" xmlns:r="http://schemas.openxmlformats.org/officeDocument/2006/relationships" xmlns:p="http://schemas.openxmlformats.org/presentationml/2006/main" matchingName="Caption">
   <p:cSld name="CAPTION_ONLY">
     <p:spTree>
       <p:nvGrpSpPr>
-        <p:cNvPr id="48" name="Shape 48"/>
+        <p:cNvPr id="1" name="Shape 48"/>
         <p:cNvGrpSpPr/>
         <p:nvPr/>
       </p:nvGrpSpPr>
@@ -5911,9 +6081,11 @@
       <p:sp>
         <p:nvSpPr>
           <p:cNvPr id="49" name="Google Shape;49;p10"/>
-          <p:cNvSpPr txBox="1"/>
+          <p:cNvSpPr txBox="1">
+            <a:spLocks noGrp="1"/>
+          </p:cNvSpPr>
           <p:nvPr>
-            <p:ph idx="1" type="body"/>
+            <p:ph type="body" idx="1"/>
           </p:nvPr>
         </p:nvSpPr>
         <p:spPr>
@@ -5926,11 +6098,11 @@
           </a:prstGeom>
         </p:spPr>
         <p:txBody>
-          <a:bodyPr anchorCtr="0" anchor="ctr" bIns="91425" lIns="91425" spcFirstLastPara="1" rIns="91425" wrap="square" tIns="91425">
+          <a:bodyPr spcFirstLastPara="1" wrap="square" lIns="91425" tIns="91425" rIns="91425" bIns="91425" anchor="ctr" anchorCtr="0">
             <a:normAutofit/>
           </a:bodyPr>
           <a:lstStyle>
-            <a:lvl1pPr indent="-228600" lvl="0" marL="457200">
+            <a:lvl1pPr marL="457200" lvl="0" indent="-228600">
               <a:lnSpc>
                 <a:spcPct val="100000"/>
               </a:lnSpc>
@@ -5951,15 +6123,19 @@
               </a:defRPr>
             </a:lvl1pPr>
           </a:lstStyle>
-          <a:p/>
+          <a:p>
+            <a:endParaRPr/>
+          </a:p>
         </p:txBody>
       </p:sp>
       <p:sp>
         <p:nvSpPr>
           <p:cNvPr id="50" name="Google Shape;50;p10"/>
-          <p:cNvSpPr txBox="1"/>
+          <p:cNvSpPr txBox="1">
+            <a:spLocks noGrp="1"/>
+          </p:cNvSpPr>
           <p:nvPr>
-            <p:ph idx="12" type="sldNum"/>
+            <p:ph type="sldNum" idx="12"/>
           </p:nvPr>
         </p:nvSpPr>
         <p:spPr>
@@ -5972,7 +6148,7 @@
           </a:prstGeom>
         </p:spPr>
         <p:txBody>
-          <a:bodyPr anchorCtr="0" anchor="ctr" bIns="91425" lIns="91425" spcFirstLastPara="1" rIns="91425" wrap="square" tIns="91425">
+          <a:bodyPr spcFirstLastPara="1" wrap="square" lIns="91425" tIns="91425" rIns="91425" bIns="91425" anchor="ctr" anchorCtr="0">
             <a:normAutofit/>
           </a:bodyPr>
           <a:lstStyle>
@@ -6014,7 +6190,7 @@
             </a:lvl9pPr>
           </a:lstStyle>
           <a:p>
-            <a:pPr indent="0" lvl="0" marL="0" rtl="0" algn="r">
+            <a:pPr marL="0" lvl="0" indent="0" algn="r" rtl="0">
               <a:spcBef>
                 <a:spcPts val="0"/>
               </a:spcBef>
@@ -6040,18 +6216,19 @@
 </file>
 
 <file path=ppt/slideMasters/slideMaster1.xml><?xml version="1.0" encoding="utf-8"?>
-<p:sldMaster xmlns:a="http://schemas.openxmlformats.org/drawingml/2006/main" xmlns:r="http://schemas.openxmlformats.org/officeDocument/2006/relationships" xmlns:mc="http://schemas.openxmlformats.org/markup-compatibility/2006" xmlns:mv="urn:schemas-microsoft-com:mac:vml" xmlns:p="http://schemas.openxmlformats.org/presentationml/2006/main" xmlns:c="http://schemas.openxmlformats.org/drawingml/2006/chart" xmlns:dgm="http://schemas.openxmlformats.org/drawingml/2006/diagram" xmlns:o="urn:schemas-microsoft-com:office:office" xmlns:v="urn:schemas-microsoft-com:vml" xmlns:pvml="urn:schemas-microsoft-com:office:powerpoint" xmlns:com="http://schemas.openxmlformats.org/drawingml/2006/compatibility" xmlns:p14="http://schemas.microsoft.com/office/powerpoint/2010/main" xmlns:p15="http://schemas.microsoft.com/office/powerpoint/2012/main" xmlns:ahyp="http://schemas.microsoft.com/office/drawing/2018/hyperlinkcolor">
+<p:sldMaster xmlns:a="http://schemas.openxmlformats.org/drawingml/2006/main" xmlns:r="http://schemas.openxmlformats.org/officeDocument/2006/relationships" xmlns:p="http://schemas.openxmlformats.org/presentationml/2006/main">
   <p:cSld name="luxe">
     <p:bg>
       <p:bgPr>
         <a:solidFill>
           <a:schemeClr val="lt1"/>
         </a:solidFill>
+        <a:effectLst/>
       </p:bgPr>
     </p:bg>
     <p:spTree>
       <p:nvGrpSpPr>
-        <p:cNvPr id="5" name="Shape 5"/>
+        <p:cNvPr id="1" name="Shape 5"/>
         <p:cNvGrpSpPr/>
         <p:nvPr/>
       </p:nvGrpSpPr>
@@ -6066,7 +6243,9 @@
       <p:sp>
         <p:nvSpPr>
           <p:cNvPr id="6" name="Google Shape;6;p1"/>
-          <p:cNvSpPr txBox="1"/>
+          <p:cNvSpPr txBox="1">
+            <a:spLocks noGrp="1"/>
+          </p:cNvSpPr>
           <p:nvPr>
             <p:ph type="title"/>
           </p:nvPr>
@@ -6085,7 +6264,7 @@
           </a:ln>
         </p:spPr>
         <p:txBody>
-          <a:bodyPr anchorCtr="0" anchor="b" bIns="91425" lIns="91425" spcFirstLastPara="1" rIns="91425" wrap="square" tIns="91425">
+          <a:bodyPr spcFirstLastPara="1" wrap="square" lIns="91425" tIns="91425" rIns="91425" bIns="91425" anchor="b" anchorCtr="0">
             <a:normAutofit/>
           </a:bodyPr>
           <a:lstStyle>
@@ -6297,15 +6476,19 @@
               </a:defRPr>
             </a:lvl9pPr>
           </a:lstStyle>
-          <a:p/>
+          <a:p>
+            <a:endParaRPr/>
+          </a:p>
         </p:txBody>
       </p:sp>
       <p:sp>
         <p:nvSpPr>
           <p:cNvPr id="7" name="Google Shape;7;p1"/>
-          <p:cNvSpPr txBox="1"/>
+          <p:cNvSpPr txBox="1">
+            <a:spLocks noGrp="1"/>
+          </p:cNvSpPr>
           <p:nvPr>
-            <p:ph idx="1" type="body"/>
+            <p:ph type="body" idx="1"/>
           </p:nvPr>
         </p:nvSpPr>
         <p:spPr>
@@ -6322,11 +6505,11 @@
           </a:ln>
         </p:spPr>
         <p:txBody>
-          <a:bodyPr anchorCtr="0" anchor="t" bIns="91425" lIns="91425" spcFirstLastPara="1" rIns="91425" wrap="square" tIns="91425">
+          <a:bodyPr spcFirstLastPara="1" wrap="square" lIns="91425" tIns="91425" rIns="91425" bIns="91425" anchor="t" anchorCtr="0">
             <a:normAutofit/>
           </a:bodyPr>
           <a:lstStyle>
-            <a:lvl1pPr indent="-342900" lvl="0" marL="457200">
+            <a:lvl1pPr marL="457200" lvl="0" indent="-342900">
               <a:lnSpc>
                 <a:spcPct val="115000"/>
               </a:lnSpc>
@@ -6352,7 +6535,7 @@
                 <a:sym typeface="Open Sans"/>
               </a:defRPr>
             </a:lvl1pPr>
-            <a:lvl2pPr indent="-317500" lvl="1" marL="914400">
+            <a:lvl2pPr marL="914400" lvl="1" indent="-317500">
               <a:lnSpc>
                 <a:spcPct val="115000"/>
               </a:lnSpc>
@@ -6378,7 +6561,7 @@
                 <a:sym typeface="Open Sans"/>
               </a:defRPr>
             </a:lvl2pPr>
-            <a:lvl3pPr indent="-317500" lvl="2" marL="1371600">
+            <a:lvl3pPr marL="1371600" lvl="2" indent="-317500">
               <a:lnSpc>
                 <a:spcPct val="115000"/>
               </a:lnSpc>
@@ -6404,7 +6587,7 @@
                 <a:sym typeface="Open Sans"/>
               </a:defRPr>
             </a:lvl3pPr>
-            <a:lvl4pPr indent="-317500" lvl="3" marL="1828800">
+            <a:lvl4pPr marL="1828800" lvl="3" indent="-317500">
               <a:lnSpc>
                 <a:spcPct val="115000"/>
               </a:lnSpc>
@@ -6430,7 +6613,7 @@
                 <a:sym typeface="Open Sans"/>
               </a:defRPr>
             </a:lvl4pPr>
-            <a:lvl5pPr indent="-317500" lvl="4" marL="2286000">
+            <a:lvl5pPr marL="2286000" lvl="4" indent="-317500">
               <a:lnSpc>
                 <a:spcPct val="115000"/>
               </a:lnSpc>
@@ -6456,7 +6639,7 @@
                 <a:sym typeface="Open Sans"/>
               </a:defRPr>
             </a:lvl5pPr>
-            <a:lvl6pPr indent="-317500" lvl="5" marL="2743200">
+            <a:lvl6pPr marL="2743200" lvl="5" indent="-317500">
               <a:lnSpc>
                 <a:spcPct val="115000"/>
               </a:lnSpc>
@@ -6482,7 +6665,7 @@
                 <a:sym typeface="Open Sans"/>
               </a:defRPr>
             </a:lvl6pPr>
-            <a:lvl7pPr indent="-317500" lvl="6" marL="3200400">
+            <a:lvl7pPr marL="3200400" lvl="6" indent="-317500">
               <a:lnSpc>
                 <a:spcPct val="115000"/>
               </a:lnSpc>
@@ -6508,7 +6691,7 @@
                 <a:sym typeface="Open Sans"/>
               </a:defRPr>
             </a:lvl7pPr>
-            <a:lvl8pPr indent="-317500" lvl="7" marL="3657600">
+            <a:lvl8pPr marL="3657600" lvl="7" indent="-317500">
               <a:lnSpc>
                 <a:spcPct val="115000"/>
               </a:lnSpc>
@@ -6534,7 +6717,7 @@
                 <a:sym typeface="Open Sans"/>
               </a:defRPr>
             </a:lvl8pPr>
-            <a:lvl9pPr indent="-317500" lvl="8" marL="4114800">
+            <a:lvl9pPr marL="4114800" lvl="8" indent="-317500">
               <a:lnSpc>
                 <a:spcPct val="115000"/>
               </a:lnSpc>
@@ -6561,15 +6744,19 @@
               </a:defRPr>
             </a:lvl9pPr>
           </a:lstStyle>
-          <a:p/>
+          <a:p>
+            <a:endParaRPr/>
+          </a:p>
         </p:txBody>
       </p:sp>
       <p:sp>
         <p:nvSpPr>
           <p:cNvPr id="8" name="Google Shape;8;p1"/>
-          <p:cNvSpPr txBox="1"/>
+          <p:cNvSpPr txBox="1">
+            <a:spLocks noGrp="1"/>
+          </p:cNvSpPr>
           <p:nvPr>
-            <p:ph idx="12" type="sldNum"/>
+            <p:ph type="sldNum" idx="12"/>
           </p:nvPr>
         </p:nvSpPr>
         <p:spPr>
@@ -6586,7 +6773,7 @@
           </a:ln>
         </p:spPr>
         <p:txBody>
-          <a:bodyPr anchorCtr="0" anchor="ctr" bIns="91425" lIns="91425" spcFirstLastPara="1" rIns="91425" wrap="square" tIns="91425">
+          <a:bodyPr spcFirstLastPara="1" wrap="square" lIns="91425" tIns="91425" rIns="91425" bIns="91425" anchor="ctr" anchorCtr="0">
             <a:normAutofit/>
           </a:bodyPr>
           <a:lstStyle>
@@ -6700,7 +6887,7 @@
             </a:lvl9pPr>
           </a:lstStyle>
           <a:p>
-            <a:pPr indent="0" lvl="0" marL="0" rtl="0" algn="r">
+            <a:pPr marL="0" lvl="0" indent="0" algn="r" rtl="0">
               <a:spcBef>
                 <a:spcPts val="0"/>
               </a:spcBef>
@@ -6719,7 +6906,7 @@
       </p:sp>
     </p:spTree>
   </p:cSld>
-  <p:clrMap accent1="accent1" accent2="accent2" accent3="accent3" accent4="accent4" accent5="accent5" accent6="accent6" bg1="lt1" bg2="dk2" tx1="dk1" tx2="lt2" folHlink="folHlink" hlink="hlink"/>
+  <p:clrMap bg1="lt1" tx1="dk1" bg2="dk2" tx2="lt2" accent1="accent1" accent2="accent2" accent3="accent3" accent4="accent4" accent5="accent5" accent6="accent6" hlink="hlink" folHlink="folHlink"/>
   <p:sldLayoutIdLst>
     <p:sldLayoutId id="2147483648" r:id="rId1"/>
     <p:sldLayoutId id="2147483649" r:id="rId2"/>
@@ -6733,10 +6920,10 @@
     <p:sldLayoutId id="2147483657" r:id="rId10"/>
     <p:sldLayoutId id="2147483658" r:id="rId11"/>
   </p:sldLayoutIdLst>
-  <p:hf dt="0" ftr="0" hdr="0" sldNum="0"/>
+  <p:hf sldNum="0" hdr="0" ftr="0" dt="0"/>
   <p:txStyles>
     <p:titleStyle>
-      <a:defPPr lvl="0" marR="0" rtl="0" algn="l">
+      <a:defPPr marR="0" lvl="0" algn="l" rtl="0">
         <a:lnSpc>
           <a:spcPct val="100000"/>
         </a:lnSpc>
@@ -6747,7 +6934,7 @@
           <a:spcPts val="0"/>
         </a:spcAft>
       </a:defPPr>
-      <a:lvl1pPr lvl="0" marR="0" rtl="0" algn="l">
+      <a:lvl1pPr marR="0" lvl="0" algn="l" rtl="0">
         <a:lnSpc>
           <a:spcPct val="100000"/>
         </a:lnSpc>
@@ -6761,7 +6948,7 @@
           <a:srgbClr val="000000"/>
         </a:buClr>
         <a:buFont typeface="Arial"/>
-        <a:defRPr b="0" i="0" sz="1400" u="none" cap="none" strike="noStrike">
+        <a:defRPr sz="1400" b="0" i="0" u="none" strike="noStrike" cap="none">
           <a:solidFill>
             <a:srgbClr val="000000"/>
           </a:solidFill>
@@ -6771,7 +6958,7 @@
           <a:sym typeface="Arial"/>
         </a:defRPr>
       </a:lvl1pPr>
-      <a:lvl2pPr lvl="1" marR="0" rtl="0" algn="l">
+      <a:lvl2pPr marR="0" lvl="1" algn="l" rtl="0">
         <a:lnSpc>
           <a:spcPct val="100000"/>
         </a:lnSpc>
@@ -6785,7 +6972,7 @@
           <a:srgbClr val="000000"/>
         </a:buClr>
         <a:buFont typeface="Arial"/>
-        <a:defRPr b="0" i="0" sz="1400" u="none" cap="none" strike="noStrike">
+        <a:defRPr sz="1400" b="0" i="0" u="none" strike="noStrike" cap="none">
           <a:solidFill>
             <a:srgbClr val="000000"/>
           </a:solidFill>
@@ -6795,7 +6982,7 @@
           <a:sym typeface="Arial"/>
         </a:defRPr>
       </a:lvl2pPr>
-      <a:lvl3pPr lvl="2" marR="0" rtl="0" algn="l">
+      <a:lvl3pPr marR="0" lvl="2" algn="l" rtl="0">
         <a:lnSpc>
           <a:spcPct val="100000"/>
         </a:lnSpc>
@@ -6809,7 +6996,7 @@
           <a:srgbClr val="000000"/>
         </a:buClr>
         <a:buFont typeface="Arial"/>
-        <a:defRPr b="0" i="0" sz="1400" u="none" cap="none" strike="noStrike">
+        <a:defRPr sz="1400" b="0" i="0" u="none" strike="noStrike" cap="none">
           <a:solidFill>
             <a:srgbClr val="000000"/>
           </a:solidFill>
@@ -6819,7 +7006,7 @@
           <a:sym typeface="Arial"/>
         </a:defRPr>
       </a:lvl3pPr>
-      <a:lvl4pPr lvl="3" marR="0" rtl="0" algn="l">
+      <a:lvl4pPr marR="0" lvl="3" algn="l" rtl="0">
         <a:lnSpc>
           <a:spcPct val="100000"/>
         </a:lnSpc>
@@ -6833,7 +7020,7 @@
           <a:srgbClr val="000000"/>
         </a:buClr>
         <a:buFont typeface="Arial"/>
-        <a:defRPr b="0" i="0" sz="1400" u="none" cap="none" strike="noStrike">
+        <a:defRPr sz="1400" b="0" i="0" u="none" strike="noStrike" cap="none">
           <a:solidFill>
             <a:srgbClr val="000000"/>
           </a:solidFill>
@@ -6843,7 +7030,7 @@
           <a:sym typeface="Arial"/>
         </a:defRPr>
       </a:lvl4pPr>
-      <a:lvl5pPr lvl="4" marR="0" rtl="0" algn="l">
+      <a:lvl5pPr marR="0" lvl="4" algn="l" rtl="0">
         <a:lnSpc>
           <a:spcPct val="100000"/>
         </a:lnSpc>
@@ -6857,7 +7044,7 @@
           <a:srgbClr val="000000"/>
         </a:buClr>
         <a:buFont typeface="Arial"/>
-        <a:defRPr b="0" i="0" sz="1400" u="none" cap="none" strike="noStrike">
+        <a:defRPr sz="1400" b="0" i="0" u="none" strike="noStrike" cap="none">
           <a:solidFill>
             <a:srgbClr val="000000"/>
           </a:solidFill>
@@ -6867,7 +7054,7 @@
           <a:sym typeface="Arial"/>
         </a:defRPr>
       </a:lvl5pPr>
-      <a:lvl6pPr lvl="5" marR="0" rtl="0" algn="l">
+      <a:lvl6pPr marR="0" lvl="5" algn="l" rtl="0">
         <a:lnSpc>
           <a:spcPct val="100000"/>
         </a:lnSpc>
@@ -6881,7 +7068,7 @@
           <a:srgbClr val="000000"/>
         </a:buClr>
         <a:buFont typeface="Arial"/>
-        <a:defRPr b="0" i="0" sz="1400" u="none" cap="none" strike="noStrike">
+        <a:defRPr sz="1400" b="0" i="0" u="none" strike="noStrike" cap="none">
           <a:solidFill>
             <a:srgbClr val="000000"/>
           </a:solidFill>
@@ -6891,7 +7078,7 @@
           <a:sym typeface="Arial"/>
         </a:defRPr>
       </a:lvl6pPr>
-      <a:lvl7pPr lvl="6" marR="0" rtl="0" algn="l">
+      <a:lvl7pPr marR="0" lvl="6" algn="l" rtl="0">
         <a:lnSpc>
           <a:spcPct val="100000"/>
         </a:lnSpc>
@@ -6905,7 +7092,7 @@
           <a:srgbClr val="000000"/>
         </a:buClr>
         <a:buFont typeface="Arial"/>
-        <a:defRPr b="0" i="0" sz="1400" u="none" cap="none" strike="noStrike">
+        <a:defRPr sz="1400" b="0" i="0" u="none" strike="noStrike" cap="none">
           <a:solidFill>
             <a:srgbClr val="000000"/>
           </a:solidFill>
@@ -6915,7 +7102,7 @@
           <a:sym typeface="Arial"/>
         </a:defRPr>
       </a:lvl7pPr>
-      <a:lvl8pPr lvl="7" marR="0" rtl="0" algn="l">
+      <a:lvl8pPr marR="0" lvl="7" algn="l" rtl="0">
         <a:lnSpc>
           <a:spcPct val="100000"/>
         </a:lnSpc>
@@ -6929,7 +7116,7 @@
           <a:srgbClr val="000000"/>
         </a:buClr>
         <a:buFont typeface="Arial"/>
-        <a:defRPr b="0" i="0" sz="1400" u="none" cap="none" strike="noStrike">
+        <a:defRPr sz="1400" b="0" i="0" u="none" strike="noStrike" cap="none">
           <a:solidFill>
             <a:srgbClr val="000000"/>
           </a:solidFill>
@@ -6939,7 +7126,7 @@
           <a:sym typeface="Arial"/>
         </a:defRPr>
       </a:lvl8pPr>
-      <a:lvl9pPr lvl="8" marR="0" rtl="0" algn="l">
+      <a:lvl9pPr marR="0" lvl="8" algn="l" rtl="0">
         <a:lnSpc>
           <a:spcPct val="100000"/>
         </a:lnSpc>
@@ -6953,7 +7140,7 @@
           <a:srgbClr val="000000"/>
         </a:buClr>
         <a:buFont typeface="Arial"/>
-        <a:defRPr b="0" i="0" sz="1400" u="none" cap="none" strike="noStrike">
+        <a:defRPr sz="1400" b="0" i="0" u="none" strike="noStrike" cap="none">
           <a:solidFill>
             <a:srgbClr val="000000"/>
           </a:solidFill>
@@ -6965,7 +7152,7 @@
       </a:lvl9pPr>
     </p:titleStyle>
     <p:bodyStyle>
-      <a:defPPr lvl="0" marR="0" rtl="0" algn="l">
+      <a:defPPr marR="0" lvl="0" algn="l" rtl="0">
         <a:lnSpc>
           <a:spcPct val="100000"/>
         </a:lnSpc>
@@ -6976,7 +7163,7 @@
           <a:spcPts val="0"/>
         </a:spcAft>
       </a:defPPr>
-      <a:lvl1pPr lvl="0" marR="0" rtl="0" algn="l">
+      <a:lvl1pPr marR="0" lvl="0" algn="l" rtl="0">
         <a:lnSpc>
           <a:spcPct val="100000"/>
         </a:lnSpc>
@@ -6990,7 +7177,7 @@
           <a:srgbClr val="000000"/>
         </a:buClr>
         <a:buFont typeface="Arial"/>
-        <a:defRPr b="0" i="0" sz="1400" u="none" cap="none" strike="noStrike">
+        <a:defRPr sz="1400" b="0" i="0" u="none" strike="noStrike" cap="none">
           <a:solidFill>
             <a:srgbClr val="000000"/>
           </a:solidFill>
@@ -7000,7 +7187,7 @@
           <a:sym typeface="Arial"/>
         </a:defRPr>
       </a:lvl1pPr>
-      <a:lvl2pPr lvl="1" marR="0" rtl="0" algn="l">
+      <a:lvl2pPr marR="0" lvl="1" algn="l" rtl="0">
         <a:lnSpc>
           <a:spcPct val="100000"/>
         </a:lnSpc>
@@ -7014,7 +7201,7 @@
           <a:srgbClr val="000000"/>
         </a:buClr>
         <a:buFont typeface="Arial"/>
-        <a:defRPr b="0" i="0" sz="1400" u="none" cap="none" strike="noStrike">
+        <a:defRPr sz="1400" b="0" i="0" u="none" strike="noStrike" cap="none">
           <a:solidFill>
             <a:srgbClr val="000000"/>
           </a:solidFill>
@@ -7024,7 +7211,7 @@
           <a:sym typeface="Arial"/>
         </a:defRPr>
       </a:lvl2pPr>
-      <a:lvl3pPr lvl="2" marR="0" rtl="0" algn="l">
+      <a:lvl3pPr marR="0" lvl="2" algn="l" rtl="0">
         <a:lnSpc>
           <a:spcPct val="100000"/>
         </a:lnSpc>
@@ -7038,7 +7225,7 @@
           <a:srgbClr val="000000"/>
         </a:buClr>
         <a:buFont typeface="Arial"/>
-        <a:defRPr b="0" i="0" sz="1400" u="none" cap="none" strike="noStrike">
+        <a:defRPr sz="1400" b="0" i="0" u="none" strike="noStrike" cap="none">
           <a:solidFill>
             <a:srgbClr val="000000"/>
           </a:solidFill>
@@ -7048,7 +7235,7 @@
           <a:sym typeface="Arial"/>
         </a:defRPr>
       </a:lvl3pPr>
-      <a:lvl4pPr lvl="3" marR="0" rtl="0" algn="l">
+      <a:lvl4pPr marR="0" lvl="3" algn="l" rtl="0">
         <a:lnSpc>
           <a:spcPct val="100000"/>
         </a:lnSpc>
@@ -7062,7 +7249,7 @@
           <a:srgbClr val="000000"/>
         </a:buClr>
         <a:buFont typeface="Arial"/>
-        <a:defRPr b="0" i="0" sz="1400" u="none" cap="none" strike="noStrike">
+        <a:defRPr sz="1400" b="0" i="0" u="none" strike="noStrike" cap="none">
           <a:solidFill>
             <a:srgbClr val="000000"/>
           </a:solidFill>
@@ -7072,7 +7259,7 @@
           <a:sym typeface="Arial"/>
         </a:defRPr>
       </a:lvl4pPr>
-      <a:lvl5pPr lvl="4" marR="0" rtl="0" algn="l">
+      <a:lvl5pPr marR="0" lvl="4" algn="l" rtl="0">
         <a:lnSpc>
           <a:spcPct val="100000"/>
         </a:lnSpc>
@@ -7086,7 +7273,7 @@
           <a:srgbClr val="000000"/>
         </a:buClr>
         <a:buFont typeface="Arial"/>
-        <a:defRPr b="0" i="0" sz="1400" u="none" cap="none" strike="noStrike">
+        <a:defRPr sz="1400" b="0" i="0" u="none" strike="noStrike" cap="none">
           <a:solidFill>
             <a:srgbClr val="000000"/>
           </a:solidFill>
@@ -7096,7 +7283,7 @@
           <a:sym typeface="Arial"/>
         </a:defRPr>
       </a:lvl5pPr>
-      <a:lvl6pPr lvl="5" marR="0" rtl="0" algn="l">
+      <a:lvl6pPr marR="0" lvl="5" algn="l" rtl="0">
         <a:lnSpc>
           <a:spcPct val="100000"/>
         </a:lnSpc>
@@ -7110,7 +7297,7 @@
           <a:srgbClr val="000000"/>
         </a:buClr>
         <a:buFont typeface="Arial"/>
-        <a:defRPr b="0" i="0" sz="1400" u="none" cap="none" strike="noStrike">
+        <a:defRPr sz="1400" b="0" i="0" u="none" strike="noStrike" cap="none">
           <a:solidFill>
             <a:srgbClr val="000000"/>
           </a:solidFill>
@@ -7120,7 +7307,7 @@
           <a:sym typeface="Arial"/>
         </a:defRPr>
       </a:lvl6pPr>
-      <a:lvl7pPr lvl="6" marR="0" rtl="0" algn="l">
+      <a:lvl7pPr marR="0" lvl="6" algn="l" rtl="0">
         <a:lnSpc>
           <a:spcPct val="100000"/>
         </a:lnSpc>
@@ -7134,7 +7321,7 @@
           <a:srgbClr val="000000"/>
         </a:buClr>
         <a:buFont typeface="Arial"/>
-        <a:defRPr b="0" i="0" sz="1400" u="none" cap="none" strike="noStrike">
+        <a:defRPr sz="1400" b="0" i="0" u="none" strike="noStrike" cap="none">
           <a:solidFill>
             <a:srgbClr val="000000"/>
           </a:solidFill>
@@ -7144,7 +7331,7 @@
           <a:sym typeface="Arial"/>
         </a:defRPr>
       </a:lvl7pPr>
-      <a:lvl8pPr lvl="7" marR="0" rtl="0" algn="l">
+      <a:lvl8pPr marR="0" lvl="7" algn="l" rtl="0">
         <a:lnSpc>
           <a:spcPct val="100000"/>
         </a:lnSpc>
@@ -7158,7 +7345,7 @@
           <a:srgbClr val="000000"/>
         </a:buClr>
         <a:buFont typeface="Arial"/>
-        <a:defRPr b="0" i="0" sz="1400" u="none" cap="none" strike="noStrike">
+        <a:defRPr sz="1400" b="0" i="0" u="none" strike="noStrike" cap="none">
           <a:solidFill>
             <a:srgbClr val="000000"/>
           </a:solidFill>
@@ -7168,7 +7355,7 @@
           <a:sym typeface="Arial"/>
         </a:defRPr>
       </a:lvl8pPr>
-      <a:lvl9pPr lvl="8" marR="0" rtl="0" algn="l">
+      <a:lvl9pPr marR="0" lvl="8" algn="l" rtl="0">
         <a:lnSpc>
           <a:spcPct val="100000"/>
         </a:lnSpc>
@@ -7182,7 +7369,7 @@
           <a:srgbClr val="000000"/>
         </a:buClr>
         <a:buFont typeface="Arial"/>
-        <a:defRPr b="0" i="0" sz="1400" u="none" cap="none" strike="noStrike">
+        <a:defRPr sz="1400" b="0" i="0" u="none" strike="noStrike" cap="none">
           <a:solidFill>
             <a:srgbClr val="000000"/>
           </a:solidFill>
@@ -7194,7 +7381,7 @@
       </a:lvl9pPr>
     </p:bodyStyle>
     <p:otherStyle>
-      <a:defPPr lvl="0" marR="0" rtl="0" algn="l">
+      <a:defPPr marR="0" lvl="0" algn="l" rtl="0">
         <a:lnSpc>
           <a:spcPct val="100000"/>
         </a:lnSpc>
@@ -7205,7 +7392,7 @@
           <a:spcPts val="0"/>
         </a:spcAft>
       </a:defPPr>
-      <a:lvl1pPr lvl="0" marR="0" rtl="0" algn="l">
+      <a:lvl1pPr marR="0" lvl="0" algn="l" rtl="0">
         <a:lnSpc>
           <a:spcPct val="100000"/>
         </a:lnSpc>
@@ -7219,7 +7406,7 @@
           <a:srgbClr val="000000"/>
         </a:buClr>
         <a:buFont typeface="Arial"/>
-        <a:defRPr b="0" i="0" sz="1400" u="none" cap="none" strike="noStrike">
+        <a:defRPr sz="1400" b="0" i="0" u="none" strike="noStrike" cap="none">
           <a:solidFill>
             <a:srgbClr val="000000"/>
           </a:solidFill>
@@ -7229,7 +7416,7 @@
           <a:sym typeface="Arial"/>
         </a:defRPr>
       </a:lvl1pPr>
-      <a:lvl2pPr lvl="1" marR="0" rtl="0" algn="l">
+      <a:lvl2pPr marR="0" lvl="1" algn="l" rtl="0">
         <a:lnSpc>
           <a:spcPct val="100000"/>
         </a:lnSpc>
@@ -7243,7 +7430,7 @@
           <a:srgbClr val="000000"/>
         </a:buClr>
         <a:buFont typeface="Arial"/>
-        <a:defRPr b="0" i="0" sz="1400" u="none" cap="none" strike="noStrike">
+        <a:defRPr sz="1400" b="0" i="0" u="none" strike="noStrike" cap="none">
           <a:solidFill>
             <a:srgbClr val="000000"/>
           </a:solidFill>
@@ -7253,7 +7440,7 @@
           <a:sym typeface="Arial"/>
         </a:defRPr>
       </a:lvl2pPr>
-      <a:lvl3pPr lvl="2" marR="0" rtl="0" algn="l">
+      <a:lvl3pPr marR="0" lvl="2" algn="l" rtl="0">
         <a:lnSpc>
           <a:spcPct val="100000"/>
         </a:lnSpc>
@@ -7267,7 +7454,7 @@
           <a:srgbClr val="000000"/>
         </a:buClr>
         <a:buFont typeface="Arial"/>
-        <a:defRPr b="0" i="0" sz="1400" u="none" cap="none" strike="noStrike">
+        <a:defRPr sz="1400" b="0" i="0" u="none" strike="noStrike" cap="none">
           <a:solidFill>
             <a:srgbClr val="000000"/>
           </a:solidFill>
@@ -7277,7 +7464,7 @@
           <a:sym typeface="Arial"/>
         </a:defRPr>
       </a:lvl3pPr>
-      <a:lvl4pPr lvl="3" marR="0" rtl="0" algn="l">
+      <a:lvl4pPr marR="0" lvl="3" algn="l" rtl="0">
         <a:lnSpc>
           <a:spcPct val="100000"/>
         </a:lnSpc>
@@ -7291,7 +7478,7 @@
           <a:srgbClr val="000000"/>
         </a:buClr>
         <a:buFont typeface="Arial"/>
-        <a:defRPr b="0" i="0" sz="1400" u="none" cap="none" strike="noStrike">
+        <a:defRPr sz="1400" b="0" i="0" u="none" strike="noStrike" cap="none">
           <a:solidFill>
             <a:srgbClr val="000000"/>
           </a:solidFill>
@@ -7301,7 +7488,7 @@
           <a:sym typeface="Arial"/>
         </a:defRPr>
       </a:lvl4pPr>
-      <a:lvl5pPr lvl="4" marR="0" rtl="0" algn="l">
+      <a:lvl5pPr marR="0" lvl="4" algn="l" rtl="0">
         <a:lnSpc>
           <a:spcPct val="100000"/>
         </a:lnSpc>
@@ -7315,7 +7502,7 @@
           <a:srgbClr val="000000"/>
         </a:buClr>
         <a:buFont typeface="Arial"/>
-        <a:defRPr b="0" i="0" sz="1400" u="none" cap="none" strike="noStrike">
+        <a:defRPr sz="1400" b="0" i="0" u="none" strike="noStrike" cap="none">
           <a:solidFill>
             <a:srgbClr val="000000"/>
           </a:solidFill>
@@ -7325,7 +7512,7 @@
           <a:sym typeface="Arial"/>
         </a:defRPr>
       </a:lvl5pPr>
-      <a:lvl6pPr lvl="5" marR="0" rtl="0" algn="l">
+      <a:lvl6pPr marR="0" lvl="5" algn="l" rtl="0">
         <a:lnSpc>
           <a:spcPct val="100000"/>
         </a:lnSpc>
@@ -7339,7 +7526,7 @@
           <a:srgbClr val="000000"/>
         </a:buClr>
         <a:buFont typeface="Arial"/>
-        <a:defRPr b="0" i="0" sz="1400" u="none" cap="none" strike="noStrike">
+        <a:defRPr sz="1400" b="0" i="0" u="none" strike="noStrike" cap="none">
           <a:solidFill>
             <a:srgbClr val="000000"/>
           </a:solidFill>
@@ -7349,7 +7536,7 @@
           <a:sym typeface="Arial"/>
         </a:defRPr>
       </a:lvl6pPr>
-      <a:lvl7pPr lvl="6" marR="0" rtl="0" algn="l">
+      <a:lvl7pPr marR="0" lvl="6" algn="l" rtl="0">
         <a:lnSpc>
           <a:spcPct val="100000"/>
         </a:lnSpc>
@@ -7363,7 +7550,7 @@
           <a:srgbClr val="000000"/>
         </a:buClr>
         <a:buFont typeface="Arial"/>
-        <a:defRPr b="0" i="0" sz="1400" u="none" cap="none" strike="noStrike">
+        <a:defRPr sz="1400" b="0" i="0" u="none" strike="noStrike" cap="none">
           <a:solidFill>
             <a:srgbClr val="000000"/>
           </a:solidFill>
@@ -7373,7 +7560,7 @@
           <a:sym typeface="Arial"/>
         </a:defRPr>
       </a:lvl7pPr>
-      <a:lvl8pPr lvl="7" marR="0" rtl="0" algn="l">
+      <a:lvl8pPr marR="0" lvl="7" algn="l" rtl="0">
         <a:lnSpc>
           <a:spcPct val="100000"/>
         </a:lnSpc>
@@ -7387,7 +7574,7 @@
           <a:srgbClr val="000000"/>
         </a:buClr>
         <a:buFont typeface="Arial"/>
-        <a:defRPr b="0" i="0" sz="1400" u="none" cap="none" strike="noStrike">
+        <a:defRPr sz="1400" b="0" i="0" u="none" strike="noStrike" cap="none">
           <a:solidFill>
             <a:srgbClr val="000000"/>
           </a:solidFill>
@@ -7397,7 +7584,7 @@
           <a:sym typeface="Arial"/>
         </a:defRPr>
       </a:lvl8pPr>
-      <a:lvl9pPr lvl="8" marR="0" rtl="0" algn="l">
+      <a:lvl9pPr marR="0" lvl="8" algn="l" rtl="0">
         <a:lnSpc>
           <a:spcPct val="100000"/>
         </a:lnSpc>
@@ -7411,7 +7598,7 @@
           <a:srgbClr val="000000"/>
         </a:buClr>
         <a:buFont typeface="Arial"/>
-        <a:defRPr b="0" i="0" sz="1400" u="none" cap="none" strike="noStrike">
+        <a:defRPr sz="1400" b="0" i="0" u="none" strike="noStrike" cap="none">
           <a:solidFill>
             <a:srgbClr val="000000"/>
           </a:solidFill>
@@ -7427,11 +7614,11 @@
 </file>
 
 <file path=ppt/slides/slide1.xml><?xml version="1.0" encoding="utf-8"?>
-<p:sld xmlns:a="http://schemas.openxmlformats.org/drawingml/2006/main" xmlns:r="http://schemas.openxmlformats.org/officeDocument/2006/relationships" xmlns:mc="http://schemas.openxmlformats.org/markup-compatibility/2006" xmlns:mv="urn:schemas-microsoft-com:mac:vml" xmlns:p="http://schemas.openxmlformats.org/presentationml/2006/main" xmlns:c="http://schemas.openxmlformats.org/drawingml/2006/chart" xmlns:dgm="http://schemas.openxmlformats.org/drawingml/2006/diagram" xmlns:o="urn:schemas-microsoft-com:office:office" xmlns:v="urn:schemas-microsoft-com:vml" xmlns:pvml="urn:schemas-microsoft-com:office:powerpoint" xmlns:com="http://schemas.openxmlformats.org/drawingml/2006/compatibility" xmlns:p14="http://schemas.microsoft.com/office/powerpoint/2010/main" xmlns:p15="http://schemas.microsoft.com/office/powerpoint/2012/main" xmlns:ahyp="http://schemas.microsoft.com/office/drawing/2018/hyperlinkcolor">
+<p:sld xmlns:a="http://schemas.openxmlformats.org/drawingml/2006/main" xmlns:r="http://schemas.openxmlformats.org/officeDocument/2006/relationships" xmlns:p="http://schemas.openxmlformats.org/presentationml/2006/main">
   <p:cSld>
     <p:spTree>
       <p:nvGrpSpPr>
-        <p:cNvPr id="61" name="Shape 61"/>
+        <p:cNvPr id="1" name="Shape 61"/>
         <p:cNvGrpSpPr/>
         <p:nvPr/>
       </p:nvGrpSpPr>
@@ -7446,7 +7633,9 @@
       <p:sp>
         <p:nvSpPr>
           <p:cNvPr id="62" name="Google Shape;62;p13"/>
-          <p:cNvSpPr txBox="1"/>
+          <p:cNvSpPr txBox="1">
+            <a:spLocks noGrp="1"/>
+          </p:cNvSpPr>
           <p:nvPr>
             <p:ph type="ctrTitle"/>
           </p:nvPr>
@@ -7461,12 +7650,12 @@
           </a:prstGeom>
         </p:spPr>
         <p:txBody>
-          <a:bodyPr anchorCtr="0" anchor="b" bIns="91425" lIns="91425" spcFirstLastPara="1" rIns="91425" wrap="square" tIns="91425">
+          <a:bodyPr spcFirstLastPara="1" wrap="square" lIns="91425" tIns="91425" rIns="91425" bIns="91425" anchor="b" anchorCtr="0">
             <a:normAutofit/>
           </a:bodyPr>
           <a:lstStyle/>
           <a:p>
-            <a:pPr indent="0" lvl="0" marL="0" rtl="0" algn="ctr">
+            <a:pPr marL="0" lvl="0" indent="0" algn="ctr" rtl="0">
               <a:spcBef>
                 <a:spcPts val="0"/>
               </a:spcBef>
@@ -7494,7 +7683,7 @@
             <a:endParaRPr/>
           </a:p>
           <a:p>
-            <a:pPr indent="0" lvl="0" marL="0" rtl="0" algn="ctr">
+            <a:pPr marL="0" lvl="0" indent="0" algn="ctr" rtl="0">
               <a:spcBef>
                 <a:spcPts val="0"/>
               </a:spcBef>
@@ -7514,9 +7703,11 @@
       <p:sp>
         <p:nvSpPr>
           <p:cNvPr id="63" name="Google Shape;63;p13"/>
-          <p:cNvSpPr txBox="1"/>
+          <p:cNvSpPr txBox="1">
+            <a:spLocks noGrp="1"/>
+          </p:cNvSpPr>
           <p:nvPr>
-            <p:ph idx="1" type="subTitle"/>
+            <p:ph type="subTitle" idx="1"/>
           </p:nvPr>
         </p:nvSpPr>
         <p:spPr>
@@ -7529,12 +7720,12 @@
           </a:prstGeom>
         </p:spPr>
         <p:txBody>
-          <a:bodyPr anchorCtr="0" anchor="t" bIns="91425" lIns="91425" spcFirstLastPara="1" rIns="91425" wrap="square" tIns="91425">
+          <a:bodyPr spcFirstLastPara="1" wrap="square" lIns="91425" tIns="91425" rIns="91425" bIns="91425" anchor="t" anchorCtr="0">
             <a:normAutofit/>
           </a:bodyPr>
           <a:lstStyle/>
           <a:p>
-            <a:pPr indent="0" lvl="0" marL="0" rtl="0" algn="ctr">
+            <a:pPr marL="0" lvl="0" indent="0" algn="ctr" rtl="0">
               <a:spcBef>
                 <a:spcPts val="0"/>
               </a:spcBef>
@@ -7560,11 +7751,11 @@
 </file>
 
 <file path=ppt/slides/slide10.xml><?xml version="1.0" encoding="utf-8"?>
-<p:sld xmlns:a="http://schemas.openxmlformats.org/drawingml/2006/main" xmlns:r="http://schemas.openxmlformats.org/officeDocument/2006/relationships" xmlns:mc="http://schemas.openxmlformats.org/markup-compatibility/2006" xmlns:mv="urn:schemas-microsoft-com:mac:vml" xmlns:p="http://schemas.openxmlformats.org/presentationml/2006/main" xmlns:c="http://schemas.openxmlformats.org/drawingml/2006/chart" xmlns:dgm="http://schemas.openxmlformats.org/drawingml/2006/diagram" xmlns:o="urn:schemas-microsoft-com:office:office" xmlns:v="urn:schemas-microsoft-com:vml" xmlns:pvml="urn:schemas-microsoft-com:office:powerpoint" xmlns:com="http://schemas.openxmlformats.org/drawingml/2006/compatibility" xmlns:p14="http://schemas.microsoft.com/office/powerpoint/2010/main" xmlns:p15="http://schemas.microsoft.com/office/powerpoint/2012/main" xmlns:ahyp="http://schemas.microsoft.com/office/drawing/2018/hyperlinkcolor">
+<p:sld xmlns:a="http://schemas.openxmlformats.org/drawingml/2006/main" xmlns:r="http://schemas.openxmlformats.org/officeDocument/2006/relationships" xmlns:p="http://schemas.openxmlformats.org/presentationml/2006/main">
   <p:cSld>
     <p:spTree>
       <p:nvGrpSpPr>
-        <p:cNvPr id="124" name="Shape 124"/>
+        <p:cNvPr id="1" name="Shape 124"/>
         <p:cNvGrpSpPr/>
         <p:nvPr/>
       </p:nvGrpSpPr>
@@ -7579,7 +7770,9 @@
       <p:sp>
         <p:nvSpPr>
           <p:cNvPr id="125" name="Google Shape;125;p22"/>
-          <p:cNvSpPr txBox="1"/>
+          <p:cNvSpPr txBox="1">
+            <a:spLocks noGrp="1"/>
+          </p:cNvSpPr>
           <p:nvPr>
             <p:ph type="title"/>
           </p:nvPr>
@@ -7594,12 +7787,12 @@
           </a:prstGeom>
         </p:spPr>
         <p:txBody>
-          <a:bodyPr anchorCtr="0" anchor="b" bIns="91425" lIns="91425" spcFirstLastPara="1" rIns="91425" wrap="square" tIns="91425">
+          <a:bodyPr spcFirstLastPara="1" wrap="square" lIns="91425" tIns="91425" rIns="91425" bIns="91425" anchor="b" anchorCtr="0">
             <a:normAutofit/>
           </a:bodyPr>
           <a:lstStyle/>
           <a:p>
-            <a:pPr indent="0" lvl="0" marL="0" rtl="0" algn="l">
+            <a:pPr marL="0" lvl="0" indent="0" algn="l" rtl="0">
               <a:spcBef>
                 <a:spcPts val="0"/>
               </a:spcBef>
@@ -7653,11 +7846,11 @@
 </file>
 
 <file path=ppt/slides/slide11.xml><?xml version="1.0" encoding="utf-8"?>
-<p:sld xmlns:a="http://schemas.openxmlformats.org/drawingml/2006/main" xmlns:r="http://schemas.openxmlformats.org/officeDocument/2006/relationships" xmlns:mc="http://schemas.openxmlformats.org/markup-compatibility/2006" xmlns:mv="urn:schemas-microsoft-com:mac:vml" xmlns:p="http://schemas.openxmlformats.org/presentationml/2006/main" xmlns:c="http://schemas.openxmlformats.org/drawingml/2006/chart" xmlns:dgm="http://schemas.openxmlformats.org/drawingml/2006/diagram" xmlns:o="urn:schemas-microsoft-com:office:office" xmlns:v="urn:schemas-microsoft-com:vml" xmlns:pvml="urn:schemas-microsoft-com:office:powerpoint" xmlns:com="http://schemas.openxmlformats.org/drawingml/2006/compatibility" xmlns:p14="http://schemas.microsoft.com/office/powerpoint/2010/main" xmlns:p15="http://schemas.microsoft.com/office/powerpoint/2012/main" xmlns:ahyp="http://schemas.microsoft.com/office/drawing/2018/hyperlinkcolor">
+<p:sld xmlns:a="http://schemas.openxmlformats.org/drawingml/2006/main" xmlns:r="http://schemas.openxmlformats.org/officeDocument/2006/relationships" xmlns:p="http://schemas.openxmlformats.org/presentationml/2006/main">
   <p:cSld>
     <p:spTree>
       <p:nvGrpSpPr>
-        <p:cNvPr id="130" name="Shape 130"/>
+        <p:cNvPr id="1" name="Shape 130"/>
         <p:cNvGrpSpPr/>
         <p:nvPr/>
       </p:nvGrpSpPr>
@@ -7672,7 +7865,9 @@
       <p:sp>
         <p:nvSpPr>
           <p:cNvPr id="131" name="Google Shape;131;p23"/>
-          <p:cNvSpPr txBox="1"/>
+          <p:cNvSpPr txBox="1">
+            <a:spLocks noGrp="1"/>
+          </p:cNvSpPr>
           <p:nvPr>
             <p:ph type="title"/>
           </p:nvPr>
@@ -7687,12 +7882,12 @@
           </a:prstGeom>
         </p:spPr>
         <p:txBody>
-          <a:bodyPr anchorCtr="0" anchor="b" bIns="91425" lIns="91425" spcFirstLastPara="1" rIns="91425" wrap="square" tIns="91425">
+          <a:bodyPr spcFirstLastPara="1" wrap="square" lIns="91425" tIns="91425" rIns="91425" bIns="91425" anchor="b" anchorCtr="0">
             <a:normAutofit/>
           </a:bodyPr>
           <a:lstStyle/>
           <a:p>
-            <a:pPr indent="0" lvl="0" marL="0" rtl="0" algn="l">
+            <a:pPr marL="0" lvl="0" indent="0" algn="l" rtl="0">
               <a:spcBef>
                 <a:spcPts val="0"/>
               </a:spcBef>
@@ -7746,11 +7941,11 @@
 </file>
 
 <file path=ppt/slides/slide12.xml><?xml version="1.0" encoding="utf-8"?>
-<p:sld xmlns:a="http://schemas.openxmlformats.org/drawingml/2006/main" xmlns:r="http://schemas.openxmlformats.org/officeDocument/2006/relationships" xmlns:mc="http://schemas.openxmlformats.org/markup-compatibility/2006" xmlns:mv="urn:schemas-microsoft-com:mac:vml" xmlns:p="http://schemas.openxmlformats.org/presentationml/2006/main" xmlns:c="http://schemas.openxmlformats.org/drawingml/2006/chart" xmlns:dgm="http://schemas.openxmlformats.org/drawingml/2006/diagram" xmlns:o="urn:schemas-microsoft-com:office:office" xmlns:v="urn:schemas-microsoft-com:vml" xmlns:pvml="urn:schemas-microsoft-com:office:powerpoint" xmlns:com="http://schemas.openxmlformats.org/drawingml/2006/compatibility" xmlns:p14="http://schemas.microsoft.com/office/powerpoint/2010/main" xmlns:p15="http://schemas.microsoft.com/office/powerpoint/2012/main" xmlns:ahyp="http://schemas.microsoft.com/office/drawing/2018/hyperlinkcolor">
+<p:sld xmlns:a="http://schemas.openxmlformats.org/drawingml/2006/main" xmlns:r="http://schemas.openxmlformats.org/officeDocument/2006/relationships" xmlns:p="http://schemas.openxmlformats.org/presentationml/2006/main">
   <p:cSld>
     <p:spTree>
       <p:nvGrpSpPr>
-        <p:cNvPr id="136" name="Shape 136"/>
+        <p:cNvPr id="1" name="Shape 136"/>
         <p:cNvGrpSpPr/>
         <p:nvPr/>
       </p:nvGrpSpPr>
@@ -7765,7 +7960,9 @@
       <p:sp>
         <p:nvSpPr>
           <p:cNvPr id="137" name="Google Shape;137;p24"/>
-          <p:cNvSpPr txBox="1"/>
+          <p:cNvSpPr txBox="1">
+            <a:spLocks noGrp="1"/>
+          </p:cNvSpPr>
           <p:nvPr>
             <p:ph type="title"/>
           </p:nvPr>
@@ -7780,12 +7977,12 @@
           </a:prstGeom>
         </p:spPr>
         <p:txBody>
-          <a:bodyPr anchorCtr="0" anchor="b" bIns="91425" lIns="91425" spcFirstLastPara="1" rIns="91425" wrap="square" tIns="91425">
+          <a:bodyPr spcFirstLastPara="1" wrap="square" lIns="91425" tIns="91425" rIns="91425" bIns="91425" anchor="b" anchorCtr="0">
             <a:normAutofit/>
           </a:bodyPr>
           <a:lstStyle/>
           <a:p>
-            <a:pPr indent="0" lvl="0" marL="0" rtl="0" algn="l">
+            <a:pPr marL="0" lvl="0" indent="0" algn="l" rtl="0">
               <a:spcBef>
                 <a:spcPts val="0"/>
               </a:spcBef>
@@ -7839,11 +8036,11 @@
 </file>
 
 <file path=ppt/slides/slide13.xml><?xml version="1.0" encoding="utf-8"?>
-<p:sld xmlns:a="http://schemas.openxmlformats.org/drawingml/2006/main" xmlns:r="http://schemas.openxmlformats.org/officeDocument/2006/relationships" xmlns:mc="http://schemas.openxmlformats.org/markup-compatibility/2006" xmlns:mv="urn:schemas-microsoft-com:mac:vml" xmlns:p="http://schemas.openxmlformats.org/presentationml/2006/main" xmlns:c="http://schemas.openxmlformats.org/drawingml/2006/chart" xmlns:dgm="http://schemas.openxmlformats.org/drawingml/2006/diagram" xmlns:o="urn:schemas-microsoft-com:office:office" xmlns:v="urn:schemas-microsoft-com:vml" xmlns:pvml="urn:schemas-microsoft-com:office:powerpoint" xmlns:com="http://schemas.openxmlformats.org/drawingml/2006/compatibility" xmlns:p14="http://schemas.microsoft.com/office/powerpoint/2010/main" xmlns:p15="http://schemas.microsoft.com/office/powerpoint/2012/main" xmlns:ahyp="http://schemas.microsoft.com/office/drawing/2018/hyperlinkcolor">
+<p:sld xmlns:a="http://schemas.openxmlformats.org/drawingml/2006/main" xmlns:r="http://schemas.openxmlformats.org/officeDocument/2006/relationships" xmlns:p="http://schemas.openxmlformats.org/presentationml/2006/main">
   <p:cSld>
     <p:spTree>
       <p:nvGrpSpPr>
-        <p:cNvPr id="142" name="Shape 142"/>
+        <p:cNvPr id="1" name="Shape 142"/>
         <p:cNvGrpSpPr/>
         <p:nvPr/>
       </p:nvGrpSpPr>
@@ -7858,7 +8055,9 @@
       <p:sp>
         <p:nvSpPr>
           <p:cNvPr id="143" name="Google Shape;143;p25"/>
-          <p:cNvSpPr txBox="1"/>
+          <p:cNvSpPr txBox="1">
+            <a:spLocks noGrp="1"/>
+          </p:cNvSpPr>
           <p:nvPr>
             <p:ph type="title"/>
           </p:nvPr>
@@ -7873,12 +8072,12 @@
           </a:prstGeom>
         </p:spPr>
         <p:txBody>
-          <a:bodyPr anchorCtr="0" anchor="b" bIns="91425" lIns="91425" spcFirstLastPara="1" rIns="91425" wrap="square" tIns="91425">
+          <a:bodyPr spcFirstLastPara="1" wrap="square" lIns="91425" tIns="91425" rIns="91425" bIns="91425" anchor="b" anchorCtr="0">
             <a:normAutofit/>
           </a:bodyPr>
           <a:lstStyle/>
           <a:p>
-            <a:pPr indent="0" lvl="0" marL="0" rtl="0" algn="l">
+            <a:pPr marL="0" lvl="0" indent="0" algn="l" rtl="0">
               <a:spcBef>
                 <a:spcPts val="0"/>
               </a:spcBef>
@@ -7973,12 +8172,12 @@
           </a:ln>
         </p:spPr>
         <p:txBody>
-          <a:bodyPr anchorCtr="0" anchor="t" bIns="91425" lIns="91425" spcFirstLastPara="1" rIns="91425" wrap="square" tIns="91425">
+          <a:bodyPr spcFirstLastPara="1" wrap="square" lIns="91425" tIns="91425" rIns="91425" bIns="91425" anchor="t" anchorCtr="0">
             <a:spAutoFit/>
           </a:bodyPr>
           <a:lstStyle/>
           <a:p>
-            <a:pPr indent="0" lvl="0" marL="0" rtl="0" algn="just">
+            <a:pPr marL="0" lvl="0" indent="0" algn="just" rtl="0">
               <a:lnSpc>
                 <a:spcPct val="135714"/>
               </a:lnSpc>
@@ -8029,11 +8228,11 @@
 </file>
 
 <file path=ppt/slides/slide2.xml><?xml version="1.0" encoding="utf-8"?>
-<p:sld xmlns:a="http://schemas.openxmlformats.org/drawingml/2006/main" xmlns:r="http://schemas.openxmlformats.org/officeDocument/2006/relationships" xmlns:mc="http://schemas.openxmlformats.org/markup-compatibility/2006" xmlns:mv="urn:schemas-microsoft-com:mac:vml" xmlns:p="http://schemas.openxmlformats.org/presentationml/2006/main" xmlns:c="http://schemas.openxmlformats.org/drawingml/2006/chart" xmlns:dgm="http://schemas.openxmlformats.org/drawingml/2006/diagram" xmlns:o="urn:schemas-microsoft-com:office:office" xmlns:v="urn:schemas-microsoft-com:vml" xmlns:pvml="urn:schemas-microsoft-com:office:powerpoint" xmlns:com="http://schemas.openxmlformats.org/drawingml/2006/compatibility" xmlns:p14="http://schemas.microsoft.com/office/powerpoint/2010/main" xmlns:p15="http://schemas.microsoft.com/office/powerpoint/2012/main" xmlns:ahyp="http://schemas.microsoft.com/office/drawing/2018/hyperlinkcolor">
+<p:sld xmlns:a="http://schemas.openxmlformats.org/drawingml/2006/main" xmlns:r="http://schemas.openxmlformats.org/officeDocument/2006/relationships" xmlns:p="http://schemas.openxmlformats.org/presentationml/2006/main">
   <p:cSld>
     <p:spTree>
       <p:nvGrpSpPr>
-        <p:cNvPr id="67" name="Shape 67"/>
+        <p:cNvPr id="1" name="Shape 67"/>
         <p:cNvGrpSpPr/>
         <p:nvPr/>
       </p:nvGrpSpPr>
@@ -8048,7 +8247,9 @@
       <p:sp>
         <p:nvSpPr>
           <p:cNvPr id="68" name="Google Shape;68;p14"/>
-          <p:cNvSpPr txBox="1"/>
+          <p:cNvSpPr txBox="1">
+            <a:spLocks noGrp="1"/>
+          </p:cNvSpPr>
           <p:nvPr>
             <p:ph type="title"/>
           </p:nvPr>
@@ -8063,12 +8264,12 @@
           </a:prstGeom>
         </p:spPr>
         <p:txBody>
-          <a:bodyPr anchorCtr="0" anchor="b" bIns="91425" lIns="91425" spcFirstLastPara="1" rIns="91425" wrap="square" tIns="91425">
+          <a:bodyPr spcFirstLastPara="1" wrap="square" lIns="91425" tIns="91425" rIns="91425" bIns="91425" anchor="b" anchorCtr="0">
             <a:normAutofit/>
           </a:bodyPr>
           <a:lstStyle/>
           <a:p>
-            <a:pPr indent="0" lvl="0" marL="0" rtl="0" algn="l">
+            <a:pPr marL="0" lvl="0" indent="0" algn="l" rtl="0">
               <a:spcBef>
                 <a:spcPts val="0"/>
               </a:spcBef>
@@ -8150,11 +8351,11 @@
 </file>
 
 <file path=ppt/slides/slide3.xml><?xml version="1.0" encoding="utf-8"?>
-<p:sld xmlns:a="http://schemas.openxmlformats.org/drawingml/2006/main" xmlns:r="http://schemas.openxmlformats.org/officeDocument/2006/relationships" xmlns:mc="http://schemas.openxmlformats.org/markup-compatibility/2006" xmlns:mv="urn:schemas-microsoft-com:mac:vml" xmlns:p="http://schemas.openxmlformats.org/presentationml/2006/main" xmlns:c="http://schemas.openxmlformats.org/drawingml/2006/chart" xmlns:dgm="http://schemas.openxmlformats.org/drawingml/2006/diagram" xmlns:o="urn:schemas-microsoft-com:office:office" xmlns:v="urn:schemas-microsoft-com:vml" xmlns:pvml="urn:schemas-microsoft-com:office:powerpoint" xmlns:com="http://schemas.openxmlformats.org/drawingml/2006/compatibility" xmlns:p14="http://schemas.microsoft.com/office/powerpoint/2010/main" xmlns:p15="http://schemas.microsoft.com/office/powerpoint/2012/main" xmlns:ahyp="http://schemas.microsoft.com/office/drawing/2018/hyperlinkcolor">
+<p:sld xmlns:a="http://schemas.openxmlformats.org/drawingml/2006/main" xmlns:r="http://schemas.openxmlformats.org/officeDocument/2006/relationships" xmlns:p="http://schemas.openxmlformats.org/presentationml/2006/main">
   <p:cSld>
     <p:spTree>
       <p:nvGrpSpPr>
-        <p:cNvPr id="74" name="Shape 74"/>
+        <p:cNvPr id="1" name="Shape 74"/>
         <p:cNvGrpSpPr/>
         <p:nvPr/>
       </p:nvGrpSpPr>
@@ -8169,7 +8370,9 @@
       <p:sp>
         <p:nvSpPr>
           <p:cNvPr id="75" name="Google Shape;75;p15"/>
-          <p:cNvSpPr txBox="1"/>
+          <p:cNvSpPr txBox="1">
+            <a:spLocks noGrp="1"/>
+          </p:cNvSpPr>
           <p:nvPr>
             <p:ph type="title"/>
           </p:nvPr>
@@ -8184,12 +8387,12 @@
           </a:prstGeom>
         </p:spPr>
         <p:txBody>
-          <a:bodyPr anchorCtr="0" anchor="b" bIns="91425" lIns="91425" spcFirstLastPara="1" rIns="91425" wrap="square" tIns="91425">
+          <a:bodyPr spcFirstLastPara="1" wrap="square" lIns="91425" tIns="91425" rIns="91425" bIns="91425" anchor="b" anchorCtr="0">
             <a:normAutofit/>
           </a:bodyPr>
           <a:lstStyle/>
           <a:p>
-            <a:pPr indent="0" lvl="0" marL="0" rtl="0" algn="l">
+            <a:pPr marL="0" lvl="0" indent="0" algn="l" rtl="0">
               <a:spcBef>
                 <a:spcPts val="0"/>
               </a:spcBef>
@@ -8209,9 +8412,11 @@
       <p:sp>
         <p:nvSpPr>
           <p:cNvPr id="76" name="Google Shape;76;p15"/>
-          <p:cNvSpPr txBox="1"/>
+          <p:cNvSpPr txBox="1">
+            <a:spLocks noGrp="1"/>
+          </p:cNvSpPr>
           <p:nvPr>
-            <p:ph idx="1" type="body"/>
+            <p:ph type="body" idx="1"/>
           </p:nvPr>
         </p:nvSpPr>
         <p:spPr>
@@ -8224,12 +8429,12 @@
           </a:prstGeom>
         </p:spPr>
         <p:txBody>
-          <a:bodyPr anchorCtr="0" anchor="ctr" bIns="91425" lIns="91425" spcFirstLastPara="1" rIns="91425" wrap="square" tIns="91425">
+          <a:bodyPr spcFirstLastPara="1" wrap="square" lIns="91425" tIns="91425" rIns="91425" bIns="91425" anchor="ctr" anchorCtr="0">
             <a:normAutofit fontScale="70000"/>
           </a:bodyPr>
           <a:lstStyle/>
           <a:p>
-            <a:pPr indent="0" lvl="0" marL="0" rtl="0" algn="just">
+            <a:pPr marL="0" lvl="0" indent="0" algn="just" rtl="0">
               <a:spcBef>
                 <a:spcPts val="0"/>
               </a:spcBef>
@@ -8239,13 +8444,13 @@
               <a:buNone/>
             </a:pPr>
             <a:r>
-              <a:rPr b="1" lang="es"/>
+              <a:rPr lang="es" b="1"/>
               <a:t>Challenges of the task</a:t>
             </a:r>
             <a:endParaRPr b="1"/>
           </a:p>
           <a:p>
-            <a:pPr indent="0" lvl="0" marL="0" rtl="0" algn="just">
+            <a:pPr marL="0" lvl="0" indent="0" algn="just" rtl="0">
               <a:spcBef>
                 <a:spcPts val="1200"/>
               </a:spcBef>
@@ -8256,16 +8461,12 @@
             </a:pPr>
             <a:r>
               <a:rPr lang="es"/>
-              <a:t>“</a:t>
-            </a:r>
-            <a:r>
-              <a:rPr lang="es"/>
-              <a:t>This task poses two main challenges”</a:t>
+              <a:t>“This task poses two main challenges”</a:t>
             </a:r>
             <a:endParaRPr/>
           </a:p>
           <a:p>
-            <a:pPr indent="-308610" lvl="0" marL="457200" rtl="0" algn="just">
+            <a:pPr marL="457200" lvl="0" indent="-308610" algn="just" rtl="0">
               <a:spcBef>
                 <a:spcPts val="1200"/>
               </a:spcBef>
@@ -8282,7 +8483,7 @@
             <a:endParaRPr/>
           </a:p>
           <a:p>
-            <a:pPr indent="-308610" lvl="0" marL="457200" rtl="0" algn="just">
+            <a:pPr marL="457200" lvl="0" indent="-308610" algn="just" rtl="0">
               <a:spcBef>
                 <a:spcPts val="0"/>
               </a:spcBef>
@@ -8320,12 +8521,12 @@
           </a:ln>
         </p:spPr>
         <p:txBody>
-          <a:bodyPr anchorCtr="0" anchor="ctr" bIns="91425" lIns="91425" spcFirstLastPara="1" rIns="91425" wrap="square" tIns="91425">
+          <a:bodyPr spcFirstLastPara="1" wrap="square" lIns="91425" tIns="91425" rIns="91425" bIns="91425" anchor="ctr" anchorCtr="0">
             <a:noAutofit/>
           </a:bodyPr>
           <a:lstStyle/>
           <a:p>
-            <a:pPr indent="0" lvl="0" marL="0" rtl="0" algn="just">
+            <a:pPr marL="0" lvl="0" indent="0" algn="just" rtl="0">
               <a:spcBef>
                 <a:spcPts val="0"/>
               </a:spcBef>
@@ -8335,7 +8536,7 @@
               <a:buNone/>
             </a:pPr>
             <a:r>
-              <a:rPr b="1" lang="es" sz="1250">
+              <a:rPr lang="es" sz="1250" b="1">
                 <a:solidFill>
                   <a:schemeClr val="dk1"/>
                 </a:solidFill>
@@ -8354,7 +8555,7 @@
             </a:endParaRPr>
           </a:p>
           <a:p>
-            <a:pPr indent="0" lvl="0" marL="0" rtl="0" algn="just">
+            <a:pPr marL="0" lvl="0" indent="0" algn="just" rtl="0">
               <a:spcBef>
                 <a:spcPts val="0"/>
               </a:spcBef>
@@ -8386,7 +8587,7 @@
             </a:endParaRPr>
           </a:p>
           <a:p>
-            <a:pPr indent="-307975" lvl="0" marL="457200" rtl="0" algn="just">
+            <a:pPr marL="457200" lvl="0" indent="-307975" algn="just" rtl="0">
               <a:spcBef>
                 <a:spcPts val="0"/>
               </a:spcBef>
@@ -8420,7 +8621,7 @@
             </a:endParaRPr>
           </a:p>
           <a:p>
-            <a:pPr indent="-307975" lvl="0" marL="457200" rtl="0" algn="just">
+            <a:pPr marL="457200" lvl="0" indent="-307975" algn="just" rtl="0">
               <a:spcBef>
                 <a:spcPts val="0"/>
               </a:spcBef>
@@ -8441,19 +8642,7 @@
                 <a:cs typeface="Open Sans"/>
                 <a:sym typeface="Open Sans"/>
               </a:rPr>
-              <a:t>A </a:t>
-            </a:r>
-            <a:r>
-              <a:rPr lang="es" sz="1250">
-                <a:solidFill>
-                  <a:schemeClr val="dk1"/>
-                </a:solidFill>
-                <a:latin typeface="Open Sans"/>
-                <a:ea typeface="Open Sans"/>
-                <a:cs typeface="Open Sans"/>
-                <a:sym typeface="Open Sans"/>
-              </a:rPr>
-              <a:t>lightweight model is preferable to update the model routinely with the new data.</a:t>
+              <a:t>A lightweight model is preferable to update the model routinely with the new data.</a:t>
             </a:r>
             <a:endParaRPr sz="1250">
               <a:latin typeface="Open Sans"/>
@@ -8484,12 +8673,12 @@
           </a:ln>
         </p:spPr>
         <p:txBody>
-          <a:bodyPr anchorCtr="0" anchor="ctr" bIns="91425" lIns="91425" spcFirstLastPara="1" rIns="91425" wrap="square" tIns="91425">
+          <a:bodyPr spcFirstLastPara="1" wrap="square" lIns="91425" tIns="91425" rIns="91425" bIns="91425" anchor="ctr" anchorCtr="0">
             <a:noAutofit/>
           </a:bodyPr>
           <a:lstStyle/>
           <a:p>
-            <a:pPr indent="0" lvl="0" marL="0" rtl="0" algn="l">
+            <a:pPr marL="0" lvl="0" indent="0" algn="l" rtl="0">
               <a:spcBef>
                 <a:spcPts val="0"/>
               </a:spcBef>
@@ -8499,7 +8688,7 @@
               <a:buNone/>
             </a:pPr>
             <a:r>
-              <a:rPr b="1" lang="es" sz="1800">
+              <a:rPr lang="es" sz="1800" b="1">
                 <a:solidFill>
                   <a:schemeClr val="dk1"/>
                 </a:solidFill>
@@ -8518,7 +8707,7 @@
             </a:endParaRPr>
           </a:p>
           <a:p>
-            <a:pPr indent="0" lvl="0" marL="0" rtl="0" algn="just">
+            <a:pPr marL="0" lvl="0" indent="0" algn="just" rtl="0">
               <a:spcBef>
                 <a:spcPts val="0"/>
               </a:spcBef>
@@ -8550,7 +8739,7 @@
             </a:endParaRPr>
           </a:p>
           <a:p>
-            <a:pPr indent="-342900" lvl="0" marL="457200" rtl="0" algn="just">
+            <a:pPr marL="457200" lvl="0" indent="-342900" algn="just" rtl="0">
               <a:spcBef>
                 <a:spcPts val="0"/>
               </a:spcBef>
@@ -8565,7 +8754,7 @@
               <a:buChar char="●"/>
             </a:pPr>
             <a:r>
-              <a:rPr i="1" lang="es" sz="1800">
+              <a:rPr lang="es" sz="1800" i="1">
                 <a:solidFill>
                   <a:schemeClr val="dk1"/>
                 </a:solidFill>
@@ -8576,7 +8765,7 @@
               </a:rPr>
               <a:t>CLIP</a:t>
             </a:r>
-            <a:endParaRPr i="1" sz="1800">
+            <a:endParaRPr sz="1800" i="1">
               <a:solidFill>
                 <a:schemeClr val="dk1"/>
               </a:solidFill>
@@ -8587,7 +8776,7 @@
             </a:endParaRPr>
           </a:p>
           <a:p>
-            <a:pPr indent="-342900" lvl="0" marL="457200" rtl="0" algn="just">
+            <a:pPr marL="457200" lvl="0" indent="-342900" algn="just" rtl="0">
               <a:spcBef>
                 <a:spcPts val="0"/>
               </a:spcBef>
@@ -8602,7 +8791,7 @@
               <a:buChar char="●"/>
             </a:pPr>
             <a:r>
-              <a:rPr i="1" lang="es" sz="1800">
+              <a:rPr lang="es" sz="1800" i="1">
                 <a:solidFill>
                   <a:schemeClr val="dk1"/>
                 </a:solidFill>
@@ -8613,7 +8802,7 @@
               </a:rPr>
               <a:t>GPT-2</a:t>
             </a:r>
-            <a:endParaRPr i="1" sz="1800">
+            <a:endParaRPr sz="1800" i="1">
               <a:solidFill>
                 <a:schemeClr val="dk1"/>
               </a:solidFill>
@@ -8634,11 +8823,11 @@
 </file>
 
 <file path=ppt/slides/slide4.xml><?xml version="1.0" encoding="utf-8"?>
-<p:sld xmlns:a="http://schemas.openxmlformats.org/drawingml/2006/main" xmlns:r="http://schemas.openxmlformats.org/officeDocument/2006/relationships" xmlns:mc="http://schemas.openxmlformats.org/markup-compatibility/2006" xmlns:mv="urn:schemas-microsoft-com:mac:vml" xmlns:p="http://schemas.openxmlformats.org/presentationml/2006/main" xmlns:c="http://schemas.openxmlformats.org/drawingml/2006/chart" xmlns:dgm="http://schemas.openxmlformats.org/drawingml/2006/diagram" xmlns:o="urn:schemas-microsoft-com:office:office" xmlns:v="urn:schemas-microsoft-com:vml" xmlns:pvml="urn:schemas-microsoft-com:office:powerpoint" xmlns:com="http://schemas.openxmlformats.org/drawingml/2006/compatibility" xmlns:p14="http://schemas.microsoft.com/office/powerpoint/2010/main" xmlns:p15="http://schemas.microsoft.com/office/powerpoint/2012/main" xmlns:ahyp="http://schemas.microsoft.com/office/drawing/2018/hyperlinkcolor">
+<p:sld xmlns:a="http://schemas.openxmlformats.org/drawingml/2006/main" xmlns:r="http://schemas.openxmlformats.org/officeDocument/2006/relationships" xmlns:p="http://schemas.openxmlformats.org/presentationml/2006/main">
   <p:cSld>
     <p:spTree>
       <p:nvGrpSpPr>
-        <p:cNvPr id="82" name="Shape 82"/>
+        <p:cNvPr id="1" name="Shape 82"/>
         <p:cNvGrpSpPr/>
         <p:nvPr/>
       </p:nvGrpSpPr>
@@ -8681,7 +8870,9 @@
       <p:sp>
         <p:nvSpPr>
           <p:cNvPr id="84" name="Google Shape;84;p16"/>
-          <p:cNvSpPr txBox="1"/>
+          <p:cNvSpPr txBox="1">
+            <a:spLocks noGrp="1"/>
+          </p:cNvSpPr>
           <p:nvPr>
             <p:ph type="title"/>
           </p:nvPr>
@@ -8696,12 +8887,12 @@
           </a:prstGeom>
         </p:spPr>
         <p:txBody>
-          <a:bodyPr anchorCtr="0" anchor="b" bIns="91425" lIns="91425" spcFirstLastPara="1" rIns="91425" wrap="square" tIns="91425">
+          <a:bodyPr spcFirstLastPara="1" wrap="square" lIns="91425" tIns="91425" rIns="91425" bIns="91425" anchor="b" anchorCtr="0">
             <a:normAutofit/>
           </a:bodyPr>
           <a:lstStyle/>
           <a:p>
-            <a:pPr indent="0" lvl="0" marL="0" rtl="0" algn="l">
+            <a:pPr marL="0" lvl="0" indent="0" algn="l" rtl="0">
               <a:spcBef>
                 <a:spcPts val="0"/>
               </a:spcBef>
@@ -8721,9 +8912,11 @@
       <p:sp>
         <p:nvSpPr>
           <p:cNvPr id="85" name="Google Shape;85;p16"/>
-          <p:cNvSpPr txBox="1"/>
+          <p:cNvSpPr txBox="1">
+            <a:spLocks noGrp="1"/>
+          </p:cNvSpPr>
           <p:nvPr>
-            <p:ph idx="1" type="body"/>
+            <p:ph type="body" idx="1"/>
           </p:nvPr>
         </p:nvSpPr>
         <p:spPr>
@@ -8736,12 +8929,12 @@
           </a:prstGeom>
         </p:spPr>
         <p:txBody>
-          <a:bodyPr anchorCtr="0" anchor="t" bIns="91425" lIns="91425" spcFirstLastPara="1" rIns="91425" wrap="square" tIns="91425">
+          <a:bodyPr spcFirstLastPara="1" wrap="square" lIns="91425" tIns="91425" rIns="91425" bIns="91425" anchor="t" anchorCtr="0">
             <a:normAutofit lnSpcReduction="20000"/>
           </a:bodyPr>
           <a:lstStyle/>
           <a:p>
-            <a:pPr indent="0" lvl="0" marL="0" rtl="0" algn="l">
+            <a:pPr marL="0" lvl="0" indent="0" algn="l" rtl="0">
               <a:spcBef>
                 <a:spcPts val="0"/>
               </a:spcBef>
@@ -8751,13 +8944,13 @@
               <a:buNone/>
             </a:pPr>
             <a:r>
-              <a:rPr b="1" lang="es"/>
+              <a:rPr lang="es" b="1"/>
               <a:t>Contributions</a:t>
             </a:r>
             <a:endParaRPr b="1"/>
           </a:p>
           <a:p>
-            <a:pPr indent="0" lvl="0" marL="0" rtl="0" algn="l">
+            <a:pPr marL="0" lvl="0" indent="0" algn="l" rtl="0">
               <a:spcBef>
                 <a:spcPts val="1200"/>
               </a:spcBef>
@@ -8766,9 +8959,6 @@
               </a:spcAft>
               <a:buNone/>
             </a:pPr>
-            <a:r>
-              <a:t/>
-            </a:r>
             <a:endParaRPr/>
           </a:p>
         </p:txBody>
@@ -8783,7 +8973,7 @@
           <a:blip r:embed="rId4">
             <a:alphaModFix/>
           </a:blip>
-          <a:srcRect b="0" l="0" r="0" t="2780"/>
+          <a:srcRect t="2780"/>
           <a:stretch/>
         </p:blipFill>
         <p:spPr>
@@ -8809,11 +8999,11 @@
 </file>
 
 <file path=ppt/slides/slide5.xml><?xml version="1.0" encoding="utf-8"?>
-<p:sld xmlns:a="http://schemas.openxmlformats.org/drawingml/2006/main" xmlns:r="http://schemas.openxmlformats.org/officeDocument/2006/relationships" xmlns:mc="http://schemas.openxmlformats.org/markup-compatibility/2006" xmlns:mv="urn:schemas-microsoft-com:mac:vml" xmlns:p="http://schemas.openxmlformats.org/presentationml/2006/main" xmlns:c="http://schemas.openxmlformats.org/drawingml/2006/chart" xmlns:dgm="http://schemas.openxmlformats.org/drawingml/2006/diagram" xmlns:o="urn:schemas-microsoft-com:office:office" xmlns:v="urn:schemas-microsoft-com:vml" xmlns:pvml="urn:schemas-microsoft-com:office:powerpoint" xmlns:com="http://schemas.openxmlformats.org/drawingml/2006/compatibility" xmlns:p14="http://schemas.microsoft.com/office/powerpoint/2010/main" xmlns:p15="http://schemas.microsoft.com/office/powerpoint/2012/main" xmlns:ahyp="http://schemas.microsoft.com/office/drawing/2018/hyperlinkcolor">
+<p:sld xmlns:a="http://schemas.openxmlformats.org/drawingml/2006/main" xmlns:r="http://schemas.openxmlformats.org/officeDocument/2006/relationships" xmlns:p="http://schemas.openxmlformats.org/presentationml/2006/main">
   <p:cSld>
     <p:spTree>
       <p:nvGrpSpPr>
-        <p:cNvPr id="90" name="Shape 90"/>
+        <p:cNvPr id="1" name="Shape 90"/>
         <p:cNvGrpSpPr/>
         <p:nvPr/>
       </p:nvGrpSpPr>
@@ -8828,7 +9018,9 @@
       <p:sp>
         <p:nvSpPr>
           <p:cNvPr id="91" name="Google Shape;91;p17"/>
-          <p:cNvSpPr txBox="1"/>
+          <p:cNvSpPr txBox="1">
+            <a:spLocks noGrp="1"/>
+          </p:cNvSpPr>
           <p:nvPr>
             <p:ph type="title"/>
           </p:nvPr>
@@ -8843,12 +9035,12 @@
           </a:prstGeom>
         </p:spPr>
         <p:txBody>
-          <a:bodyPr anchorCtr="0" anchor="b" bIns="91425" lIns="91425" spcFirstLastPara="1" rIns="91425" wrap="square" tIns="91425">
+          <a:bodyPr spcFirstLastPara="1" wrap="square" lIns="91425" tIns="91425" rIns="91425" bIns="91425" anchor="b" anchorCtr="0">
             <a:normAutofit/>
           </a:bodyPr>
           <a:lstStyle/>
           <a:p>
-            <a:pPr indent="0" lvl="0" marL="0" rtl="0" algn="l">
+            <a:pPr marL="0" lvl="0" indent="0" algn="l" rtl="0">
               <a:spcBef>
                 <a:spcPts val="0"/>
               </a:spcBef>
@@ -8930,11 +9122,11 @@
 </file>
 
 <file path=ppt/slides/slide6.xml><?xml version="1.0" encoding="utf-8"?>
-<p:sld xmlns:a="http://schemas.openxmlformats.org/drawingml/2006/main" xmlns:r="http://schemas.openxmlformats.org/officeDocument/2006/relationships" xmlns:mc="http://schemas.openxmlformats.org/markup-compatibility/2006" xmlns:mv="urn:schemas-microsoft-com:mac:vml" xmlns:p="http://schemas.openxmlformats.org/presentationml/2006/main" xmlns:c="http://schemas.openxmlformats.org/drawingml/2006/chart" xmlns:dgm="http://schemas.openxmlformats.org/drawingml/2006/diagram" xmlns:o="urn:schemas-microsoft-com:office:office" xmlns:v="urn:schemas-microsoft-com:vml" xmlns:pvml="urn:schemas-microsoft-com:office:powerpoint" xmlns:com="http://schemas.openxmlformats.org/drawingml/2006/compatibility" xmlns:p14="http://schemas.microsoft.com/office/powerpoint/2010/main" xmlns:p15="http://schemas.microsoft.com/office/powerpoint/2012/main" xmlns:ahyp="http://schemas.microsoft.com/office/drawing/2018/hyperlinkcolor">
+<p:sld xmlns:a="http://schemas.openxmlformats.org/drawingml/2006/main" xmlns:r="http://schemas.openxmlformats.org/officeDocument/2006/relationships" xmlns:p="http://schemas.openxmlformats.org/presentationml/2006/main">
   <p:cSld>
     <p:spTree>
       <p:nvGrpSpPr>
-        <p:cNvPr id="97" name="Shape 97"/>
+        <p:cNvPr id="1" name="Shape 97"/>
         <p:cNvGrpSpPr/>
         <p:nvPr/>
       </p:nvGrpSpPr>
@@ -8949,7 +9141,9 @@
       <p:sp>
         <p:nvSpPr>
           <p:cNvPr id="98" name="Google Shape;98;p18"/>
-          <p:cNvSpPr txBox="1"/>
+          <p:cNvSpPr txBox="1">
+            <a:spLocks noGrp="1"/>
+          </p:cNvSpPr>
           <p:nvPr>
             <p:ph type="title"/>
           </p:nvPr>
@@ -8964,12 +9158,12 @@
           </a:prstGeom>
         </p:spPr>
         <p:txBody>
-          <a:bodyPr anchorCtr="0" anchor="b" bIns="91425" lIns="91425" spcFirstLastPara="1" rIns="91425" wrap="square" tIns="91425">
+          <a:bodyPr spcFirstLastPara="1" wrap="square" lIns="91425" tIns="91425" rIns="91425" bIns="91425" anchor="b" anchorCtr="0">
             <a:normAutofit/>
           </a:bodyPr>
           <a:lstStyle/>
           <a:p>
-            <a:pPr indent="0" lvl="0" marL="0" rtl="0" algn="l">
+            <a:pPr marL="0" lvl="0" indent="0" algn="l" rtl="0">
               <a:spcBef>
                 <a:spcPts val="0"/>
               </a:spcBef>
@@ -9024,7 +9218,7 @@
           <a:blip r:embed="rId4">
             <a:alphaModFix/>
           </a:blip>
-          <a:srcRect b="59385" l="0" r="0" t="0"/>
+          <a:srcRect b="59385"/>
           <a:stretch/>
         </p:blipFill>
         <p:spPr>
@@ -9050,11 +9244,11 @@
 </file>
 
 <file path=ppt/slides/slide7.xml><?xml version="1.0" encoding="utf-8"?>
-<p:sld xmlns:a="http://schemas.openxmlformats.org/drawingml/2006/main" xmlns:r="http://schemas.openxmlformats.org/officeDocument/2006/relationships" xmlns:mc="http://schemas.openxmlformats.org/markup-compatibility/2006" xmlns:mv="urn:schemas-microsoft-com:mac:vml" xmlns:p="http://schemas.openxmlformats.org/presentationml/2006/main" xmlns:c="http://schemas.openxmlformats.org/drawingml/2006/chart" xmlns:dgm="http://schemas.openxmlformats.org/drawingml/2006/diagram" xmlns:o="urn:schemas-microsoft-com:office:office" xmlns:v="urn:schemas-microsoft-com:vml" xmlns:pvml="urn:schemas-microsoft-com:office:powerpoint" xmlns:com="http://schemas.openxmlformats.org/drawingml/2006/compatibility" xmlns:p14="http://schemas.microsoft.com/office/powerpoint/2010/main" xmlns:p15="http://schemas.microsoft.com/office/powerpoint/2012/main" xmlns:ahyp="http://schemas.microsoft.com/office/drawing/2018/hyperlinkcolor">
+<p:sld xmlns:a="http://schemas.openxmlformats.org/drawingml/2006/main" xmlns:r="http://schemas.openxmlformats.org/officeDocument/2006/relationships" xmlns:p="http://schemas.openxmlformats.org/presentationml/2006/main">
   <p:cSld>
     <p:spTree>
       <p:nvGrpSpPr>
-        <p:cNvPr id="104" name="Shape 104"/>
+        <p:cNvPr id="1" name="Shape 104"/>
         <p:cNvGrpSpPr/>
         <p:nvPr/>
       </p:nvGrpSpPr>
@@ -9069,7 +9263,9 @@
       <p:sp>
         <p:nvSpPr>
           <p:cNvPr id="105" name="Google Shape;105;p19"/>
-          <p:cNvSpPr txBox="1"/>
+          <p:cNvSpPr txBox="1">
+            <a:spLocks noGrp="1"/>
+          </p:cNvSpPr>
           <p:nvPr>
             <p:ph type="title"/>
           </p:nvPr>
@@ -9084,12 +9280,12 @@
           </a:prstGeom>
         </p:spPr>
         <p:txBody>
-          <a:bodyPr anchorCtr="0" anchor="b" bIns="91425" lIns="91425" spcFirstLastPara="1" rIns="91425" wrap="square" tIns="91425">
+          <a:bodyPr spcFirstLastPara="1" wrap="square" lIns="91425" tIns="91425" rIns="91425" bIns="91425" anchor="b" anchorCtr="0">
             <a:normAutofit/>
           </a:bodyPr>
           <a:lstStyle/>
           <a:p>
-            <a:pPr indent="0" lvl="0" marL="0" rtl="0" algn="l">
+            <a:pPr marL="0" lvl="0" indent="0" algn="l" rtl="0">
               <a:spcBef>
                 <a:spcPts val="0"/>
               </a:spcBef>
@@ -9114,8 +9310,8 @@
         </p:nvSpPr>
         <p:spPr>
           <a:xfrm>
-            <a:off x="566700" y="1390075"/>
-            <a:ext cx="5913600" cy="2124000"/>
+            <a:off x="3090722" y="1341026"/>
+            <a:ext cx="4936830" cy="2339072"/>
           </a:xfrm>
           <a:prstGeom prst="rect">
             <a:avLst/>
@@ -9126,12 +9322,12 @@
           </a:ln>
         </p:spPr>
         <p:txBody>
-          <a:bodyPr anchorCtr="0" anchor="t" bIns="91425" lIns="91425" spcFirstLastPara="1" rIns="91425" wrap="square" tIns="91425">
+          <a:bodyPr spcFirstLastPara="1" wrap="square" lIns="91425" tIns="91425" rIns="91425" bIns="91425" anchor="t" anchorCtr="0">
             <a:spAutoFit/>
           </a:bodyPr>
           <a:lstStyle/>
           <a:p>
-            <a:pPr indent="0" lvl="0" marL="0" rtl="0" algn="l">
+            <a:pPr marL="0" lvl="0" indent="0" algn="just" rtl="0">
               <a:spcBef>
                 <a:spcPts val="0"/>
               </a:spcBef>
@@ -9141,15 +9337,60 @@
               <a:buNone/>
             </a:pPr>
             <a:r>
-              <a:rPr lang="es">
+              <a:rPr lang="es-MX" b="1" dirty="0">
                 <a:latin typeface="Open Sans"/>
                 <a:ea typeface="Open Sans"/>
                 <a:cs typeface="Open Sans"/>
                 <a:sym typeface="Open Sans"/>
               </a:rPr>
-              <a:t>3.2 Language Model Fine-Tuning</a:t>
+              <a:t>3.2 </a:t>
             </a:r>
-            <a:endParaRPr>
+            <a:r>
+              <a:rPr lang="es-MX" b="1" dirty="0" err="1">
+                <a:latin typeface="Open Sans"/>
+                <a:ea typeface="Open Sans"/>
+                <a:cs typeface="Open Sans"/>
+                <a:sym typeface="Open Sans"/>
+              </a:rPr>
+              <a:t>Language</a:t>
+            </a:r>
+            <a:r>
+              <a:rPr lang="es-MX" b="1" dirty="0">
+                <a:latin typeface="Open Sans"/>
+                <a:ea typeface="Open Sans"/>
+                <a:cs typeface="Open Sans"/>
+                <a:sym typeface="Open Sans"/>
+              </a:rPr>
+              <a:t> </a:t>
+            </a:r>
+            <a:r>
+              <a:rPr lang="es-MX" b="1" dirty="0" err="1">
+                <a:latin typeface="Open Sans"/>
+                <a:ea typeface="Open Sans"/>
+                <a:cs typeface="Open Sans"/>
+                <a:sym typeface="Open Sans"/>
+              </a:rPr>
+              <a:t>Model</a:t>
+            </a:r>
+            <a:r>
+              <a:rPr lang="es-MX" b="1" dirty="0">
+                <a:latin typeface="Open Sans"/>
+                <a:ea typeface="Open Sans"/>
+                <a:cs typeface="Open Sans"/>
+                <a:sym typeface="Open Sans"/>
+              </a:rPr>
+              <a:t> Fine-</a:t>
+            </a:r>
+            <a:r>
+              <a:rPr lang="es-MX" b="1" dirty="0" err="1">
+                <a:latin typeface="Open Sans"/>
+                <a:ea typeface="Open Sans"/>
+                <a:cs typeface="Open Sans"/>
+                <a:sym typeface="Open Sans"/>
+              </a:rPr>
+              <a:t>Tuning</a:t>
+            </a:r>
+            <a:endParaRPr lang="es-MX" b="1" dirty="0">
               <a:latin typeface="Open Sans"/>
               <a:ea typeface="Open Sans"/>
               <a:cs typeface="Open Sans"/>
@@ -9157,7 +9398,7 @@
             </a:endParaRPr>
           </a:p>
           <a:p>
-            <a:pPr indent="0" lvl="0" marL="0" rtl="0" algn="l">
+            <a:pPr marL="0" lvl="0" indent="0" algn="just" rtl="0">
               <a:spcBef>
                 <a:spcPts val="0"/>
               </a:spcBef>
@@ -9167,7 +9408,43 @@
               <a:buNone/>
             </a:pPr>
             <a:r>
-              <a:rPr lang="es">
+              <a:rPr lang="es-MX" i="1" dirty="0">
+                <a:latin typeface="Open Sans"/>
+                <a:ea typeface="Open Sans"/>
+                <a:cs typeface="Open Sans"/>
+                <a:sym typeface="Open Sans"/>
+              </a:rPr>
+              <a:t>Fine-</a:t>
+            </a:r>
+            <a:r>
+              <a:rPr lang="es-MX" i="1" dirty="0" err="1">
+                <a:latin typeface="Open Sans"/>
+                <a:ea typeface="Open Sans"/>
+                <a:cs typeface="Open Sans"/>
+                <a:sym typeface="Open Sans"/>
+              </a:rPr>
+              <a:t>Tuning</a:t>
+            </a:r>
+            <a:endParaRPr lang="es-MX" i="1" dirty="0">
+              <a:latin typeface="Open Sans"/>
+              <a:ea typeface="Open Sans"/>
+              <a:cs typeface="Open Sans"/>
+              <a:sym typeface="Open Sans"/>
+            </a:endParaRPr>
+          </a:p>
+          <a:p>
+            <a:pPr marL="285750" lvl="0" indent="-285750" algn="just" rtl="0">
+              <a:spcBef>
+                <a:spcPts val="0"/>
+              </a:spcBef>
+              <a:spcAft>
+                <a:spcPts val="0"/>
+              </a:spcAft>
+              <a:buFont typeface="Arial" panose="020B0604020202020204" pitchFamily="34" charset="0"/>
+              <a:buChar char="•"/>
+            </a:pPr>
+            <a:r>
+              <a:rPr lang="es" dirty="0">
                 <a:latin typeface="Open Sans"/>
                 <a:ea typeface="Open Sans"/>
                 <a:cs typeface="Open Sans"/>
@@ -9175,7 +9452,7 @@
               </a:rPr>
               <a:t>The style of captioning may not be natural for the pre-trained language model.</a:t>
             </a:r>
-            <a:endParaRPr>
+            <a:endParaRPr dirty="0">
               <a:latin typeface="Open Sans"/>
               <a:ea typeface="Open Sans"/>
               <a:cs typeface="Open Sans"/>
@@ -9183,17 +9460,18 @@
             </a:endParaRPr>
           </a:p>
           <a:p>
-            <a:pPr indent="0" lvl="0" marL="0" rtl="0" algn="l">
-              <a:spcBef>
-                <a:spcPts val="0"/>
-              </a:spcBef>
-              <a:spcAft>
-                <a:spcPts val="0"/>
-              </a:spcAft>
-              <a:buNone/>
+            <a:pPr marL="285750" lvl="0" indent="-285750" algn="just" rtl="0">
+              <a:spcBef>
+                <a:spcPts val="0"/>
+              </a:spcBef>
+              <a:spcAft>
+                <a:spcPts val="0"/>
+              </a:spcAft>
+              <a:buFont typeface="Arial" panose="020B0604020202020204" pitchFamily="34" charset="0"/>
+              <a:buChar char="•"/>
             </a:pPr>
             <a:r>
-              <a:rPr lang="es">
+              <a:rPr lang="es" dirty="0">
                 <a:latin typeface="Open Sans"/>
                 <a:ea typeface="Open Sans"/>
                 <a:cs typeface="Open Sans"/>
@@ -9201,7 +9479,7 @@
               </a:rPr>
               <a:t>Provides flexibility.</a:t>
             </a:r>
-            <a:endParaRPr>
+            <a:endParaRPr dirty="0">
               <a:latin typeface="Open Sans"/>
               <a:ea typeface="Open Sans"/>
               <a:cs typeface="Open Sans"/>
@@ -9209,17 +9487,18 @@
             </a:endParaRPr>
           </a:p>
           <a:p>
-            <a:pPr indent="0" lvl="0" marL="0" rtl="0" algn="l">
-              <a:spcBef>
-                <a:spcPts val="0"/>
-              </a:spcBef>
-              <a:spcAft>
-                <a:spcPts val="0"/>
-              </a:spcAft>
-              <a:buNone/>
+            <a:pPr marL="285750" lvl="0" indent="-285750" algn="just" rtl="0">
+              <a:spcBef>
+                <a:spcPts val="0"/>
+              </a:spcBef>
+              <a:spcAft>
+                <a:spcPts val="0"/>
+              </a:spcAft>
+              <a:buFont typeface="Arial" panose="020B0604020202020204" pitchFamily="34" charset="0"/>
+              <a:buChar char="•"/>
             </a:pPr>
             <a:r>
-              <a:rPr lang="es">
+              <a:rPr lang="es" dirty="0">
                 <a:latin typeface="Open Sans"/>
                 <a:ea typeface="Open Sans"/>
                 <a:cs typeface="Open Sans"/>
@@ -9227,7 +9506,7 @@
               </a:rPr>
               <a:t>More trainable parameters.</a:t>
             </a:r>
-            <a:endParaRPr>
+            <a:endParaRPr dirty="0">
               <a:latin typeface="Open Sans"/>
               <a:ea typeface="Open Sans"/>
               <a:cs typeface="Open Sans"/>
@@ -9235,17 +9514,18 @@
             </a:endParaRPr>
           </a:p>
           <a:p>
-            <a:pPr indent="0" lvl="0" marL="0" rtl="0" algn="l">
-              <a:spcBef>
-                <a:spcPts val="0"/>
-              </a:spcBef>
-              <a:spcAft>
-                <a:spcPts val="0"/>
-              </a:spcAft>
-              <a:buNone/>
+            <a:pPr marL="285750" lvl="0" indent="-285750" algn="just" rtl="0">
+              <a:spcBef>
+                <a:spcPts val="0"/>
+              </a:spcBef>
+              <a:spcAft>
+                <a:spcPts val="0"/>
+              </a:spcAft>
+              <a:buFont typeface="Arial" panose="020B0604020202020204" pitchFamily="34" charset="0"/>
+              <a:buChar char="•"/>
             </a:pPr>
             <a:r>
-              <a:rPr lang="es">
+              <a:rPr lang="es" dirty="0">
                 <a:latin typeface="Open Sans"/>
                 <a:ea typeface="Open Sans"/>
                 <a:cs typeface="Open Sans"/>
@@ -9253,7 +9533,7 @@
               </a:rPr>
               <a:t>Simple architecture.</a:t>
             </a:r>
-            <a:endParaRPr>
+            <a:endParaRPr dirty="0">
               <a:latin typeface="Open Sans"/>
               <a:ea typeface="Open Sans"/>
               <a:cs typeface="Open Sans"/>
@@ -9261,7 +9541,7 @@
             </a:endParaRPr>
           </a:p>
           <a:p>
-            <a:pPr indent="0" lvl="0" marL="0" rtl="0" algn="l">
+            <a:pPr marL="0" lvl="0" indent="0" algn="just" rtl="0">
               <a:spcBef>
                 <a:spcPts val="0"/>
               </a:spcBef>
@@ -9271,9 +9551,15 @@
               <a:buNone/>
             </a:pPr>
             <a:r>
-              <a:t/>
+              <a:rPr lang="en-US" i="1" dirty="0">
+                <a:latin typeface="Open Sans"/>
+                <a:ea typeface="Open Sans"/>
+                <a:cs typeface="Open Sans"/>
+                <a:sym typeface="Open Sans"/>
+              </a:rPr>
+              <a:t>No Fine-Tuning</a:t>
             </a:r>
-            <a:endParaRPr>
+            <a:endParaRPr i="1" dirty="0">
               <a:latin typeface="Open Sans"/>
               <a:ea typeface="Open Sans"/>
               <a:cs typeface="Open Sans"/>
@@ -9281,7 +9567,7 @@
             </a:endParaRPr>
           </a:p>
           <a:p>
-            <a:pPr indent="0" lvl="0" marL="0" rtl="0" algn="l">
+            <a:pPr marL="285750" lvl="0" indent="-285750" algn="just" rtl="0">
               <a:spcBef>
                 <a:spcPts val="0"/>
               </a:spcBef>
@@ -9292,11 +9578,11 @@
                 <a:schemeClr val="dk1"/>
               </a:buClr>
               <a:buSzPts val="1100"/>
-              <a:buFont typeface="Arial"/>
-              <a:buNone/>
+              <a:buFont typeface="Arial" panose="020B0604020202020204" pitchFamily="34" charset="0"/>
+              <a:buChar char="•"/>
             </a:pPr>
             <a:r>
-              <a:rPr lang="es">
+              <a:rPr lang="es" dirty="0">
                 <a:solidFill>
                   <a:schemeClr val="dk1"/>
                 </a:solidFill>
@@ -9307,7 +9593,7 @@
               </a:rPr>
               <a:t>Even lighter model.</a:t>
             </a:r>
-            <a:endParaRPr>
+            <a:endParaRPr dirty="0">
               <a:solidFill>
                 <a:schemeClr val="dk1"/>
               </a:solidFill>
@@ -9318,7 +9604,7 @@
             </a:endParaRPr>
           </a:p>
           <a:p>
-            <a:pPr indent="0" lvl="0" marL="0" rtl="0" algn="l">
+            <a:pPr marL="285750" lvl="0" indent="-285750" algn="just" rtl="0">
               <a:spcBef>
                 <a:spcPts val="0"/>
               </a:spcBef>
@@ -9329,11 +9615,11 @@
                 <a:schemeClr val="dk1"/>
               </a:buClr>
               <a:buSzPts val="1100"/>
-              <a:buFont typeface="Arial"/>
-              <a:buNone/>
+              <a:buFont typeface="Arial" panose="020B0604020202020204" pitchFamily="34" charset="0"/>
+              <a:buChar char="•"/>
             </a:pPr>
             <a:r>
-              <a:rPr lang="es">
+              <a:rPr lang="es" dirty="0">
                 <a:solidFill>
                   <a:schemeClr val="dk1"/>
                 </a:solidFill>
@@ -9344,7 +9630,7 @@
               </a:rPr>
               <a:t>Complex architecture.</a:t>
             </a:r>
-            <a:endParaRPr>
+            <a:endParaRPr dirty="0">
               <a:latin typeface="Open Sans"/>
               <a:ea typeface="Open Sans"/>
               <a:cs typeface="Open Sans"/>
@@ -9418,11 +9704,11 @@
 </file>
 
 <file path=ppt/slides/slide8.xml><?xml version="1.0" encoding="utf-8"?>
-<p:sld xmlns:a="http://schemas.openxmlformats.org/drawingml/2006/main" xmlns:r="http://schemas.openxmlformats.org/officeDocument/2006/relationships" xmlns:mc="http://schemas.openxmlformats.org/markup-compatibility/2006" xmlns:mv="urn:schemas-microsoft-com:mac:vml" xmlns:p="http://schemas.openxmlformats.org/presentationml/2006/main" xmlns:c="http://schemas.openxmlformats.org/drawingml/2006/chart" xmlns:dgm="http://schemas.openxmlformats.org/drawingml/2006/diagram" xmlns:o="urn:schemas-microsoft-com:office:office" xmlns:v="urn:schemas-microsoft-com:vml" xmlns:pvml="urn:schemas-microsoft-com:office:powerpoint" xmlns:com="http://schemas.openxmlformats.org/drawingml/2006/compatibility" xmlns:p14="http://schemas.microsoft.com/office/powerpoint/2010/main" xmlns:p15="http://schemas.microsoft.com/office/powerpoint/2012/main" xmlns:ahyp="http://schemas.microsoft.com/office/drawing/2018/hyperlinkcolor">
+<p:sld xmlns:a="http://schemas.openxmlformats.org/drawingml/2006/main" xmlns:r="http://schemas.openxmlformats.org/officeDocument/2006/relationships" xmlns:p="http://schemas.openxmlformats.org/presentationml/2006/main">
   <p:cSld>
     <p:spTree>
       <p:nvGrpSpPr>
-        <p:cNvPr id="112" name="Shape 112"/>
+        <p:cNvPr id="1" name="Shape 112"/>
         <p:cNvGrpSpPr/>
         <p:nvPr/>
       </p:nvGrpSpPr>
@@ -9437,7 +9723,9 @@
       <p:sp>
         <p:nvSpPr>
           <p:cNvPr id="113" name="Google Shape;113;p20"/>
-          <p:cNvSpPr txBox="1"/>
+          <p:cNvSpPr txBox="1">
+            <a:spLocks noGrp="1"/>
+          </p:cNvSpPr>
           <p:nvPr>
             <p:ph type="title"/>
           </p:nvPr>
@@ -9452,12 +9740,12 @@
           </a:prstGeom>
         </p:spPr>
         <p:txBody>
-          <a:bodyPr anchorCtr="0" anchor="b" bIns="91425" lIns="91425" spcFirstLastPara="1" rIns="91425" wrap="square" tIns="91425">
+          <a:bodyPr spcFirstLastPara="1" wrap="square" lIns="91425" tIns="91425" rIns="91425" bIns="91425" anchor="b" anchorCtr="0">
             <a:normAutofit/>
           </a:bodyPr>
           <a:lstStyle/>
           <a:p>
-            <a:pPr indent="0" lvl="0" marL="0" rtl="0" algn="l">
+            <a:pPr marL="0" lvl="0" indent="0" algn="l" rtl="0">
               <a:spcBef>
                 <a:spcPts val="0"/>
               </a:spcBef>
@@ -9511,11 +9799,11 @@
 </file>
 
 <file path=ppt/slides/slide9.xml><?xml version="1.0" encoding="utf-8"?>
-<p:sld xmlns:a="http://schemas.openxmlformats.org/drawingml/2006/main" xmlns:r="http://schemas.openxmlformats.org/officeDocument/2006/relationships" xmlns:mc="http://schemas.openxmlformats.org/markup-compatibility/2006" xmlns:mv="urn:schemas-microsoft-com:mac:vml" xmlns:p="http://schemas.openxmlformats.org/presentationml/2006/main" xmlns:c="http://schemas.openxmlformats.org/drawingml/2006/chart" xmlns:dgm="http://schemas.openxmlformats.org/drawingml/2006/diagram" xmlns:o="urn:schemas-microsoft-com:office:office" xmlns:v="urn:schemas-microsoft-com:vml" xmlns:pvml="urn:schemas-microsoft-com:office:powerpoint" xmlns:com="http://schemas.openxmlformats.org/drawingml/2006/compatibility" xmlns:p14="http://schemas.microsoft.com/office/powerpoint/2010/main" xmlns:p15="http://schemas.microsoft.com/office/powerpoint/2012/main" xmlns:ahyp="http://schemas.microsoft.com/office/drawing/2018/hyperlinkcolor">
+<p:sld xmlns:a="http://schemas.openxmlformats.org/drawingml/2006/main" xmlns:r="http://schemas.openxmlformats.org/officeDocument/2006/relationships" xmlns:p="http://schemas.openxmlformats.org/presentationml/2006/main">
   <p:cSld>
     <p:spTree>
       <p:nvGrpSpPr>
-        <p:cNvPr id="118" name="Shape 118"/>
+        <p:cNvPr id="1" name="Shape 118"/>
         <p:cNvGrpSpPr/>
         <p:nvPr/>
       </p:nvGrpSpPr>
@@ -9530,7 +9818,9 @@
       <p:sp>
         <p:nvSpPr>
           <p:cNvPr id="119" name="Google Shape;119;p21"/>
-          <p:cNvSpPr txBox="1"/>
+          <p:cNvSpPr txBox="1">
+            <a:spLocks noGrp="1"/>
+          </p:cNvSpPr>
           <p:nvPr>
             <p:ph type="title"/>
           </p:nvPr>
@@ -9545,12 +9835,12 @@
           </a:prstGeom>
         </p:spPr>
         <p:txBody>
-          <a:bodyPr anchorCtr="0" anchor="b" bIns="91425" lIns="91425" spcFirstLastPara="1" rIns="91425" wrap="square" tIns="91425">
+          <a:bodyPr spcFirstLastPara="1" wrap="square" lIns="91425" tIns="91425" rIns="91425" bIns="91425" anchor="b" anchorCtr="0">
             <a:normAutofit/>
           </a:bodyPr>
           <a:lstStyle/>
           <a:p>
-            <a:pPr indent="0" lvl="0" marL="0" rtl="0" algn="l">
+            <a:pPr marL="0" lvl="0" indent="0" algn="l" rtl="0">
               <a:spcBef>
                 <a:spcPts val="0"/>
               </a:spcBef>
@@ -9604,7 +9894,288 @@
 </file>
 
 <file path=ppt/theme/theme1.xml><?xml version="1.0" encoding="utf-8"?>
-<a:theme xmlns:a="http://schemas.openxmlformats.org/drawingml/2006/main" xmlns:r="http://schemas.openxmlformats.org/officeDocument/2006/relationships">
+<a:theme xmlns:a="http://schemas.openxmlformats.org/drawingml/2006/main" name="Luxe">
+  <a:themeElements>
+    <a:clrScheme name="Luxe">
+      <a:dk1>
+        <a:srgbClr val="000000"/>
+      </a:dk1>
+      <a:lt1>
+        <a:srgbClr val="FFFFFF"/>
+      </a:lt1>
+      <a:dk2>
+        <a:srgbClr val="B7B7B7"/>
+      </a:dk2>
+      <a:lt2>
+        <a:srgbClr val="CCA677"/>
+      </a:lt2>
+      <a:accent1>
+        <a:srgbClr val="5D4037"/>
+      </a:accent1>
+      <a:accent2>
+        <a:srgbClr val="455A64"/>
+      </a:accent2>
+      <a:accent3>
+        <a:srgbClr val="57BB8A"/>
+      </a:accent3>
+      <a:accent4>
+        <a:srgbClr val="78909C"/>
+      </a:accent4>
+      <a:accent5>
+        <a:srgbClr val="607D8B"/>
+      </a:accent5>
+      <a:accent6>
+        <a:srgbClr val="DCE755"/>
+      </a:accent6>
+      <a:hlink>
+        <a:srgbClr val="607D8B"/>
+      </a:hlink>
+      <a:folHlink>
+        <a:srgbClr val="607D8B"/>
+      </a:folHlink>
+    </a:clrScheme>
+    <a:fontScheme name="Office">
+      <a:majorFont>
+        <a:latin typeface="Arial"/>
+        <a:ea typeface=""/>
+        <a:cs typeface=""/>
+        <a:font script="Jpan" typeface="ＭＳ Ｐゴシック"/>
+        <a:font script="Hang" typeface="맑은 고딕"/>
+        <a:font script="Hans" typeface="宋体"/>
+        <a:font script="Hant" typeface="新細明體"/>
+        <a:font script="Arab" typeface="Times New Roman"/>
+        <a:font script="Hebr" typeface="Times New Roman"/>
+        <a:font script="Thai" typeface="Angsana New"/>
+        <a:font script="Ethi" typeface="Nyala"/>
+        <a:font script="Beng" typeface="Vrinda"/>
+        <a:font script="Gujr" typeface="Shruti"/>
+        <a:font script="Khmr" typeface="MoolBoran"/>
+        <a:font script="Knda" typeface="Tunga"/>
+        <a:font script="Guru" typeface="Raavi"/>
+        <a:font script="Cans" typeface="Euphemia"/>
+        <a:font script="Cher" typeface="Plantagenet Cherokee"/>
+        <a:font script="Yiii" typeface="Microsoft Yi Baiti"/>
+        <a:font script="Tibt" typeface="Microsoft Himalaya"/>
+        <a:font script="Thaa" typeface="MV Boli"/>
+        <a:font script="Deva" typeface="Mangal"/>
+        <a:font script="Telu" typeface="Gautami"/>
+        <a:font script="Taml" typeface="Latha"/>
+        <a:font script="Syrc" typeface="Estrangelo Edessa"/>
+        <a:font script="Orya" typeface="Kalinga"/>
+        <a:font script="Mlym" typeface="Kartika"/>
+        <a:font script="Laoo" typeface="DokChampa"/>
+        <a:font script="Sinh" typeface="Iskoola Pota"/>
+        <a:font script="Mong" typeface="Mongolian Baiti"/>
+        <a:font script="Viet" typeface="Times New Roman"/>
+        <a:font script="Uigh" typeface="Microsoft Uighur"/>
+        <a:font script="Geor" typeface="Sylfaen"/>
+      </a:majorFont>
+      <a:minorFont>
+        <a:latin typeface="Arial"/>
+        <a:ea typeface=""/>
+        <a:cs typeface=""/>
+        <a:font script="Jpan" typeface="ＭＳ Ｐゴシック"/>
+        <a:font script="Hang" typeface="맑은 고딕"/>
+        <a:font script="Hans" typeface="宋体"/>
+        <a:font script="Hant" typeface="新細明體"/>
+        <a:font script="Arab" typeface="Arial"/>
+        <a:font script="Hebr" typeface="Arial"/>
+        <a:font script="Thai" typeface="Cordia New"/>
+        <a:font script="Ethi" typeface="Nyala"/>
+        <a:font script="Beng" typeface="Vrinda"/>
+        <a:font script="Gujr" typeface="Shruti"/>
+        <a:font script="Khmr" typeface="DaunPenh"/>
+        <a:font script="Knda" typeface="Tunga"/>
+        <a:font script="Guru" typeface="Raavi"/>
+        <a:font script="Cans" typeface="Euphemia"/>
+        <a:font script="Cher" typeface="Plantagenet Cherokee"/>
+        <a:font script="Yiii" typeface="Microsoft Yi Baiti"/>
+        <a:font script="Tibt" typeface="Microsoft Himalaya"/>
+        <a:font script="Thaa" typeface="MV Boli"/>
+        <a:font script="Deva" typeface="Mangal"/>
+        <a:font script="Telu" typeface="Gautami"/>
+        <a:font script="Taml" typeface="Latha"/>
+        <a:font script="Syrc" typeface="Estrangelo Edessa"/>
+        <a:font script="Orya" typeface="Kalinga"/>
+        <a:font script="Mlym" typeface="Kartika"/>
+        <a:font script="Laoo" typeface="DokChampa"/>
+        <a:font script="Sinh" typeface="Iskoola Pota"/>
+        <a:font script="Mong" typeface="Mongolian Baiti"/>
+        <a:font script="Viet" typeface="Arial"/>
+        <a:font script="Uigh" typeface="Microsoft Uighur"/>
+        <a:font script="Geor" typeface="Sylfaen"/>
+      </a:minorFont>
+    </a:fontScheme>
+    <a:fmtScheme name="Office">
+      <a:fillStyleLst>
+        <a:solidFill>
+          <a:schemeClr val="phClr"/>
+        </a:solidFill>
+        <a:gradFill rotWithShape="1">
+          <a:gsLst>
+            <a:gs pos="0">
+              <a:schemeClr val="phClr">
+                <a:tint val="50000"/>
+                <a:satMod val="300000"/>
+              </a:schemeClr>
+            </a:gs>
+            <a:gs pos="35000">
+              <a:schemeClr val="phClr">
+                <a:tint val="37000"/>
+                <a:satMod val="300000"/>
+              </a:schemeClr>
+            </a:gs>
+            <a:gs pos="100000">
+              <a:schemeClr val="phClr">
+                <a:tint val="15000"/>
+                <a:satMod val="350000"/>
+              </a:schemeClr>
+            </a:gs>
+          </a:gsLst>
+          <a:lin ang="16200000" scaled="1"/>
+        </a:gradFill>
+        <a:gradFill rotWithShape="1">
+          <a:gsLst>
+            <a:gs pos="0">
+              <a:schemeClr val="phClr">
+                <a:tint val="100000"/>
+                <a:shade val="100000"/>
+                <a:satMod val="130000"/>
+              </a:schemeClr>
+            </a:gs>
+            <a:gs pos="100000">
+              <a:schemeClr val="phClr">
+                <a:tint val="50000"/>
+                <a:shade val="100000"/>
+                <a:satMod val="350000"/>
+              </a:schemeClr>
+            </a:gs>
+          </a:gsLst>
+          <a:lin ang="16200000" scaled="0"/>
+        </a:gradFill>
+      </a:fillStyleLst>
+      <a:lnStyleLst>
+        <a:ln w="9525" cap="flat" cmpd="sng" algn="ctr">
+          <a:solidFill>
+            <a:schemeClr val="phClr">
+              <a:shade val="95000"/>
+              <a:satMod val="105000"/>
+            </a:schemeClr>
+          </a:solidFill>
+          <a:prstDash val="solid"/>
+        </a:ln>
+        <a:ln w="25400" cap="flat" cmpd="sng" algn="ctr">
+          <a:solidFill>
+            <a:schemeClr val="phClr"/>
+          </a:solidFill>
+          <a:prstDash val="solid"/>
+        </a:ln>
+        <a:ln w="38100" cap="flat" cmpd="sng" algn="ctr">
+          <a:solidFill>
+            <a:schemeClr val="phClr"/>
+          </a:solidFill>
+          <a:prstDash val="solid"/>
+        </a:ln>
+      </a:lnStyleLst>
+      <a:effectStyleLst>
+        <a:effectStyle>
+          <a:effectLst>
+            <a:outerShdw blurRad="40000" dist="20000" dir="5400000" rotWithShape="0">
+              <a:srgbClr val="000000">
+                <a:alpha val="38000"/>
+              </a:srgbClr>
+            </a:outerShdw>
+          </a:effectLst>
+        </a:effectStyle>
+        <a:effectStyle>
+          <a:effectLst>
+            <a:outerShdw blurRad="40000" dist="23000" dir="5400000" rotWithShape="0">
+              <a:srgbClr val="000000">
+                <a:alpha val="35000"/>
+              </a:srgbClr>
+            </a:outerShdw>
+          </a:effectLst>
+        </a:effectStyle>
+        <a:effectStyle>
+          <a:effectLst>
+            <a:outerShdw blurRad="40000" dist="23000" dir="5400000" rotWithShape="0">
+              <a:srgbClr val="000000">
+                <a:alpha val="35000"/>
+              </a:srgbClr>
+            </a:outerShdw>
+          </a:effectLst>
+          <a:scene3d>
+            <a:camera prst="orthographicFront">
+              <a:rot lat="0" lon="0" rev="0"/>
+            </a:camera>
+            <a:lightRig rig="threePt" dir="t">
+              <a:rot lat="0" lon="0" rev="1200000"/>
+            </a:lightRig>
+          </a:scene3d>
+          <a:sp3d>
+            <a:bevelT w="63500" h="25400"/>
+          </a:sp3d>
+        </a:effectStyle>
+      </a:effectStyleLst>
+      <a:bgFillStyleLst>
+        <a:solidFill>
+          <a:schemeClr val="phClr"/>
+        </a:solidFill>
+        <a:gradFill rotWithShape="1">
+          <a:gsLst>
+            <a:gs pos="0">
+              <a:schemeClr val="phClr">
+                <a:tint val="40000"/>
+                <a:satMod val="350000"/>
+              </a:schemeClr>
+            </a:gs>
+            <a:gs pos="40000">
+              <a:schemeClr val="phClr">
+                <a:tint val="45000"/>
+                <a:shade val="99000"/>
+                <a:satMod val="350000"/>
+              </a:schemeClr>
+            </a:gs>
+            <a:gs pos="100000">
+              <a:schemeClr val="phClr">
+                <a:shade val="20000"/>
+                <a:satMod val="255000"/>
+              </a:schemeClr>
+            </a:gs>
+          </a:gsLst>
+          <a:path path="circle">
+            <a:fillToRect l="50000" t="-80000" r="50000" b="180000"/>
+          </a:path>
+        </a:gradFill>
+        <a:gradFill rotWithShape="1">
+          <a:gsLst>
+            <a:gs pos="0">
+              <a:schemeClr val="phClr">
+                <a:tint val="80000"/>
+                <a:satMod val="300000"/>
+              </a:schemeClr>
+            </a:gs>
+            <a:gs pos="100000">
+              <a:schemeClr val="phClr">
+                <a:shade val="30000"/>
+                <a:satMod val="200000"/>
+              </a:schemeClr>
+            </a:gs>
+          </a:gsLst>
+          <a:path path="circle">
+            <a:fillToRect l="50000" t="50000" r="50000" b="50000"/>
+          </a:path>
+        </a:gradFill>
+      </a:bgFillStyleLst>
+    </a:fmtScheme>
+  </a:themeElements>
+  <a:objectDefaults/>
+  <a:extraClrSchemeLst/>
+</a:theme>
+</file>
+
+<file path=ppt/theme/theme2.xml><?xml version="1.0" encoding="utf-8"?>
+<a:theme xmlns:a="http://schemas.openxmlformats.org/drawingml/2006/main">
   <a:themeElements>
     <a:clrScheme name="Default">
       <a:dk1>
@@ -9879,284 +10450,7 @@
       </a:bgFillStyleLst>
     </a:fmtScheme>
   </a:themeElements>
-</a:theme>
-</file>
-
-<file path=ppt/theme/theme2.xml><?xml version="1.0" encoding="utf-8"?>
-<a:theme xmlns:a="http://schemas.openxmlformats.org/drawingml/2006/main" xmlns:r="http://schemas.openxmlformats.org/officeDocument/2006/relationships" name="Luxe">
-  <a:themeElements>
-    <a:clrScheme name="Luxe">
-      <a:dk1>
-        <a:srgbClr val="000000"/>
-      </a:dk1>
-      <a:lt1>
-        <a:srgbClr val="FFFFFF"/>
-      </a:lt1>
-      <a:dk2>
-        <a:srgbClr val="B7B7B7"/>
-      </a:dk2>
-      <a:lt2>
-        <a:srgbClr val="CCA677"/>
-      </a:lt2>
-      <a:accent1>
-        <a:srgbClr val="5D4037"/>
-      </a:accent1>
-      <a:accent2>
-        <a:srgbClr val="455A64"/>
-      </a:accent2>
-      <a:accent3>
-        <a:srgbClr val="57BB8A"/>
-      </a:accent3>
-      <a:accent4>
-        <a:srgbClr val="78909C"/>
-      </a:accent4>
-      <a:accent5>
-        <a:srgbClr val="607D8B"/>
-      </a:accent5>
-      <a:accent6>
-        <a:srgbClr val="DCE755"/>
-      </a:accent6>
-      <a:hlink>
-        <a:srgbClr val="607D8B"/>
-      </a:hlink>
-      <a:folHlink>
-        <a:srgbClr val="607D8B"/>
-      </a:folHlink>
-    </a:clrScheme>
-    <a:fontScheme name="Office">
-      <a:majorFont>
-        <a:latin typeface="Arial"/>
-        <a:ea typeface=""/>
-        <a:cs typeface=""/>
-        <a:font script="Jpan" typeface="ＭＳ Ｐゴシック"/>
-        <a:font script="Hang" typeface="맑은 고딕"/>
-        <a:font script="Hans" typeface="宋体"/>
-        <a:font script="Hant" typeface="新細明體"/>
-        <a:font script="Arab" typeface="Times New Roman"/>
-        <a:font script="Hebr" typeface="Times New Roman"/>
-        <a:font script="Thai" typeface="Angsana New"/>
-        <a:font script="Ethi" typeface="Nyala"/>
-        <a:font script="Beng" typeface="Vrinda"/>
-        <a:font script="Gujr" typeface="Shruti"/>
-        <a:font script="Khmr" typeface="MoolBoran"/>
-        <a:font script="Knda" typeface="Tunga"/>
-        <a:font script="Guru" typeface="Raavi"/>
-        <a:font script="Cans" typeface="Euphemia"/>
-        <a:font script="Cher" typeface="Plantagenet Cherokee"/>
-        <a:font script="Yiii" typeface="Microsoft Yi Baiti"/>
-        <a:font script="Tibt" typeface="Microsoft Himalaya"/>
-        <a:font script="Thaa" typeface="MV Boli"/>
-        <a:font script="Deva" typeface="Mangal"/>
-        <a:font script="Telu" typeface="Gautami"/>
-        <a:font script="Taml" typeface="Latha"/>
-        <a:font script="Syrc" typeface="Estrangelo Edessa"/>
-        <a:font script="Orya" typeface="Kalinga"/>
-        <a:font script="Mlym" typeface="Kartika"/>
-        <a:font script="Laoo" typeface="DokChampa"/>
-        <a:font script="Sinh" typeface="Iskoola Pota"/>
-        <a:font script="Mong" typeface="Mongolian Baiti"/>
-        <a:font script="Viet" typeface="Times New Roman"/>
-        <a:font script="Uigh" typeface="Microsoft Uighur"/>
-        <a:font script="Geor" typeface="Sylfaen"/>
-      </a:majorFont>
-      <a:minorFont>
-        <a:latin typeface="Arial"/>
-        <a:ea typeface=""/>
-        <a:cs typeface=""/>
-        <a:font script="Jpan" typeface="ＭＳ Ｐゴシック"/>
-        <a:font script="Hang" typeface="맑은 고딕"/>
-        <a:font script="Hans" typeface="宋体"/>
-        <a:font script="Hant" typeface="新細明體"/>
-        <a:font script="Arab" typeface="Arial"/>
-        <a:font script="Hebr" typeface="Arial"/>
-        <a:font script="Thai" typeface="Cordia New"/>
-        <a:font script="Ethi" typeface="Nyala"/>
-        <a:font script="Beng" typeface="Vrinda"/>
-        <a:font script="Gujr" typeface="Shruti"/>
-        <a:font script="Khmr" typeface="DaunPenh"/>
-        <a:font script="Knda" typeface="Tunga"/>
-        <a:font script="Guru" typeface="Raavi"/>
-        <a:font script="Cans" typeface="Euphemia"/>
-        <a:font script="Cher" typeface="Plantagenet Cherokee"/>
-        <a:font script="Yiii" typeface="Microsoft Yi Baiti"/>
-        <a:font script="Tibt" typeface="Microsoft Himalaya"/>
-        <a:font script="Thaa" typeface="MV Boli"/>
-        <a:font script="Deva" typeface="Mangal"/>
-        <a:font script="Telu" typeface="Gautami"/>
-        <a:font script="Taml" typeface="Latha"/>
-        <a:font script="Syrc" typeface="Estrangelo Edessa"/>
-        <a:font script="Orya" typeface="Kalinga"/>
-        <a:font script="Mlym" typeface="Kartika"/>
-        <a:font script="Laoo" typeface="DokChampa"/>
-        <a:font script="Sinh" typeface="Iskoola Pota"/>
-        <a:font script="Mong" typeface="Mongolian Baiti"/>
-        <a:font script="Viet" typeface="Arial"/>
-        <a:font script="Uigh" typeface="Microsoft Uighur"/>
-        <a:font script="Geor" typeface="Sylfaen"/>
-      </a:minorFont>
-    </a:fontScheme>
-    <a:fmtScheme name="Office">
-      <a:fillStyleLst>
-        <a:solidFill>
-          <a:schemeClr val="phClr"/>
-        </a:solidFill>
-        <a:gradFill rotWithShape="1">
-          <a:gsLst>
-            <a:gs pos="0">
-              <a:schemeClr val="phClr">
-                <a:tint val="50000"/>
-                <a:satMod val="300000"/>
-              </a:schemeClr>
-            </a:gs>
-            <a:gs pos="35000">
-              <a:schemeClr val="phClr">
-                <a:tint val="37000"/>
-                <a:satMod val="300000"/>
-              </a:schemeClr>
-            </a:gs>
-            <a:gs pos="100000">
-              <a:schemeClr val="phClr">
-                <a:tint val="15000"/>
-                <a:satMod val="350000"/>
-              </a:schemeClr>
-            </a:gs>
-          </a:gsLst>
-          <a:lin ang="16200000" scaled="1"/>
-        </a:gradFill>
-        <a:gradFill rotWithShape="1">
-          <a:gsLst>
-            <a:gs pos="0">
-              <a:schemeClr val="phClr">
-                <a:tint val="100000"/>
-                <a:shade val="100000"/>
-                <a:satMod val="130000"/>
-              </a:schemeClr>
-            </a:gs>
-            <a:gs pos="100000">
-              <a:schemeClr val="phClr">
-                <a:tint val="50000"/>
-                <a:shade val="100000"/>
-                <a:satMod val="350000"/>
-              </a:schemeClr>
-            </a:gs>
-          </a:gsLst>
-          <a:lin ang="16200000" scaled="0"/>
-        </a:gradFill>
-      </a:fillStyleLst>
-      <a:lnStyleLst>
-        <a:ln w="9525" cap="flat" cmpd="sng" algn="ctr">
-          <a:solidFill>
-            <a:schemeClr val="phClr">
-              <a:shade val="95000"/>
-              <a:satMod val="105000"/>
-            </a:schemeClr>
-          </a:solidFill>
-          <a:prstDash val="solid"/>
-        </a:ln>
-        <a:ln w="25400" cap="flat" cmpd="sng" algn="ctr">
-          <a:solidFill>
-            <a:schemeClr val="phClr"/>
-          </a:solidFill>
-          <a:prstDash val="solid"/>
-        </a:ln>
-        <a:ln w="38100" cap="flat" cmpd="sng" algn="ctr">
-          <a:solidFill>
-            <a:schemeClr val="phClr"/>
-          </a:solidFill>
-          <a:prstDash val="solid"/>
-        </a:ln>
-      </a:lnStyleLst>
-      <a:effectStyleLst>
-        <a:effectStyle>
-          <a:effectLst>
-            <a:outerShdw blurRad="40000" dist="20000" dir="5400000" rotWithShape="0">
-              <a:srgbClr val="000000">
-                <a:alpha val="38000"/>
-              </a:srgbClr>
-            </a:outerShdw>
-          </a:effectLst>
-        </a:effectStyle>
-        <a:effectStyle>
-          <a:effectLst>
-            <a:outerShdw blurRad="40000" dist="23000" dir="5400000" rotWithShape="0">
-              <a:srgbClr val="000000">
-                <a:alpha val="35000"/>
-              </a:srgbClr>
-            </a:outerShdw>
-          </a:effectLst>
-        </a:effectStyle>
-        <a:effectStyle>
-          <a:effectLst>
-            <a:outerShdw blurRad="40000" dist="23000" dir="5400000" rotWithShape="0">
-              <a:srgbClr val="000000">
-                <a:alpha val="35000"/>
-              </a:srgbClr>
-            </a:outerShdw>
-          </a:effectLst>
-          <a:scene3d>
-            <a:camera prst="orthographicFront">
-              <a:rot lat="0" lon="0" rev="0"/>
-            </a:camera>
-            <a:lightRig rig="threePt" dir="t">
-              <a:rot lat="0" lon="0" rev="1200000"/>
-            </a:lightRig>
-          </a:scene3d>
-          <a:sp3d>
-            <a:bevelT w="63500" h="25400"/>
-          </a:sp3d>
-        </a:effectStyle>
-      </a:effectStyleLst>
-      <a:bgFillStyleLst>
-        <a:solidFill>
-          <a:schemeClr val="phClr"/>
-        </a:solidFill>
-        <a:gradFill rotWithShape="1">
-          <a:gsLst>
-            <a:gs pos="0">
-              <a:schemeClr val="phClr">
-                <a:tint val="40000"/>
-                <a:satMod val="350000"/>
-              </a:schemeClr>
-            </a:gs>
-            <a:gs pos="40000">
-              <a:schemeClr val="phClr">
-                <a:tint val="45000"/>
-                <a:shade val="99000"/>
-                <a:satMod val="350000"/>
-              </a:schemeClr>
-            </a:gs>
-            <a:gs pos="100000">
-              <a:schemeClr val="phClr">
-                <a:shade val="20000"/>
-                <a:satMod val="255000"/>
-              </a:schemeClr>
-            </a:gs>
-          </a:gsLst>
-          <a:path path="circle">
-            <a:fillToRect l="50000" t="-80000" r="50000" b="180000"/>
-          </a:path>
-        </a:gradFill>
-        <a:gradFill rotWithShape="1">
-          <a:gsLst>
-            <a:gs pos="0">
-              <a:schemeClr val="phClr">
-                <a:tint val="80000"/>
-                <a:satMod val="300000"/>
-              </a:schemeClr>
-            </a:gs>
-            <a:gs pos="100000">
-              <a:schemeClr val="phClr">
-                <a:shade val="30000"/>
-                <a:satMod val="200000"/>
-              </a:schemeClr>
-            </a:gs>
-          </a:gsLst>
-          <a:path path="circle">
-            <a:fillToRect l="50000" t="50000" r="50000" b="50000"/>
-          </a:path>
-        </a:gradFill>
-      </a:bgFillStyleLst>
-    </a:fmtScheme>
-  </a:themeElements>
+  <a:objectDefaults/>
+  <a:extraClrSchemeLst/>
 </a:theme>
 </file>